--- a/ch01/第0章 课程简介.pptx
+++ b/ch01/第0章 课程简介.pptx
@@ -28,7 +28,7 @@
     <p:sldId id="577" r:id="rId19"/>
     <p:sldId id="568" r:id="rId20"/>
   </p:sldIdLst>
-  <p:sldSz cx="9144000" cy="6858000" type="screen4x3"/>
+  <p:sldSz cx="12192000" cy="6858000"/>
   <p:notesSz cx="6794500" cy="9918700"/>
   <p:defaultTextStyle>
     <a:defPPr>
@@ -163,12 +163,12 @@
   <p:extLst>
     <p:ext uri="{EFAFB233-063F-42B5-8137-9DF3F51BA10A}">
       <p15:sldGuideLst xmlns:p15="http://schemas.microsoft.com/office/powerpoint/2012/main">
-        <p15:guide id="1" orient="horz" pos="2180">
+        <p15:guide id="1" orient="horz" pos="2180" userDrawn="1">
           <p15:clr>
             <a:srgbClr val="A4A3A4"/>
           </p15:clr>
         </p15:guide>
-        <p15:guide id="2" pos="2835">
+        <p15:guide id="2" pos="3780" userDrawn="1">
           <p15:clr>
             <a:srgbClr val="A4A3A4"/>
           </p15:clr>
@@ -180,7 +180,7 @@
 </file>
 
 <file path=ppt/charts/chart1.xml><?xml version="1.0" encoding="utf-8"?>
-<c:chartSpace xmlns:c="http://schemas.openxmlformats.org/drawingml/2006/chart" xmlns:a="http://schemas.openxmlformats.org/drawingml/2006/main" xmlns:r="http://schemas.openxmlformats.org/officeDocument/2006/relationships">
+<c:chartSpace xmlns:c="http://schemas.openxmlformats.org/drawingml/2006/chart" xmlns:a="http://schemas.openxmlformats.org/drawingml/2006/main" xmlns:r="http://schemas.openxmlformats.org/officeDocument/2006/relationships" xmlns:c16r2="http://schemas.microsoft.com/office/drawing/2015/06/chart">
   <c:date1904 val="0"/>
   <c:lang val="zh-CN"/>
   <c:roundedCorners val="0"/>
@@ -209,7 +209,7 @@
                 <a:srgbClr val="92D050"/>
               </a:solidFill>
             </c:spPr>
-            <c:extLst xmlns:c16r2="http://schemas.microsoft.com/office/drawing/2015/06/chart">
+            <c:extLst>
               <c:ext xmlns:c16="http://schemas.microsoft.com/office/drawing/2014/chart" uri="{C3380CC4-5D6E-409C-BE32-E72D297353CC}">
                 <c16:uniqueId val="{00000001-18CC-460A-A28E-177F2C455E60}"/>
               </c:ext>
@@ -266,12 +266,12 @@
               <c:showSerName val="0"/>
               <c:showPercent val="1"/>
               <c:showBubbleSize val="0"/>
-              <c:extLst xmlns:c16r2="http://schemas.microsoft.com/office/drawing/2015/06/chart">
+              <c:extLst>
+                <c:ext xmlns:c15="http://schemas.microsoft.com/office/drawing/2012/chart" uri="{CE6537A1-D6FC-4f65-9D91-7224C49458BB}">
+                  <c15:layout/>
+                </c:ext>
                 <c:ext xmlns:c16="http://schemas.microsoft.com/office/drawing/2014/chart" uri="{C3380CC4-5D6E-409C-BE32-E72D297353CC}">
                   <c16:uniqueId val="{00000002-18CC-460A-A28E-177F2C455E60}"/>
-                </c:ext>
-                <c:ext xmlns:c15="http://schemas.microsoft.com/office/drawing/2012/chart" uri="{CE6537A1-D6FC-4f65-9D91-7224C49458BB}">
-                  <c15:layout/>
                 </c:ext>
               </c:extLst>
             </c:dLbl>
@@ -305,12 +305,12 @@
               <c:showSerName val="0"/>
               <c:showPercent val="1"/>
               <c:showBubbleSize val="0"/>
-              <c:extLst xmlns:c16r2="http://schemas.microsoft.com/office/drawing/2015/06/chart">
+              <c:extLst>
+                <c:ext xmlns:c15="http://schemas.microsoft.com/office/drawing/2012/chart" uri="{CE6537A1-D6FC-4f65-9D91-7224C49458BB}">
+                  <c15:layout/>
+                </c:ext>
                 <c:ext xmlns:c16="http://schemas.microsoft.com/office/drawing/2014/chart" uri="{C3380CC4-5D6E-409C-BE32-E72D297353CC}">
                   <c16:uniqueId val="{00000003-18CC-460A-A28E-177F2C455E60}"/>
-                </c:ext>
-                <c:ext xmlns:c15="http://schemas.microsoft.com/office/drawing/2012/chart" uri="{CE6537A1-D6FC-4f65-9D91-7224C49458BB}">
-                  <c15:layout/>
                 </c:ext>
               </c:extLst>
             </c:dLbl>
@@ -352,12 +352,12 @@
               <c:showSerName val="0"/>
               <c:showPercent val="1"/>
               <c:showBubbleSize val="0"/>
-              <c:extLst xmlns:c16r2="http://schemas.microsoft.com/office/drawing/2015/06/chart">
+              <c:extLst>
+                <c:ext xmlns:c15="http://schemas.microsoft.com/office/drawing/2012/chart" uri="{CE6537A1-D6FC-4f65-9D91-7224C49458BB}">
+                  <c15:layout/>
+                </c:ext>
                 <c:ext xmlns:c16="http://schemas.microsoft.com/office/drawing/2014/chart" uri="{C3380CC4-5D6E-409C-BE32-E72D297353CC}">
                   <c16:uniqueId val="{00000004-18CC-460A-A28E-177F2C455E60}"/>
-                </c:ext>
-                <c:ext xmlns:c15="http://schemas.microsoft.com/office/drawing/2012/chart" uri="{CE6537A1-D6FC-4f65-9D91-7224C49458BB}">
-                  <c15:layout/>
                 </c:ext>
               </c:extLst>
             </c:dLbl>
@@ -399,12 +399,12 @@
               <c:showSerName val="0"/>
               <c:showPercent val="1"/>
               <c:showBubbleSize val="0"/>
-              <c:extLst xmlns:c16r2="http://schemas.microsoft.com/office/drawing/2015/06/chart">
+              <c:extLst>
+                <c:ext xmlns:c15="http://schemas.microsoft.com/office/drawing/2012/chart" uri="{CE6537A1-D6FC-4f65-9D91-7224C49458BB}">
+                  <c15:layout/>
+                </c:ext>
                 <c:ext xmlns:c16="http://schemas.microsoft.com/office/drawing/2014/chart" uri="{C3380CC4-5D6E-409C-BE32-E72D297353CC}">
                   <c16:uniqueId val="{00000001-18CC-460A-A28E-177F2C455E60}"/>
-                </c:ext>
-                <c:ext xmlns:c15="http://schemas.microsoft.com/office/drawing/2012/chart" uri="{CE6537A1-D6FC-4f65-9D91-7224C49458BB}">
-                  <c15:layout/>
                 </c:ext>
               </c:extLst>
             </c:dLbl>
@@ -422,7 +422,7 @@
             <c:showPercent val="1"/>
             <c:showBubbleSize val="0"/>
             <c:showLeaderLines val="1"/>
-            <c:extLst xmlns:c16r2="http://schemas.microsoft.com/office/drawing/2015/06/chart">
+            <c:extLst>
               <c:ext xmlns:c15="http://schemas.microsoft.com/office/drawing/2012/chart" uri="{CE6537A1-D6FC-4f65-9D91-7224C49458BB}">
                 <c15:layout/>
               </c:ext>
@@ -481,7 +481,7 @@
               </c:numCache>
             </c:numRef>
           </c:val>
-          <c:extLst xmlns:c16r2="http://schemas.microsoft.com/office/drawing/2015/06/chart">
+          <c:extLst>
             <c:ext xmlns:c16="http://schemas.microsoft.com/office/drawing/2014/chart" uri="{C3380CC4-5D6E-409C-BE32-E72D297353CC}">
               <c16:uniqueId val="{00000005-18CC-460A-A28E-177F2C455E60}"/>
             </c:ext>
@@ -691,8 +691,8 @@
         </p:nvSpPr>
         <p:spPr bwMode="auto">
           <a:xfrm>
-            <a:off x="917575" y="744538"/>
-            <a:ext cx="4959350" cy="3719512"/>
+            <a:off x="92075" y="744538"/>
+            <a:ext cx="6610350" cy="3719512"/>
           </a:xfrm>
           <a:prstGeom prst="rect">
             <a:avLst/>
@@ -1139,7 +1139,12 @@
             <p:ph type="sldImg"/>
           </p:nvPr>
         </p:nvSpPr>
-        <p:spPr/>
+        <p:spPr>
+          <a:xfrm>
+            <a:off x="92075" y="744538"/>
+            <a:ext cx="6610350" cy="3719512"/>
+          </a:xfrm>
+        </p:spPr>
       </p:sp>
       <p:sp>
         <p:nvSpPr>
@@ -1374,7 +1379,12 @@
             <p:ph type="sldImg"/>
           </p:nvPr>
         </p:nvSpPr>
-        <p:spPr/>
+        <p:spPr>
+          <a:xfrm>
+            <a:off x="92075" y="744538"/>
+            <a:ext cx="6610350" cy="3719512"/>
+          </a:xfrm>
+        </p:spPr>
       </p:sp>
       <p:sp>
         <p:nvSpPr>
@@ -1648,8 +1658,8 @@
         </p:nvSpPr>
         <p:spPr>
           <a:xfrm>
-            <a:off x="685800" y="2130425"/>
-            <a:ext cx="7772400" cy="1470025"/>
+            <a:off x="914400" y="2130426"/>
+            <a:ext cx="10363200" cy="1470025"/>
           </a:xfrm>
           <a:prstGeom prst="rect">
             <a:avLst/>
@@ -1697,8 +1707,8 @@
         </p:nvSpPr>
         <p:spPr>
           <a:xfrm>
-            <a:off x="1371600" y="3886200"/>
-            <a:ext cx="6400800" cy="1752600"/>
+            <a:off x="1828800" y="3886200"/>
+            <a:ext cx="8534400" cy="1752600"/>
           </a:xfrm>
           <a:prstGeom prst="rect">
             <a:avLst/>
@@ -1780,8 +1790,8 @@
         </p:nvSpPr>
         <p:spPr>
           <a:xfrm>
-            <a:off x="457200" y="6245225"/>
-            <a:ext cx="2133600" cy="476250"/>
+            <a:off x="609600" y="6245225"/>
+            <a:ext cx="2844800" cy="476250"/>
           </a:xfrm>
           <a:prstGeom prst="rect">
             <a:avLst/>
@@ -1843,8 +1853,8 @@
         </p:nvSpPr>
         <p:spPr>
           <a:xfrm>
-            <a:off x="6553200" y="6245225"/>
-            <a:ext cx="2133600" cy="476250"/>
+            <a:off x="8737600" y="6245225"/>
+            <a:ext cx="2844800" cy="476250"/>
           </a:xfrm>
           <a:prstGeom prst="rect">
             <a:avLst/>
@@ -1900,8 +1910,8 @@
         </p:blipFill>
         <p:spPr bwMode="auto">
           <a:xfrm>
-            <a:off x="323528" y="188640"/>
-            <a:ext cx="1104900" cy="2017712"/>
+            <a:off x="431371" y="188640"/>
+            <a:ext cx="1473200" cy="2017712"/>
           </a:xfrm>
           <a:prstGeom prst="rect">
             <a:avLst/>
@@ -1980,8 +1990,8 @@
         </p:nvSpPr>
         <p:spPr>
           <a:xfrm>
-            <a:off x="457200" y="274638"/>
-            <a:ext cx="8229600" cy="742094"/>
+            <a:off x="609600" y="274638"/>
+            <a:ext cx="10972800" cy="742094"/>
           </a:xfrm>
           <a:prstGeom prst="rect">
             <a:avLst/>
@@ -2023,8 +2033,8 @@
         </p:nvSpPr>
         <p:spPr>
           <a:xfrm>
-            <a:off x="457200" y="1160748"/>
-            <a:ext cx="8229600" cy="4965415"/>
+            <a:off x="609600" y="1160749"/>
+            <a:ext cx="10972800" cy="4965415"/>
           </a:xfrm>
           <a:prstGeom prst="rect">
             <a:avLst/>
@@ -2158,8 +2168,8 @@
         </p:nvSpPr>
         <p:spPr>
           <a:xfrm>
-            <a:off x="457200" y="6245225"/>
-            <a:ext cx="2133600" cy="476250"/>
+            <a:off x="609600" y="6245225"/>
+            <a:ext cx="2844800" cy="476250"/>
           </a:xfrm>
           <a:prstGeom prst="rect">
             <a:avLst/>
@@ -2221,8 +2231,8 @@
         </p:nvSpPr>
         <p:spPr>
           <a:xfrm>
-            <a:off x="6553200" y="6245225"/>
-            <a:ext cx="2133600" cy="476250"/>
+            <a:off x="8737600" y="6245225"/>
+            <a:ext cx="2844800" cy="476250"/>
           </a:xfrm>
           <a:prstGeom prst="rect">
             <a:avLst/>
@@ -2263,8 +2273,8 @@
         </p:nvSpPr>
         <p:spPr>
           <a:xfrm>
-            <a:off x="7272300" y="6263751"/>
-            <a:ext cx="1512168" cy="369332"/>
+            <a:off x="9696400" y="6263751"/>
+            <a:ext cx="2016224" cy="369332"/>
           </a:xfrm>
           <a:prstGeom prst="rect">
             <a:avLst/>
@@ -2356,8 +2366,8 @@
         </p:nvSpPr>
         <p:spPr>
           <a:xfrm>
-            <a:off x="457200" y="274638"/>
-            <a:ext cx="8229600" cy="706090"/>
+            <a:off x="609600" y="274638"/>
+            <a:ext cx="10972800" cy="706090"/>
           </a:xfrm>
           <a:prstGeom prst="rect">
             <a:avLst/>
@@ -2399,8 +2409,8 @@
         </p:nvSpPr>
         <p:spPr>
           <a:xfrm>
-            <a:off x="457200" y="1088740"/>
-            <a:ext cx="4038600" cy="5037423"/>
+            <a:off x="609600" y="1088740"/>
+            <a:ext cx="5384800" cy="5037423"/>
           </a:xfrm>
           <a:prstGeom prst="rect">
             <a:avLst/>
@@ -2486,8 +2496,8 @@
         </p:nvSpPr>
         <p:spPr>
           <a:xfrm>
-            <a:off x="4648200" y="1088740"/>
-            <a:ext cx="4038600" cy="5037423"/>
+            <a:off x="6197600" y="1088740"/>
+            <a:ext cx="5384800" cy="5037423"/>
           </a:xfrm>
           <a:prstGeom prst="rect">
             <a:avLst/>
@@ -2573,8 +2583,8 @@
         </p:nvSpPr>
         <p:spPr>
           <a:xfrm>
-            <a:off x="457200" y="6245225"/>
-            <a:ext cx="2133600" cy="476250"/>
+            <a:off x="609600" y="6245225"/>
+            <a:ext cx="2844800" cy="476250"/>
           </a:xfrm>
           <a:prstGeom prst="rect">
             <a:avLst/>
@@ -2636,8 +2646,8 @@
         </p:nvSpPr>
         <p:spPr>
           <a:xfrm>
-            <a:off x="6553200" y="6245225"/>
-            <a:ext cx="2133600" cy="476250"/>
+            <a:off x="8737600" y="6245225"/>
+            <a:ext cx="2844800" cy="476250"/>
           </a:xfrm>
           <a:prstGeom prst="rect">
             <a:avLst/>
@@ -2678,8 +2688,8 @@
         </p:nvSpPr>
         <p:spPr>
           <a:xfrm>
-            <a:off x="7272300" y="6263751"/>
-            <a:ext cx="1512168" cy="369332"/>
+            <a:off x="9696400" y="6263751"/>
+            <a:ext cx="2016224" cy="369332"/>
           </a:xfrm>
           <a:prstGeom prst="rect">
             <a:avLst/>
@@ -2712,48 +2722,6 @@
               </a:rPr>
               <a:t>‹#›</a:t>
             </a:fld>
-            <a:endParaRPr lang="zh-CN" altLang="en-US" sz="1800">
-              <a:solidFill>
-                <a:schemeClr val="tx1"/>
-              </a:solidFill>
-              <a:latin typeface="微软雅黑" pitchFamily="34" charset="-122"/>
-              <a:ea typeface="微软雅黑" pitchFamily="34" charset="-122"/>
-            </a:endParaRPr>
-          </a:p>
-        </p:txBody>
-      </p:sp>
-      <p:sp>
-        <p:nvSpPr>
-          <p:cNvPr id="9" name="TextBox 8"/>
-          <p:cNvSpPr txBox="1"/>
-          <p:nvPr userDrawn="1"/>
-        </p:nvSpPr>
-        <p:spPr>
-          <a:xfrm>
-            <a:off x="287524" y="6231485"/>
-            <a:ext cx="1512168" cy="369332"/>
-          </a:xfrm>
-          <a:prstGeom prst="rect">
-            <a:avLst/>
-          </a:prstGeom>
-          <a:noFill/>
-        </p:spPr>
-        <p:txBody>
-          <a:bodyPr wrap="square" rtlCol="0">
-            <a:spAutoFit/>
-          </a:bodyPr>
-          <a:lstStyle/>
-          <a:p>
-            <a:r>
-              <a:rPr lang="zh-CN" altLang="en-US" sz="1800" smtClean="0">
-                <a:solidFill>
-                  <a:schemeClr val="tx1"/>
-                </a:solidFill>
-                <a:latin typeface="微软雅黑" pitchFamily="34" charset="-122"/>
-                <a:ea typeface="微软雅黑" pitchFamily="34" charset="-122"/>
-              </a:rPr>
-              <a:t>武永亮</a:t>
-            </a:r>
             <a:endParaRPr lang="zh-CN" altLang="en-US" sz="1800">
               <a:solidFill>
                 <a:schemeClr val="tx1"/>
@@ -2806,8 +2774,8 @@
         </p:nvSpPr>
         <p:spPr>
           <a:xfrm>
-            <a:off x="457200" y="6245225"/>
-            <a:ext cx="2133600" cy="476250"/>
+            <a:off x="609600" y="6245225"/>
+            <a:ext cx="2844800" cy="476250"/>
           </a:xfrm>
           <a:prstGeom prst="rect">
             <a:avLst/>
@@ -2869,8 +2837,8 @@
         </p:nvSpPr>
         <p:spPr>
           <a:xfrm>
-            <a:off x="6553200" y="6245225"/>
-            <a:ext cx="2133600" cy="476250"/>
+            <a:off x="8737600" y="6245225"/>
+            <a:ext cx="2844800" cy="476250"/>
           </a:xfrm>
           <a:prstGeom prst="rect">
             <a:avLst/>
@@ -2911,8 +2879,8 @@
         </p:nvSpPr>
         <p:spPr>
           <a:xfrm>
-            <a:off x="7272300" y="6263751"/>
-            <a:ext cx="1512168" cy="369332"/>
+            <a:off x="9696400" y="6263751"/>
+            <a:ext cx="2016224" cy="369332"/>
           </a:xfrm>
           <a:prstGeom prst="rect">
             <a:avLst/>
@@ -2945,48 +2913,6 @@
               </a:rPr>
               <a:t>‹#›</a:t>
             </a:fld>
-            <a:endParaRPr lang="zh-CN" altLang="en-US" sz="1800">
-              <a:solidFill>
-                <a:schemeClr val="tx1"/>
-              </a:solidFill>
-              <a:latin typeface="微软雅黑" pitchFamily="34" charset="-122"/>
-              <a:ea typeface="微软雅黑" pitchFamily="34" charset="-122"/>
-            </a:endParaRPr>
-          </a:p>
-        </p:txBody>
-      </p:sp>
-      <p:sp>
-        <p:nvSpPr>
-          <p:cNvPr id="6" name="TextBox 5"/>
-          <p:cNvSpPr txBox="1"/>
-          <p:nvPr userDrawn="1"/>
-        </p:nvSpPr>
-        <p:spPr>
-          <a:xfrm>
-            <a:off x="287524" y="6231485"/>
-            <a:ext cx="1512168" cy="369332"/>
-          </a:xfrm>
-          <a:prstGeom prst="rect">
-            <a:avLst/>
-          </a:prstGeom>
-          <a:noFill/>
-        </p:spPr>
-        <p:txBody>
-          <a:bodyPr wrap="square" rtlCol="0">
-            <a:spAutoFit/>
-          </a:bodyPr>
-          <a:lstStyle/>
-          <a:p>
-            <a:r>
-              <a:rPr lang="zh-CN" altLang="en-US" sz="1800" smtClean="0">
-                <a:solidFill>
-                  <a:schemeClr val="tx1"/>
-                </a:solidFill>
-                <a:latin typeface="微软雅黑" pitchFamily="34" charset="-122"/>
-                <a:ea typeface="微软雅黑" pitchFamily="34" charset="-122"/>
-              </a:rPr>
-              <a:t>武永亮</a:t>
-            </a:r>
             <a:endParaRPr lang="zh-CN" altLang="en-US" sz="1800">
               <a:solidFill>
                 <a:schemeClr val="tx1"/>
@@ -3058,8 +2984,8 @@
         </p:blipFill>
         <p:spPr bwMode="auto">
           <a:xfrm>
-            <a:off x="0" y="0"/>
-            <a:ext cx="9144000" cy="1000125"/>
+            <a:off x="0" y="1"/>
+            <a:ext cx="12192000" cy="1000125"/>
           </a:xfrm>
           <a:prstGeom prst="rect">
             <a:avLst/>
@@ -3101,8 +3027,8 @@
         </p:nvSpPr>
         <p:spPr bwMode="auto">
           <a:xfrm>
-            <a:off x="3124200" y="6245225"/>
-            <a:ext cx="2895600" cy="476250"/>
+            <a:off x="4165600" y="6245225"/>
+            <a:ext cx="3860800" cy="476250"/>
           </a:xfrm>
           <a:prstGeom prst="rect">
             <a:avLst/>
@@ -3181,8 +3107,8 @@
         </p:blipFill>
         <p:spPr bwMode="auto">
           <a:xfrm>
-            <a:off x="0" y="0"/>
-            <a:ext cx="2916238" cy="1000125"/>
+            <a:off x="0" y="1"/>
+            <a:ext cx="3888317" cy="1000125"/>
           </a:xfrm>
           <a:prstGeom prst="rect">
             <a:avLst/>
@@ -3699,6 +3625,26 @@
           <a:p>
             <a:pPr eaLnBrk="1" hangingPunct="1"/>
             <a:r>
+              <a:rPr lang="en-US" altLang="zh-CN" b="1" dirty="0" err="1" smtClean="0">
+                <a:solidFill>
+                  <a:srgbClr val="A50021"/>
+                </a:solidFill>
+                <a:latin typeface="华文新魏" pitchFamily="2" charset="-122"/>
+                <a:ea typeface="华文新魏" pitchFamily="2" charset="-122"/>
+              </a:rPr>
+              <a:t>JavaSE</a:t>
+            </a:r>
+            <a:r>
+              <a:rPr lang="en-US" altLang="zh-CN" b="1" dirty="0" smtClean="0">
+                <a:solidFill>
+                  <a:srgbClr val="A50021"/>
+                </a:solidFill>
+                <a:latin typeface="华文新魏" pitchFamily="2" charset="-122"/>
+                <a:ea typeface="华文新魏" pitchFamily="2" charset="-122"/>
+              </a:rPr>
+              <a:t> </a:t>
+            </a:r>
+            <a:r>
               <a:rPr lang="zh-CN" altLang="en-US" b="1" dirty="0" smtClean="0">
                 <a:solidFill>
                   <a:srgbClr val="A50021"/>
@@ -3706,9 +3652,19 @@
                 <a:latin typeface="华文新魏" pitchFamily="2" charset="-122"/>
                 <a:ea typeface="华文新魏" pitchFamily="2" charset="-122"/>
               </a:rPr>
-              <a:t>课程简介 </a:t>
-            </a:r>
-            <a:endParaRPr lang="zh-CN" altLang="en-US" sz="4800" dirty="0" smtClean="0">
+              <a:t>课程</a:t>
+            </a:r>
+            <a:r>
+              <a:rPr lang="zh-CN" altLang="en-US" b="1" dirty="0" smtClean="0">
+                <a:solidFill>
+                  <a:srgbClr val="A50021"/>
+                </a:solidFill>
+                <a:latin typeface="华文新魏" pitchFamily="2" charset="-122"/>
+                <a:ea typeface="华文新魏" pitchFamily="2" charset="-122"/>
+              </a:rPr>
+              <a:t>简介 </a:t>
+            </a:r>
+            <a:endParaRPr lang="zh-CN" altLang="en-US" sz="4800" dirty="0">
               <a:ea typeface="宋体" pitchFamily="2" charset="-122"/>
             </a:endParaRPr>
           </a:p>
@@ -3753,21 +3709,6 @@
           <a:bodyPr/>
           <a:lstStyle/>
           <a:p>
-            <a:pPr marL="0" indent="0" algn="ctr" eaLnBrk="1" hangingPunct="1">
-              <a:spcBef>
-                <a:spcPct val="0"/>
-              </a:spcBef>
-              <a:buFont typeface="Arial" charset="0"/>
-              <a:buNone/>
-            </a:pPr>
-            <a:r>
-              <a:rPr lang="zh-CN" altLang="en-US" sz="2400" b="1" dirty="0" smtClean="0">
-                <a:latin typeface="华文新魏" pitchFamily="2" charset="-122"/>
-                <a:ea typeface="华文新魏" pitchFamily="2" charset="-122"/>
-                <a:sym typeface="华文新魏" pitchFamily="2" charset="-122"/>
-              </a:rPr>
-              <a:t>李玮玮</a:t>
-            </a:r>
             <a:endParaRPr lang="zh-CN" altLang="en-US" dirty="0" smtClean="0">
               <a:ea typeface="宋体" pitchFamily="2" charset="-122"/>
             </a:endParaRPr>
@@ -3838,7 +3779,7 @@
         </p:nvSpPr>
         <p:spPr>
           <a:xfrm>
-            <a:off x="971600" y="4964724"/>
+            <a:off x="2495600" y="4964725"/>
             <a:ext cx="7200800" cy="830997"/>
           </a:xfrm>
           <a:prstGeom prst="rect">
@@ -3856,34 +3797,16 @@
               <a:rPr lang="en-US" altLang="zh-CN" sz="2400" dirty="0">
                 <a:hlinkClick r:id="rId2"/>
               </a:rPr>
-              <a:t>http://</a:t>
-            </a:r>
-            <a:r>
-              <a:rPr lang="en-US" altLang="zh-CN" sz="2400" dirty="0" smtClean="0">
-                <a:hlinkClick r:id="rId2"/>
-              </a:rPr>
-              <a:t>tool.oschina.net/apidocs/apidoc?api=jdk-zh</a:t>
-            </a:r>
-            <a:endParaRPr lang="en-US" altLang="zh-CN" sz="2400" dirty="0" smtClean="0"/>
-          </a:p>
-          <a:p>
-            <a:r>
-              <a:rPr lang="en-US" altLang="zh-CN" sz="2400" dirty="0" smtClean="0">
-                <a:hlinkClick r:id="rId3"/>
-              </a:rPr>
-              <a:t>http</a:t>
-            </a:r>
+              <a:t>http://tool.oschina.net/apidocs/apidoc?api=jdk-zh</a:t>
+            </a:r>
+            <a:endParaRPr lang="en-US" altLang="zh-CN" sz="2400" dirty="0"/>
+          </a:p>
+          <a:p>
             <a:r>
               <a:rPr lang="en-US" altLang="zh-CN" sz="2400" dirty="0">
                 <a:hlinkClick r:id="rId3"/>
               </a:rPr>
-              <a:t>://</a:t>
-            </a:r>
-            <a:r>
-              <a:rPr lang="en-US" altLang="zh-CN" sz="2400" dirty="0" smtClean="0">
-                <a:hlinkClick r:id="rId3"/>
-              </a:rPr>
-              <a:t>tool.oschina.net/apidocs/apidoc?api=jdk_7u4</a:t>
+              <a:t>http://tool.oschina.net/apidocs/apidoc?api=jdk_7u4</a:t>
             </a:r>
             <a:endParaRPr lang="en-US" altLang="zh-CN" sz="2400" dirty="0"/>
           </a:p>
@@ -3912,7 +3835,7 @@
         </p:blipFill>
         <p:spPr bwMode="auto">
           <a:xfrm>
-            <a:off x="128406" y="1618067"/>
+            <a:off x="1652407" y="1618068"/>
             <a:ext cx="2079837" cy="2855049"/>
           </a:xfrm>
           <a:prstGeom prst="rect">
@@ -3976,7 +3899,7 @@
         </p:blipFill>
         <p:spPr bwMode="auto">
           <a:xfrm>
-            <a:off x="2368789" y="1618067"/>
+            <a:off x="3892790" y="1618068"/>
             <a:ext cx="2067855" cy="2855049"/>
           </a:xfrm>
           <a:prstGeom prst="rect">
@@ -4033,7 +3956,7 @@
         </p:blipFill>
         <p:spPr>
           <a:xfrm>
-            <a:off x="4539166" y="1518845"/>
+            <a:off x="6063166" y="1518846"/>
             <a:ext cx="2067990" cy="2954271"/>
           </a:xfrm>
           <a:prstGeom prst="rect">
@@ -4057,7 +3980,7 @@
         </p:blipFill>
         <p:spPr>
           <a:xfrm>
-            <a:off x="6693332" y="1447775"/>
+            <a:off x="8217332" y="1447776"/>
             <a:ext cx="2307160" cy="3025341"/>
           </a:xfrm>
           <a:prstGeom prst="rect">
@@ -4147,8 +4070,8 @@
         </p:blipFill>
         <p:spPr>
           <a:xfrm>
-            <a:off x="719572" y="1232756"/>
-            <a:ext cx="7400925" cy="5229225"/>
+            <a:off x="2063552" y="1232756"/>
+            <a:ext cx="7796340" cy="5508611"/>
           </a:xfrm>
           <a:prstGeom prst="rect">
             <a:avLst/>
@@ -4237,8 +4160,8 @@
         </p:blipFill>
         <p:spPr>
           <a:xfrm>
-            <a:off x="911154" y="1009303"/>
-            <a:ext cx="7321691" cy="5570130"/>
+            <a:off x="2435155" y="1009302"/>
+            <a:ext cx="7729297" cy="5880225"/>
           </a:xfrm>
           <a:prstGeom prst="rect">
             <a:avLst/>
@@ -4313,7 +4236,7 @@
         </p:nvSpPr>
         <p:spPr>
           <a:xfrm>
-            <a:off x="471500" y="5229200"/>
+            <a:off x="1995500" y="5229200"/>
             <a:ext cx="7679196" cy="707886"/>
           </a:xfrm>
           <a:prstGeom prst="rect">
@@ -4331,13 +4254,7 @@
               <a:rPr lang="en-US" altLang="zh-CN" dirty="0">
                 <a:hlinkClick r:id="rId2"/>
               </a:rPr>
-              <a:t>http://</a:t>
-            </a:r>
-            <a:r>
-              <a:rPr lang="en-US" altLang="zh-CN" dirty="0" smtClean="0">
-                <a:hlinkClick r:id="rId2"/>
-              </a:rPr>
-              <a:t>www.jingkao.net/activity/homepage/AC112A018024F69B148881A35D5F794E.html</a:t>
+              <a:t>http://www.jingkao.net/activity/homepage/AC112A018024F69B148881A35D5F794E.html</a:t>
             </a:r>
             <a:endParaRPr lang="zh-CN" altLang="en-US" dirty="0"/>
           </a:p>
@@ -4359,7 +4276,7 @@
         </p:blipFill>
         <p:spPr>
           <a:xfrm>
-            <a:off x="457200" y="1456091"/>
+            <a:off x="1981201" y="1456091"/>
             <a:ext cx="8124825" cy="3333750"/>
           </a:xfrm>
           <a:prstGeom prst="rect">
@@ -4435,7 +4352,7 @@
         </p:nvSpPr>
         <p:spPr>
           <a:xfrm>
-            <a:off x="647564" y="5366253"/>
+            <a:off x="2171564" y="5366253"/>
             <a:ext cx="7679196" cy="707886"/>
           </a:xfrm>
           <a:prstGeom prst="rect">
@@ -4450,7 +4367,7 @@
           <a:lstStyle/>
           <a:p>
             <a:r>
-              <a:rPr lang="en-US" altLang="zh-CN" dirty="0" smtClean="0"/>
+              <a:rPr lang="en-US" altLang="zh-CN" dirty="0"/>
               <a:t>http://www.jingkao.net/activity/homepage/AC112A011E475909144EDD95151B707B.html</a:t>
             </a:r>
             <a:endParaRPr lang="zh-CN" altLang="en-US" dirty="0"/>
@@ -4473,7 +4390,7 @@
         </p:blipFill>
         <p:spPr>
           <a:xfrm>
-            <a:off x="902252" y="1124744"/>
+            <a:off x="2426253" y="1124745"/>
             <a:ext cx="7339495" cy="4121715"/>
           </a:xfrm>
           <a:prstGeom prst="rect">
@@ -4549,7 +4466,7 @@
         </p:nvSpPr>
         <p:spPr>
           <a:xfrm>
-            <a:off x="971599" y="5013176"/>
+            <a:off x="2495599" y="5013176"/>
             <a:ext cx="8352928" cy="400110"/>
           </a:xfrm>
           <a:prstGeom prst="rect">
@@ -4564,7 +4481,7 @@
           <a:lstStyle/>
           <a:p>
             <a:r>
-              <a:rPr lang="en-US" altLang="zh-CN" dirty="0" err="1" smtClean="0"/>
+              <a:rPr lang="en-US" altLang="zh-CN" dirty="0" err="1"/>
               <a:t>Kaggle</a:t>
             </a:r>
             <a:r>
@@ -4602,7 +4519,7 @@
         </p:blipFill>
         <p:spPr bwMode="auto">
           <a:xfrm>
-            <a:off x="971599" y="1268760"/>
+            <a:off x="2495600" y="1268760"/>
             <a:ext cx="6663339" cy="3168352"/>
           </a:xfrm>
           <a:prstGeom prst="rect">
@@ -4643,11 +4560,11 @@
   <p:clrMapOvr>
     <a:masterClrMapping/>
   </p:clrMapOvr>
-  <mc:AlternateContent xmlns:mc="http://schemas.openxmlformats.org/markup-compatibility/2006">
-    <mc:Choice xmlns:p14="http://schemas.microsoft.com/office/powerpoint/2010/main" Requires="p14">
+  <mc:AlternateContent xmlns:mc="http://schemas.openxmlformats.org/markup-compatibility/2006" xmlns:p14="http://schemas.microsoft.com/office/powerpoint/2010/main">
+    <mc:Choice Requires="p14">
       <p:transition spd="slow" p14:dur="2000"/>
     </mc:Choice>
-    <mc:Fallback>
+    <mc:Fallback xmlns="">
       <p:transition spd="slow"/>
     </mc:Fallback>
   </mc:AlternateContent>
@@ -4709,7 +4626,7 @@
         </p:nvSpPr>
         <p:spPr>
           <a:xfrm>
-            <a:off x="457200" y="3969060"/>
+            <a:off x="1981200" y="3969061"/>
             <a:ext cx="8604956" cy="1015663"/>
           </a:xfrm>
           <a:prstGeom prst="rect">
@@ -4724,12 +4641,8 @@
           <a:lstStyle/>
           <a:p>
             <a:r>
-              <a:rPr lang="fr-FR" altLang="zh-CN" dirty="0" smtClean="0"/>
-              <a:t>Google </a:t>
-            </a:r>
-            <a:r>
               <a:rPr lang="fr-FR" altLang="zh-CN" dirty="0"/>
-              <a:t>Code Jam </a:t>
+              <a:t>Google Code Jam </a:t>
             </a:r>
             <a:r>
               <a:rPr lang="zh-CN" altLang="fr-FR" dirty="0"/>
@@ -4737,11 +4650,7 @@
             </a:r>
             <a:r>
               <a:rPr lang="fr-FR" altLang="zh-CN" dirty="0"/>
-              <a:t>:http://community.topcoder.com/pl/?</a:t>
-            </a:r>
-            <a:r>
-              <a:rPr lang="fr-FR" altLang="zh-CN" dirty="0" smtClean="0"/>
-              <a:t>module=Static&amp;d1=gccj05&amp;d2=EN_overview</a:t>
+              <a:t>:http://community.topcoder.com/pl/?module=Static&amp;d1=gccj05&amp;d2=EN_overview</a:t>
             </a:r>
             <a:endParaRPr lang="zh-CN" altLang="en-US" dirty="0"/>
           </a:p>
@@ -4763,7 +4672,7 @@
         </p:blipFill>
         <p:spPr>
           <a:xfrm>
-            <a:off x="395536" y="1484784"/>
+            <a:off x="1919537" y="1484784"/>
             <a:ext cx="8204429" cy="2016224"/>
           </a:xfrm>
           <a:prstGeom prst="rect">
@@ -4839,7 +4748,7 @@
         </p:nvSpPr>
         <p:spPr>
           <a:xfrm>
-            <a:off x="457200" y="5265204"/>
+            <a:off x="1981200" y="5265204"/>
             <a:ext cx="8604956" cy="707886"/>
           </a:xfrm>
           <a:prstGeom prst="rect">
@@ -4854,7 +4763,7 @@
           <a:lstStyle/>
           <a:p>
             <a:r>
-              <a:rPr lang="en-US" altLang="zh-CN" dirty="0" smtClean="0"/>
+              <a:rPr lang="en-US" altLang="zh-CN" dirty="0"/>
               <a:t>Google</a:t>
             </a:r>
             <a:r>
@@ -4862,12 +4771,8 @@
               <a:t>全国大学生移动互联网挑战赛</a:t>
             </a:r>
             <a:r>
-              <a:rPr lang="fr-FR" altLang="zh-CN" dirty="0" smtClean="0"/>
-              <a:t>http</a:t>
-            </a:r>
-            <a:r>
               <a:rPr lang="fr-FR" altLang="zh-CN" dirty="0"/>
-              <a:t>://www.google.cn/university/androidchallenge/</a:t>
+              <a:t>http://www.google.cn/university/androidchallenge/</a:t>
             </a:r>
             <a:endParaRPr lang="zh-CN" altLang="en-US" dirty="0"/>
           </a:p>
@@ -4889,7 +4794,7 @@
         </p:blipFill>
         <p:spPr>
           <a:xfrm>
-            <a:off x="863588" y="1124744"/>
+            <a:off x="2387589" y="1124744"/>
             <a:ext cx="6952639" cy="3861546"/>
           </a:xfrm>
           <a:prstGeom prst="rect">
@@ -4946,7 +4851,7 @@
         </p:nvSpPr>
         <p:spPr bwMode="auto">
           <a:xfrm>
-            <a:off x="457200" y="274638"/>
+            <a:off x="1981200" y="274638"/>
             <a:ext cx="8229600" cy="868362"/>
           </a:xfrm>
           <a:prstGeom prst="rect">
@@ -4977,9 +4882,8 @@
           <a:bodyPr/>
           <a:lstStyle/>
           <a:p>
-            <a:pPr algn="l"/>
-            <a:r>
-              <a:rPr lang="zh-CN" altLang="en-US" sz="3600" b="1" smtClean="0">
+            <a:r>
+              <a:rPr lang="zh-CN" altLang="en-US" sz="3600" b="1" dirty="0">
                 <a:solidFill>
                   <a:schemeClr val="bg1"/>
                 </a:solidFill>
@@ -5006,8 +4910,8 @@
         </p:nvSpPr>
         <p:spPr bwMode="auto">
           <a:xfrm>
-            <a:off x="457200" y="1285875"/>
-            <a:ext cx="8229600" cy="4525963"/>
+            <a:off x="4871864" y="1285876"/>
+            <a:ext cx="3492388" cy="4525963"/>
           </a:xfrm>
           <a:prstGeom prst="rect">
             <a:avLst/>
@@ -5039,20 +4943,20 @@
           <a:p>
             <a:pPr>
               <a:lnSpc>
-                <a:spcPct val="120000"/>
+                <a:spcPct val="150000"/>
               </a:lnSpc>
               <a:spcBef>
                 <a:spcPct val="0"/>
               </a:spcBef>
             </a:pPr>
             <a:r>
-              <a:rPr lang="zh-CN" altLang="en-US" sz="2400" dirty="0">
+              <a:rPr lang="zh-CN" altLang="en-US" dirty="0">
                 <a:latin typeface="微软雅黑" pitchFamily="34" charset="-122"/>
                 <a:ea typeface="微软雅黑" pitchFamily="34" charset="-122"/>
               </a:rPr>
               <a:t>个人介绍</a:t>
             </a:r>
-            <a:endParaRPr lang="en-US" altLang="zh-CN" sz="2400" dirty="0">
+            <a:endParaRPr lang="en-US" altLang="zh-CN" dirty="0">
               <a:latin typeface="微软雅黑" pitchFamily="34" charset="-122"/>
               <a:ea typeface="微软雅黑" pitchFamily="34" charset="-122"/>
             </a:endParaRPr>
@@ -5060,20 +4964,20 @@
           <a:p>
             <a:pPr>
               <a:lnSpc>
-                <a:spcPct val="120000"/>
+                <a:spcPct val="150000"/>
               </a:lnSpc>
               <a:spcBef>
                 <a:spcPct val="0"/>
               </a:spcBef>
             </a:pPr>
             <a:r>
-              <a:rPr lang="zh-CN" altLang="en-US" sz="2400" dirty="0">
+              <a:rPr lang="zh-CN" altLang="en-US" dirty="0">
                 <a:latin typeface="微软雅黑" pitchFamily="34" charset="-122"/>
                 <a:ea typeface="微软雅黑" pitchFamily="34" charset="-122"/>
               </a:rPr>
               <a:t>课程意义</a:t>
             </a:r>
-            <a:endParaRPr lang="en-US" altLang="zh-CN" sz="2400" dirty="0">
+            <a:endParaRPr lang="en-US" altLang="zh-CN" dirty="0">
               <a:latin typeface="微软雅黑" pitchFamily="34" charset="-122"/>
               <a:ea typeface="微软雅黑" pitchFamily="34" charset="-122"/>
             </a:endParaRPr>
@@ -5081,20 +4985,20 @@
           <a:p>
             <a:pPr>
               <a:lnSpc>
-                <a:spcPct val="120000"/>
+                <a:spcPct val="150000"/>
               </a:lnSpc>
               <a:spcBef>
                 <a:spcPct val="0"/>
               </a:spcBef>
             </a:pPr>
             <a:r>
-              <a:rPr lang="zh-CN" altLang="en-US" sz="2400" dirty="0">
+              <a:rPr lang="zh-CN" altLang="en-US" dirty="0">
                 <a:latin typeface="微软雅黑" pitchFamily="34" charset="-122"/>
                 <a:ea typeface="微软雅黑" pitchFamily="34" charset="-122"/>
               </a:rPr>
               <a:t>课程介绍</a:t>
             </a:r>
-            <a:endParaRPr lang="en-US" altLang="zh-CN" sz="2400" dirty="0">
+            <a:endParaRPr lang="en-US" altLang="zh-CN" dirty="0">
               <a:latin typeface="微软雅黑" pitchFamily="34" charset="-122"/>
               <a:ea typeface="微软雅黑" pitchFamily="34" charset="-122"/>
             </a:endParaRPr>
@@ -5102,20 +5006,20 @@
           <a:p>
             <a:pPr>
               <a:lnSpc>
-                <a:spcPct val="120000"/>
+                <a:spcPct val="150000"/>
               </a:lnSpc>
               <a:spcBef>
                 <a:spcPct val="0"/>
               </a:spcBef>
             </a:pPr>
             <a:r>
-              <a:rPr lang="zh-CN" altLang="en-US" sz="2400" dirty="0">
+              <a:rPr lang="zh-CN" altLang="en-US" dirty="0">
                 <a:latin typeface="微软雅黑" pitchFamily="34" charset="-122"/>
                 <a:ea typeface="微软雅黑" pitchFamily="34" charset="-122"/>
               </a:rPr>
               <a:t>参考资料</a:t>
             </a:r>
-            <a:endParaRPr lang="en-US" altLang="zh-CN" sz="2400" dirty="0">
+            <a:endParaRPr lang="en-US" altLang="zh-CN" dirty="0">
               <a:latin typeface="微软雅黑" pitchFamily="34" charset="-122"/>
               <a:ea typeface="微软雅黑" pitchFamily="34" charset="-122"/>
             </a:endParaRPr>
@@ -5123,20 +5027,20 @@
           <a:p>
             <a:pPr>
               <a:lnSpc>
-                <a:spcPct val="120000"/>
+                <a:spcPct val="150000"/>
               </a:lnSpc>
               <a:spcBef>
                 <a:spcPct val="0"/>
               </a:spcBef>
             </a:pPr>
             <a:r>
-              <a:rPr lang="zh-CN" altLang="en-US" sz="2400" dirty="0">
+              <a:rPr lang="zh-CN" altLang="en-US" dirty="0">
                 <a:latin typeface="微软雅黑" pitchFamily="34" charset="-122"/>
                 <a:ea typeface="微软雅黑" pitchFamily="34" charset="-122"/>
               </a:rPr>
               <a:t>学习路线</a:t>
             </a:r>
-            <a:endParaRPr lang="en-US" altLang="zh-CN" sz="2400" dirty="0">
+            <a:endParaRPr lang="en-US" altLang="zh-CN" dirty="0">
               <a:latin typeface="微软雅黑" pitchFamily="34" charset="-122"/>
               <a:ea typeface="微软雅黑" pitchFamily="34" charset="-122"/>
             </a:endParaRPr>
@@ -5144,26 +5048,26 @@
           <a:p>
             <a:pPr>
               <a:lnSpc>
-                <a:spcPct val="120000"/>
+                <a:spcPct val="150000"/>
               </a:lnSpc>
               <a:spcBef>
                 <a:spcPct val="0"/>
               </a:spcBef>
             </a:pPr>
-            <a:endParaRPr lang="zh-CN" altLang="en-US" sz="2400" dirty="0" smtClean="0">
+            <a:endParaRPr lang="zh-CN" altLang="en-US" dirty="0">
               <a:ea typeface="宋体" pitchFamily="2" charset="-122"/>
             </a:endParaRPr>
           </a:p>
           <a:p>
             <a:pPr>
               <a:lnSpc>
-                <a:spcPct val="120000"/>
+                <a:spcPct val="150000"/>
               </a:lnSpc>
               <a:spcBef>
                 <a:spcPct val="0"/>
               </a:spcBef>
             </a:pPr>
-            <a:endParaRPr lang="zh-CN" altLang="en-US" sz="2400" dirty="0" smtClean="0">
+            <a:endParaRPr lang="zh-CN" altLang="en-US" dirty="0">
               <a:latin typeface="微软雅黑" pitchFamily="34" charset="-122"/>
               <a:ea typeface="微软雅黑" pitchFamily="34" charset="-122"/>
             </a:endParaRPr>
@@ -5220,7 +5124,7 @@
         </p:nvSpPr>
         <p:spPr bwMode="auto">
           <a:xfrm>
-            <a:off x="827584" y="3068960"/>
+            <a:off x="2351585" y="3068960"/>
             <a:ext cx="7362825" cy="582612"/>
           </a:xfrm>
           <a:prstGeom prst="rect">
@@ -5253,7 +5157,7 @@
           <a:p>
             <a:pPr eaLnBrk="1" hangingPunct="1"/>
             <a:r>
-              <a:rPr lang="en-US" altLang="zh-CN" sz="5400" b="1" smtClean="0">
+              <a:rPr lang="en-US" altLang="zh-CN" sz="5400" b="1">
                 <a:solidFill>
                   <a:srgbClr val="C00000"/>
                 </a:solidFill>
@@ -5261,7 +5165,7 @@
               </a:rPr>
               <a:t>Thank You</a:t>
             </a:r>
-            <a:endParaRPr lang="zh-CN" altLang="en-US" sz="5400" b="1" smtClean="0">
+            <a:endParaRPr lang="zh-CN" altLang="en-US" sz="5400" b="1">
               <a:solidFill>
                 <a:srgbClr val="C00000"/>
               </a:solidFill>
@@ -5442,7 +5346,7 @@
         </p:nvSpPr>
         <p:spPr bwMode="auto">
           <a:xfrm>
-            <a:off x="457200" y="274638"/>
+            <a:off x="1981200" y="274638"/>
             <a:ext cx="8229600" cy="868362"/>
           </a:xfrm>
           <a:prstGeom prst="rect">
@@ -5474,7 +5378,7 @@
           <a:lstStyle/>
           <a:p>
             <a:r>
-              <a:rPr lang="zh-CN" altLang="en-US" sz="3600" b="1" dirty="0" smtClean="0">
+              <a:rPr lang="zh-CN" altLang="en-US" sz="3600" b="1" dirty="0">
                 <a:solidFill>
                   <a:schemeClr val="bg1"/>
                 </a:solidFill>
@@ -5501,8 +5405,8 @@
         </p:nvSpPr>
         <p:spPr bwMode="auto">
           <a:xfrm>
-            <a:off x="457200" y="1285875"/>
-            <a:ext cx="8229600" cy="4525963"/>
+            <a:off x="5123892" y="1285876"/>
+            <a:ext cx="3456384" cy="4525963"/>
           </a:xfrm>
           <a:prstGeom prst="rect">
             <a:avLst/>
@@ -5534,20 +5438,20 @@
           <a:p>
             <a:pPr>
               <a:lnSpc>
-                <a:spcPct val="120000"/>
+                <a:spcPct val="150000"/>
               </a:lnSpc>
               <a:spcBef>
                 <a:spcPct val="0"/>
               </a:spcBef>
             </a:pPr>
             <a:r>
-              <a:rPr lang="zh-CN" altLang="en-US" sz="2400" smtClean="0">
+              <a:rPr lang="zh-CN" altLang="en-US" dirty="0">
                 <a:latin typeface="微软雅黑" pitchFamily="34" charset="-122"/>
                 <a:ea typeface="微软雅黑" pitchFamily="34" charset="-122"/>
               </a:rPr>
               <a:t>个人介绍</a:t>
             </a:r>
-            <a:endParaRPr lang="en-US" altLang="zh-CN" sz="2400" smtClean="0">
+            <a:endParaRPr lang="en-US" altLang="zh-CN" dirty="0">
               <a:latin typeface="微软雅黑" pitchFamily="34" charset="-122"/>
               <a:ea typeface="微软雅黑" pitchFamily="34" charset="-122"/>
             </a:endParaRPr>
@@ -5555,20 +5459,20 @@
           <a:p>
             <a:pPr>
               <a:lnSpc>
-                <a:spcPct val="120000"/>
+                <a:spcPct val="150000"/>
               </a:lnSpc>
               <a:spcBef>
                 <a:spcPct val="0"/>
               </a:spcBef>
             </a:pPr>
             <a:r>
-              <a:rPr lang="zh-CN" altLang="en-US" sz="2400" smtClean="0">
+              <a:rPr lang="zh-CN" altLang="en-US" dirty="0">
                 <a:latin typeface="微软雅黑" pitchFamily="34" charset="-122"/>
                 <a:ea typeface="微软雅黑" pitchFamily="34" charset="-122"/>
               </a:rPr>
               <a:t>课程意义</a:t>
             </a:r>
-            <a:endParaRPr lang="en-US" altLang="zh-CN" sz="2400" smtClean="0">
+            <a:endParaRPr lang="en-US" altLang="zh-CN" dirty="0">
               <a:latin typeface="微软雅黑" pitchFamily="34" charset="-122"/>
               <a:ea typeface="微软雅黑" pitchFamily="34" charset="-122"/>
             </a:endParaRPr>
@@ -5576,20 +5480,20 @@
           <a:p>
             <a:pPr>
               <a:lnSpc>
-                <a:spcPct val="120000"/>
+                <a:spcPct val="150000"/>
               </a:lnSpc>
               <a:spcBef>
                 <a:spcPct val="0"/>
               </a:spcBef>
             </a:pPr>
             <a:r>
-              <a:rPr lang="zh-CN" altLang="en-US" sz="2400" smtClean="0">
+              <a:rPr lang="zh-CN" altLang="en-US" dirty="0">
                 <a:latin typeface="微软雅黑" pitchFamily="34" charset="-122"/>
                 <a:ea typeface="微软雅黑" pitchFamily="34" charset="-122"/>
               </a:rPr>
               <a:t>课程介绍</a:t>
             </a:r>
-            <a:endParaRPr lang="en-US" altLang="zh-CN" sz="2400" smtClean="0">
+            <a:endParaRPr lang="en-US" altLang="zh-CN" dirty="0">
               <a:latin typeface="微软雅黑" pitchFamily="34" charset="-122"/>
               <a:ea typeface="微软雅黑" pitchFamily="34" charset="-122"/>
             </a:endParaRPr>
@@ -5597,20 +5501,20 @@
           <a:p>
             <a:pPr>
               <a:lnSpc>
-                <a:spcPct val="120000"/>
+                <a:spcPct val="150000"/>
               </a:lnSpc>
               <a:spcBef>
                 <a:spcPct val="0"/>
               </a:spcBef>
             </a:pPr>
             <a:r>
-              <a:rPr lang="zh-CN" altLang="en-US" sz="2400" smtClean="0">
+              <a:rPr lang="zh-CN" altLang="en-US" dirty="0">
                 <a:latin typeface="微软雅黑" pitchFamily="34" charset="-122"/>
                 <a:ea typeface="微软雅黑" pitchFamily="34" charset="-122"/>
               </a:rPr>
               <a:t>参考资料</a:t>
             </a:r>
-            <a:endParaRPr lang="en-US" altLang="zh-CN" sz="2400" smtClean="0">
+            <a:endParaRPr lang="en-US" altLang="zh-CN" dirty="0">
               <a:latin typeface="微软雅黑" pitchFamily="34" charset="-122"/>
               <a:ea typeface="微软雅黑" pitchFamily="34" charset="-122"/>
             </a:endParaRPr>
@@ -5618,20 +5522,20 @@
           <a:p>
             <a:pPr>
               <a:lnSpc>
-                <a:spcPct val="120000"/>
+                <a:spcPct val="150000"/>
               </a:lnSpc>
               <a:spcBef>
                 <a:spcPct val="0"/>
               </a:spcBef>
             </a:pPr>
             <a:r>
-              <a:rPr lang="zh-CN" altLang="en-US" sz="2400" smtClean="0">
+              <a:rPr lang="zh-CN" altLang="en-US" dirty="0">
                 <a:latin typeface="微软雅黑" pitchFamily="34" charset="-122"/>
                 <a:ea typeface="微软雅黑" pitchFamily="34" charset="-122"/>
               </a:rPr>
               <a:t>学习路线</a:t>
             </a:r>
-            <a:endParaRPr lang="en-US" altLang="zh-CN" sz="2400" smtClean="0">
+            <a:endParaRPr lang="en-US" altLang="zh-CN" dirty="0">
               <a:latin typeface="微软雅黑" pitchFamily="34" charset="-122"/>
               <a:ea typeface="微软雅黑" pitchFamily="34" charset="-122"/>
             </a:endParaRPr>
@@ -5639,26 +5543,26 @@
           <a:p>
             <a:pPr>
               <a:lnSpc>
-                <a:spcPct val="120000"/>
+                <a:spcPct val="150000"/>
               </a:lnSpc>
               <a:spcBef>
                 <a:spcPct val="0"/>
               </a:spcBef>
             </a:pPr>
-            <a:endParaRPr lang="zh-CN" altLang="en-US" sz="2400" dirty="0" smtClean="0">
+            <a:endParaRPr lang="zh-CN" altLang="en-US" dirty="0">
               <a:ea typeface="宋体" pitchFamily="2" charset="-122"/>
             </a:endParaRPr>
           </a:p>
           <a:p>
             <a:pPr>
               <a:lnSpc>
-                <a:spcPct val="120000"/>
+                <a:spcPct val="150000"/>
               </a:lnSpc>
               <a:spcBef>
                 <a:spcPct val="0"/>
               </a:spcBef>
             </a:pPr>
-            <a:endParaRPr lang="zh-CN" altLang="en-US" sz="2400" dirty="0" smtClean="0">
+            <a:endParaRPr lang="zh-CN" altLang="en-US" dirty="0">
               <a:latin typeface="微软雅黑" pitchFamily="34" charset="-122"/>
               <a:ea typeface="微软雅黑" pitchFamily="34" charset="-122"/>
             </a:endParaRPr>
@@ -5710,7 +5614,7 @@
         </p:nvSpPr>
         <p:spPr bwMode="auto">
           <a:xfrm>
-            <a:off x="468313" y="188913"/>
+            <a:off x="1992313" y="188913"/>
             <a:ext cx="8229600" cy="868362"/>
           </a:xfrm>
           <a:prstGeom prst="rect">
@@ -5742,7 +5646,7 @@
           <a:lstStyle/>
           <a:p>
             <a:r>
-              <a:rPr lang="zh-CN" altLang="en-US" sz="3600" b="1" dirty="0" smtClean="0">
+              <a:rPr lang="zh-CN" altLang="en-US" sz="3600" b="1" dirty="0">
                 <a:solidFill>
                   <a:schemeClr val="bg1"/>
                 </a:solidFill>
@@ -5751,13 +5655,6 @@
               </a:rPr>
               <a:t>个人介绍</a:t>
             </a:r>
-            <a:endParaRPr lang="zh-CN" altLang="en-US" sz="3600" b="1" dirty="0">
-              <a:solidFill>
-                <a:schemeClr val="bg1"/>
-              </a:solidFill>
-              <a:latin typeface="微软雅黑" pitchFamily="34" charset="-122"/>
-              <a:ea typeface="微软雅黑" pitchFamily="34" charset="-122"/>
-            </a:endParaRPr>
           </a:p>
         </p:txBody>
       </p:sp>
@@ -5773,8 +5670,8 @@
         </p:nvSpPr>
         <p:spPr bwMode="auto">
           <a:xfrm>
-            <a:off x="457200" y="1285875"/>
-            <a:ext cx="8229600" cy="4525963"/>
+            <a:off x="695400" y="1285876"/>
+            <a:ext cx="9515400" cy="4525963"/>
           </a:xfrm>
           <a:prstGeom prst="rect">
             <a:avLst/>
@@ -5805,17 +5702,13 @@
           <a:lstStyle/>
           <a:p>
             <a:r>
-              <a:rPr lang="en-US" altLang="zh-CN" sz="2400" dirty="0" smtClean="0"/>
+              <a:rPr lang="en-US" altLang="zh-CN" sz="2400" dirty="0"/>
               <a:t>Name</a:t>
             </a:r>
             <a:r>
               <a:rPr lang="zh-CN" altLang="en-US" sz="2400" dirty="0" smtClean="0"/>
               <a:t>：</a:t>
             </a:r>
-            <a:r>
-              <a:rPr lang="zh-CN" altLang="en-US" sz="2400" dirty="0"/>
-              <a:t>李玮玮</a:t>
-            </a:r>
             <a:endParaRPr lang="en-US" altLang="zh-CN" sz="2400" dirty="0" smtClean="0"/>
           </a:p>
           <a:p>
@@ -5827,10 +5720,7 @@
               <a:rPr lang="zh-CN" altLang="en-US" sz="2400" dirty="0" smtClean="0"/>
               <a:t>：</a:t>
             </a:r>
-            <a:r>
-              <a:rPr lang="en-US" altLang="zh-CN" sz="2400" dirty="0" smtClean="0"/>
-              <a:t>15032667501</a:t>
-            </a:r>
+            <a:endParaRPr lang="en-US" altLang="zh-CN" sz="2400" dirty="0" smtClean="0"/>
           </a:p>
           <a:p>
             <a:r>
@@ -5841,42 +5731,16 @@
               <a:rPr lang="zh-CN" altLang="en-US" sz="2400" dirty="0" smtClean="0"/>
               <a:t>：</a:t>
             </a:r>
-            <a:r>
-              <a:rPr lang="en-US" altLang="zh-CN" sz="2400" dirty="0" smtClean="0"/>
-              <a:t>273429028</a:t>
-            </a:r>
-          </a:p>
-          <a:p>
-            <a:r>
-              <a:rPr lang="en-US" altLang="zh-CN" sz="2400" dirty="0" smtClean="0"/>
+            <a:endParaRPr lang="en-US" altLang="zh-CN" sz="2400" dirty="0"/>
+          </a:p>
+          <a:p>
+            <a:r>
+              <a:rPr lang="en-US" altLang="zh-CN" sz="2400" dirty="0"/>
               <a:t>Mail</a:t>
             </a:r>
             <a:r>
               <a:rPr lang="zh-CN" altLang="en-US" sz="2400" dirty="0" smtClean="0"/>
               <a:t>：</a:t>
-            </a:r>
-            <a:r>
-              <a:rPr lang="en-US" altLang="zh-CN" sz="2400" dirty="0" smtClean="0">
-                <a:hlinkClick r:id="rId2"/>
-              </a:rPr>
-              <a:t>liweiwei@edu2act.org</a:t>
-            </a:r>
-            <a:r>
-              <a:rPr lang="en-US" altLang="zh-CN" sz="2400" dirty="0" smtClean="0"/>
-              <a:t/>
-            </a:r>
-            <a:br>
-              <a:rPr lang="en-US" altLang="zh-CN" sz="2400" dirty="0" smtClean="0"/>
-            </a:br>
-            <a:r>
-              <a:rPr lang="en-US" altLang="zh-CN" sz="2400" dirty="0" smtClean="0"/>
-              <a:t>            </a:t>
-            </a:r>
-            <a:r>
-              <a:rPr lang="en-US" altLang="zh-CN" sz="2400" dirty="0" smtClean="0">
-                <a:hlinkClick r:id="rId3"/>
-              </a:rPr>
-              <a:t>liweiwei@onest.net</a:t>
             </a:r>
             <a:endParaRPr lang="en-US" altLang="zh-CN" sz="2400" dirty="0"/>
           </a:p>
@@ -5947,33 +5811,47 @@
             <p:ph idx="1"/>
           </p:nvPr>
         </p:nvSpPr>
-        <p:spPr/>
+        <p:spPr>
+          <a:xfrm>
+            <a:off x="443372" y="1160749"/>
+            <a:ext cx="11139028" cy="4965415"/>
+          </a:xfrm>
+        </p:spPr>
         <p:txBody>
           <a:bodyPr/>
           <a:lstStyle/>
           <a:p>
-            <a:r>
-              <a:rPr lang="zh-CN" altLang="en-US" smtClean="0"/>
+            <a:pPr>
+              <a:lnSpc>
+                <a:spcPct val="150000"/>
+              </a:lnSpc>
+            </a:pPr>
+            <a:r>
+              <a:rPr lang="zh-CN" altLang="en-US" dirty="0" smtClean="0"/>
               <a:t>为什么学习</a:t>
             </a:r>
             <a:r>
-              <a:rPr lang="en-US" altLang="zh-CN" smtClean="0"/>
+              <a:rPr lang="en-US" altLang="zh-CN" dirty="0" smtClean="0"/>
               <a:t>Java</a:t>
             </a:r>
             <a:r>
-              <a:rPr lang="zh-CN" altLang="en-US" smtClean="0"/>
+              <a:rPr lang="zh-CN" altLang="en-US" dirty="0" smtClean="0"/>
               <a:t>？</a:t>
             </a:r>
-            <a:endParaRPr lang="en-US" altLang="zh-CN" smtClean="0"/>
-          </a:p>
-          <a:p>
-            <a:pPr lvl="1"/>
-            <a:r>
-              <a:rPr lang="en-US" altLang="zh-CN" smtClean="0"/>
+            <a:endParaRPr lang="en-US" altLang="zh-CN" dirty="0" smtClean="0"/>
+          </a:p>
+          <a:p>
+            <a:pPr lvl="1">
+              <a:lnSpc>
+                <a:spcPct val="150000"/>
+              </a:lnSpc>
+            </a:pPr>
+            <a:r>
+              <a:rPr lang="en-US" altLang="zh-CN" dirty="0" smtClean="0"/>
               <a:t>Java</a:t>
             </a:r>
             <a:r>
-              <a:rPr lang="zh-CN" altLang="en-US" smtClean="0"/>
+              <a:rPr lang="zh-CN" altLang="en-US" dirty="0" smtClean="0"/>
               <a:t>开发人员需求缺口</a:t>
             </a:r>
             <a:endParaRPr lang="zh-CN" altLang="en-US" dirty="0"/>
@@ -5996,7 +5874,7 @@
         </p:blipFill>
         <p:spPr>
           <a:xfrm>
-            <a:off x="218788" y="2060848"/>
+            <a:off x="1742788" y="2492896"/>
             <a:ext cx="8706424" cy="3901081"/>
           </a:xfrm>
           <a:prstGeom prst="rect">
@@ -6257,28 +6135,37 @@
           <a:bodyPr/>
           <a:lstStyle/>
           <a:p>
-            <a:r>
-              <a:rPr lang="zh-CN" altLang="en-US" smtClean="0"/>
+            <a:pPr>
+              <a:lnSpc>
+                <a:spcPct val="150000"/>
+              </a:lnSpc>
+            </a:pPr>
+            <a:r>
+              <a:rPr lang="zh-CN" altLang="en-US" dirty="0" smtClean="0"/>
               <a:t>为什么学习</a:t>
             </a:r>
             <a:r>
-              <a:rPr lang="en-US" altLang="zh-CN" smtClean="0"/>
+              <a:rPr lang="en-US" altLang="zh-CN" dirty="0" smtClean="0"/>
               <a:t>Java</a:t>
             </a:r>
             <a:r>
-              <a:rPr lang="zh-CN" altLang="en-US" smtClean="0"/>
+              <a:rPr lang="zh-CN" altLang="en-US" dirty="0" smtClean="0"/>
               <a:t>？</a:t>
             </a:r>
-            <a:endParaRPr lang="en-US" altLang="zh-CN" smtClean="0"/>
-          </a:p>
-          <a:p>
-            <a:pPr lvl="1"/>
-            <a:r>
-              <a:rPr lang="en-US" altLang="zh-CN" smtClean="0"/>
+            <a:endParaRPr lang="en-US" altLang="zh-CN" dirty="0" smtClean="0"/>
+          </a:p>
+          <a:p>
+            <a:pPr lvl="1">
+              <a:lnSpc>
+                <a:spcPct val="150000"/>
+              </a:lnSpc>
+            </a:pPr>
+            <a:r>
+              <a:rPr lang="en-US" altLang="zh-CN" dirty="0" smtClean="0"/>
               <a:t>Java</a:t>
             </a:r>
             <a:r>
-              <a:rPr lang="zh-CN" altLang="en-US" smtClean="0"/>
+              <a:rPr lang="zh-CN" altLang="en-US" dirty="0" smtClean="0"/>
               <a:t>开发人员需求缺口</a:t>
             </a:r>
             <a:endParaRPr lang="zh-CN" altLang="en-US" dirty="0"/>
@@ -6307,7 +6194,7 @@
         </p:blipFill>
         <p:spPr>
           <a:xfrm>
-            <a:off x="1367644" y="2276872"/>
+            <a:off x="2855640" y="2744924"/>
             <a:ext cx="5868652" cy="3745267"/>
           </a:xfrm>
           <a:prstGeom prst="rect">
@@ -6477,28 +6364,37 @@
           <a:bodyPr/>
           <a:lstStyle/>
           <a:p>
-            <a:r>
-              <a:rPr lang="zh-CN" altLang="en-US" smtClean="0"/>
+            <a:pPr>
+              <a:lnSpc>
+                <a:spcPct val="150000"/>
+              </a:lnSpc>
+            </a:pPr>
+            <a:r>
+              <a:rPr lang="zh-CN" altLang="en-US" dirty="0" smtClean="0"/>
               <a:t>为什么学习</a:t>
             </a:r>
             <a:r>
-              <a:rPr lang="en-US" altLang="zh-CN" smtClean="0"/>
+              <a:rPr lang="en-US" altLang="zh-CN" dirty="0" smtClean="0"/>
               <a:t>Java</a:t>
             </a:r>
             <a:r>
-              <a:rPr lang="zh-CN" altLang="en-US" smtClean="0"/>
+              <a:rPr lang="zh-CN" altLang="en-US" dirty="0" smtClean="0"/>
               <a:t>？</a:t>
             </a:r>
-            <a:endParaRPr lang="en-US" altLang="zh-CN" smtClean="0"/>
-          </a:p>
-          <a:p>
-            <a:pPr lvl="1"/>
-            <a:r>
-              <a:rPr lang="en-US" altLang="zh-CN" smtClean="0"/>
+            <a:endParaRPr lang="en-US" altLang="zh-CN" dirty="0" smtClean="0"/>
+          </a:p>
+          <a:p>
+            <a:pPr lvl="1">
+              <a:lnSpc>
+                <a:spcPct val="150000"/>
+              </a:lnSpc>
+            </a:pPr>
+            <a:r>
+              <a:rPr lang="en-US" altLang="zh-CN" dirty="0" smtClean="0"/>
               <a:t>Java</a:t>
             </a:r>
             <a:r>
-              <a:rPr lang="zh-CN" altLang="en-US" smtClean="0"/>
+              <a:rPr lang="zh-CN" altLang="en-US" dirty="0" smtClean="0"/>
               <a:t>开发人员需求缺口</a:t>
             </a:r>
             <a:endParaRPr lang="zh-CN" altLang="en-US" dirty="0"/>
@@ -6527,8 +6423,8 @@
         </p:blipFill>
         <p:spPr>
           <a:xfrm>
-            <a:off x="1871700" y="2132856"/>
-            <a:ext cx="4896544" cy="4513723"/>
+            <a:off x="4331804" y="1268760"/>
+            <a:ext cx="5694718" cy="5249494"/>
           </a:xfrm>
           <a:prstGeom prst="rect">
             <a:avLst/>
@@ -6720,14 +6616,14 @@
           <p:nvPr>
             <p:extLst>
               <p:ext uri="{D42A27DB-BD31-4B8C-83A1-F6EECF244321}">
-                <p14:modId xmlns:p14="http://schemas.microsoft.com/office/powerpoint/2010/main" val="905809513"/>
+                <p14:modId xmlns:p14="http://schemas.microsoft.com/office/powerpoint/2010/main" val="990191638"/>
               </p:ext>
             </p:extLst>
           </p:nvPr>
         </p:nvGraphicFramePr>
         <p:xfrm>
-          <a:off x="503548" y="1844824"/>
-          <a:ext cx="8244916" cy="4464496"/>
+          <a:off x="2027548" y="1844824"/>
+          <a:ext cx="9145016" cy="4281340"/>
         </p:xfrm>
         <a:graphic>
           <a:graphicData uri="http://schemas.openxmlformats.org/drawingml/2006/chart">
@@ -6955,31 +6851,36 @@
           </a:bodyPr>
           <a:lstStyle/>
           <a:p>
+            <a:pPr>
+              <a:lnSpc>
+                <a:spcPct val="150000"/>
+              </a:lnSpc>
+            </a:pPr>
             <a:r>
               <a:rPr lang="zh-CN" altLang="zh-CN" dirty="0"/>
               <a:t>上课时间及授课方式</a:t>
             </a:r>
           </a:p>
           <a:p>
-            <a:pPr lvl="1"/>
+            <a:pPr lvl="1">
+              <a:lnSpc>
+                <a:spcPct val="150000"/>
+              </a:lnSpc>
+            </a:pPr>
             <a:r>
               <a:rPr lang="zh-CN" altLang="zh-CN" dirty="0"/>
-              <a:t>授课</a:t>
-            </a:r>
-            <a:r>
-              <a:rPr lang="zh-CN" altLang="zh-CN"/>
-              <a:t>时间</a:t>
-            </a:r>
-            <a:r>
-              <a:rPr lang="zh-CN" altLang="zh-CN" smtClean="0"/>
+              <a:t>授课时间</a:t>
+            </a:r>
+            <a:r>
+              <a:rPr lang="zh-CN" altLang="zh-CN" dirty="0" smtClean="0"/>
               <a:t>共</a:t>
             </a:r>
             <a:r>
-              <a:rPr lang="en-US" altLang="zh-CN" smtClean="0"/>
+              <a:rPr lang="en-US" altLang="zh-CN" dirty="0" smtClean="0"/>
               <a:t>18</a:t>
             </a:r>
             <a:r>
-              <a:rPr lang="zh-CN" altLang="zh-CN" smtClean="0"/>
+              <a:rPr lang="zh-CN" altLang="zh-CN" dirty="0" smtClean="0"/>
               <a:t>周</a:t>
             </a:r>
             <a:r>
@@ -6987,47 +6888,60 @@
               <a:t>，</a:t>
             </a:r>
             <a:r>
-              <a:rPr lang="zh-CN" altLang="zh-CN" smtClean="0"/>
+              <a:rPr lang="zh-CN" altLang="zh-CN" dirty="0" smtClean="0"/>
               <a:t>每</a:t>
             </a:r>
             <a:r>
-              <a:rPr lang="zh-CN" altLang="en-US" smtClean="0"/>
+              <a:rPr lang="zh-CN" altLang="en-US" dirty="0" smtClean="0"/>
               <a:t>周</a:t>
             </a:r>
             <a:r>
-              <a:rPr lang="en-US" altLang="zh-CN" smtClean="0"/>
+              <a:rPr lang="en-US" altLang="zh-CN" dirty="0" smtClean="0"/>
               <a:t>2</a:t>
             </a:r>
             <a:r>
-              <a:rPr lang="zh-CN" altLang="en-US" smtClean="0"/>
+              <a:rPr lang="zh-CN" altLang="en-US" dirty="0" smtClean="0"/>
               <a:t>次</a:t>
             </a:r>
             <a:endParaRPr lang="en-US" altLang="zh-CN" dirty="0" smtClean="0"/>
           </a:p>
           <a:p>
-            <a:pPr lvl="1"/>
-            <a:r>
-              <a:rPr lang="zh-CN" altLang="en-US" smtClean="0"/>
+            <a:pPr lvl="1">
+              <a:lnSpc>
+                <a:spcPct val="150000"/>
+              </a:lnSpc>
+            </a:pPr>
+            <a:r>
+              <a:rPr lang="zh-CN" altLang="en-US" dirty="0" smtClean="0"/>
               <a:t>学分</a:t>
             </a:r>
             <a:r>
-              <a:rPr lang="en-US" altLang="zh-CN" smtClean="0"/>
+              <a:rPr lang="en-US" altLang="zh-CN" dirty="0" smtClean="0"/>
               <a:t>3</a:t>
             </a:r>
             <a:r>
-              <a:rPr lang="zh-CN" altLang="en-US" smtClean="0"/>
+              <a:rPr lang="zh-CN" altLang="en-US" dirty="0" smtClean="0"/>
               <a:t>学分</a:t>
             </a:r>
             <a:endParaRPr lang="zh-CN" altLang="zh-CN" dirty="0"/>
           </a:p>
           <a:p>
+            <a:pPr>
+              <a:lnSpc>
+                <a:spcPct val="150000"/>
+              </a:lnSpc>
+            </a:pPr>
             <a:r>
               <a:rPr lang="zh-CN" altLang="zh-CN" dirty="0"/>
               <a:t>考核方式</a:t>
             </a:r>
           </a:p>
           <a:p>
-            <a:pPr lvl="1"/>
+            <a:pPr lvl="1">
+              <a:lnSpc>
+                <a:spcPct val="150000"/>
+              </a:lnSpc>
+            </a:pPr>
             <a:r>
               <a:rPr lang="zh-CN" altLang="zh-CN" dirty="0"/>
               <a:t>平时</a:t>
@@ -7050,7 +6964,11 @@
             </a:r>
           </a:p>
           <a:p>
-            <a:pPr lvl="1"/>
+            <a:pPr lvl="1">
+              <a:lnSpc>
+                <a:spcPct val="150000"/>
+              </a:lnSpc>
+            </a:pPr>
             <a:r>
               <a:rPr lang="zh-CN" altLang="zh-CN" dirty="0"/>
               <a:t>期末考试</a:t>
@@ -7060,11 +6978,11 @@
               <a:t>成绩</a:t>
             </a:r>
             <a:r>
-              <a:rPr lang="en-US" altLang="zh-CN" smtClean="0"/>
+              <a:rPr lang="en-US" altLang="zh-CN" dirty="0" smtClean="0"/>
               <a:t>60</a:t>
             </a:r>
             <a:r>
-              <a:rPr lang="zh-CN" altLang="en-US" smtClean="0"/>
+              <a:rPr lang="zh-CN" altLang="en-US" dirty="0" smtClean="0"/>
               <a:t>分</a:t>
             </a:r>
             <a:endParaRPr lang="zh-CN" altLang="zh-CN" dirty="0"/>
@@ -7529,13 +7447,13 @@
           <p:nvPr>
             <p:extLst>
               <p:ext uri="{D42A27DB-BD31-4B8C-83A1-F6EECF244321}">
-                <p14:modId xmlns:p14="http://schemas.microsoft.com/office/powerpoint/2010/main" val="2624997936"/>
+                <p14:modId xmlns:p14="http://schemas.microsoft.com/office/powerpoint/2010/main" val="327198342"/>
               </p:ext>
             </p:extLst>
           </p:nvPr>
         </p:nvGraphicFramePr>
         <p:xfrm>
-          <a:off x="251520" y="1088740"/>
+          <a:off x="1775520" y="1772816"/>
           <a:ext cx="3564396" cy="4074160"/>
         </p:xfrm>
         <a:graphic>
@@ -7548,14 +7466,14 @@
                 <a:gridCol w="1612465">
                   <a:extLst>
                     <a:ext uri="{9D8B030D-6E8A-4147-A177-3AD203B41FA5}">
-                      <a16:colId xmlns:a16="http://schemas.microsoft.com/office/drawing/2014/main" xmlns="" val="20000"/>
+                      <a16:colId xmlns:a16="http://schemas.microsoft.com/office/drawing/2014/main" val="20000"/>
                     </a:ext>
                   </a:extLst>
                 </a:gridCol>
                 <a:gridCol w="1951931">
                   <a:extLst>
                     <a:ext uri="{9D8B030D-6E8A-4147-A177-3AD203B41FA5}">
-                      <a16:colId xmlns:a16="http://schemas.microsoft.com/office/drawing/2014/main" xmlns="" val="20001"/>
+                      <a16:colId xmlns:a16="http://schemas.microsoft.com/office/drawing/2014/main" val="20001"/>
                     </a:ext>
                   </a:extLst>
                 </a:gridCol>
@@ -7593,7 +7511,7 @@
                 </a:tc>
                 <a:extLst>
                   <a:ext uri="{0D108BD9-81ED-4DB2-BD59-A6C34878D82A}">
-                    <a16:rowId xmlns:a16="http://schemas.microsoft.com/office/drawing/2014/main" xmlns="" val="10000"/>
+                    <a16:rowId xmlns:a16="http://schemas.microsoft.com/office/drawing/2014/main" val="10000"/>
                   </a:ext>
                 </a:extLst>
               </a:tr>
@@ -7656,7 +7574,7 @@
                         </a:spcAft>
                       </a:pPr>
                       <a:r>
-                        <a:rPr lang="en-US" sz="1600" b="1" kern="100">
+                        <a:rPr lang="en-US" sz="1600" b="1" kern="100" dirty="0">
                           <a:solidFill>
                             <a:schemeClr val="tx1"/>
                           </a:solidFill>
@@ -7668,7 +7586,7 @@
                         <a:t>4</a:t>
                       </a:r>
                       <a:r>
-                        <a:rPr lang="zh-CN" sz="1600" b="1" kern="100">
+                        <a:rPr lang="zh-CN" sz="1600" b="1" kern="100" dirty="0">
                           <a:solidFill>
                             <a:schemeClr val="tx1"/>
                           </a:solidFill>
@@ -7685,7 +7603,7 @@
                 </a:tc>
                 <a:extLst>
                   <a:ext uri="{0D108BD9-81ED-4DB2-BD59-A6C34878D82A}">
-                    <a16:rowId xmlns:a16="http://schemas.microsoft.com/office/drawing/2014/main" xmlns="" val="10001"/>
+                    <a16:rowId xmlns:a16="http://schemas.microsoft.com/office/drawing/2014/main" val="10001"/>
                   </a:ext>
                 </a:extLst>
               </a:tr>
@@ -7777,7 +7695,7 @@
                 </a:tc>
                 <a:extLst>
                   <a:ext uri="{0D108BD9-81ED-4DB2-BD59-A6C34878D82A}">
-                    <a16:rowId xmlns:a16="http://schemas.microsoft.com/office/drawing/2014/main" xmlns="" val="10002"/>
+                    <a16:rowId xmlns:a16="http://schemas.microsoft.com/office/drawing/2014/main" val="10002"/>
                   </a:ext>
                 </a:extLst>
               </a:tr>
@@ -7857,7 +7775,7 @@
                 </a:tc>
                 <a:extLst>
                   <a:ext uri="{0D108BD9-81ED-4DB2-BD59-A6C34878D82A}">
-                    <a16:rowId xmlns:a16="http://schemas.microsoft.com/office/drawing/2014/main" xmlns="" val="10003"/>
+                    <a16:rowId xmlns:a16="http://schemas.microsoft.com/office/drawing/2014/main" val="10003"/>
                   </a:ext>
                 </a:extLst>
               </a:tr>
@@ -7937,7 +7855,7 @@
                 </a:tc>
                 <a:extLst>
                   <a:ext uri="{0D108BD9-81ED-4DB2-BD59-A6C34878D82A}">
-                    <a16:rowId xmlns:a16="http://schemas.microsoft.com/office/drawing/2014/main" xmlns="" val="10004"/>
+                    <a16:rowId xmlns:a16="http://schemas.microsoft.com/office/drawing/2014/main" val="10004"/>
                   </a:ext>
                 </a:extLst>
               </a:tr>
@@ -8017,7 +7935,7 @@
                 </a:tc>
                 <a:extLst>
                   <a:ext uri="{0D108BD9-81ED-4DB2-BD59-A6C34878D82A}">
-                    <a16:rowId xmlns:a16="http://schemas.microsoft.com/office/drawing/2014/main" xmlns="" val="10005"/>
+                    <a16:rowId xmlns:a16="http://schemas.microsoft.com/office/drawing/2014/main" val="10005"/>
                   </a:ext>
                 </a:extLst>
               </a:tr>
@@ -8097,7 +8015,7 @@
                 </a:tc>
                 <a:extLst>
                   <a:ext uri="{0D108BD9-81ED-4DB2-BD59-A6C34878D82A}">
-                    <a16:rowId xmlns:a16="http://schemas.microsoft.com/office/drawing/2014/main" xmlns="" val="10006"/>
+                    <a16:rowId xmlns:a16="http://schemas.microsoft.com/office/drawing/2014/main" val="10006"/>
                   </a:ext>
                 </a:extLst>
               </a:tr>
@@ -8168,7 +8086,7 @@
                 </a:tc>
                 <a:extLst>
                   <a:ext uri="{0D108BD9-81ED-4DB2-BD59-A6C34878D82A}">
-                    <a16:rowId xmlns:a16="http://schemas.microsoft.com/office/drawing/2014/main" xmlns="" val="10007"/>
+                    <a16:rowId xmlns:a16="http://schemas.microsoft.com/office/drawing/2014/main" val="10007"/>
                   </a:ext>
                 </a:extLst>
               </a:tr>
@@ -8239,7 +8157,7 @@
                 </a:tc>
                 <a:extLst>
                   <a:ext uri="{0D108BD9-81ED-4DB2-BD59-A6C34878D82A}">
-                    <a16:rowId xmlns:a16="http://schemas.microsoft.com/office/drawing/2014/main" xmlns="" val="10008"/>
+                    <a16:rowId xmlns:a16="http://schemas.microsoft.com/office/drawing/2014/main" val="10008"/>
                   </a:ext>
                 </a:extLst>
               </a:tr>
@@ -8310,7 +8228,7 @@
                 </a:tc>
                 <a:extLst>
                   <a:ext uri="{0D108BD9-81ED-4DB2-BD59-A6C34878D82A}">
-                    <a16:rowId xmlns:a16="http://schemas.microsoft.com/office/drawing/2014/main" xmlns="" val="10009"/>
+                    <a16:rowId xmlns:a16="http://schemas.microsoft.com/office/drawing/2014/main" val="10009"/>
                   </a:ext>
                 </a:extLst>
               </a:tr>
@@ -8352,7 +8270,7 @@
                         </a:spcAft>
                       </a:pPr>
                       <a:r>
-                        <a:rPr lang="en-US" sz="1600" b="1" kern="100">
+                        <a:rPr lang="en-US" sz="1600" b="1" kern="100" dirty="0">
                           <a:solidFill>
                             <a:schemeClr val="tx1"/>
                           </a:solidFill>
@@ -8364,7 +8282,7 @@
                         <a:t>2</a:t>
                       </a:r>
                       <a:r>
-                        <a:rPr lang="zh-CN" sz="1600" b="1" kern="100">
+                        <a:rPr lang="zh-CN" sz="1600" b="1" kern="100" dirty="0">
                           <a:solidFill>
                             <a:schemeClr val="tx1"/>
                           </a:solidFill>
@@ -8381,7 +8299,7 @@
                 </a:tc>
                 <a:extLst>
                   <a:ext uri="{0D108BD9-81ED-4DB2-BD59-A6C34878D82A}">
-                    <a16:rowId xmlns:a16="http://schemas.microsoft.com/office/drawing/2014/main" xmlns="" val="10010"/>
+                    <a16:rowId xmlns:a16="http://schemas.microsoft.com/office/drawing/2014/main" val="10010"/>
                   </a:ext>
                 </a:extLst>
               </a:tr>
@@ -8398,13 +8316,13 @@
           <p:nvPr>
             <p:extLst>
               <p:ext uri="{D42A27DB-BD31-4B8C-83A1-F6EECF244321}">
-                <p14:modId xmlns:p14="http://schemas.microsoft.com/office/powerpoint/2010/main" val="1487467909"/>
+                <p14:modId xmlns:p14="http://schemas.microsoft.com/office/powerpoint/2010/main" val="30760984"/>
               </p:ext>
             </p:extLst>
           </p:nvPr>
         </p:nvGraphicFramePr>
         <p:xfrm>
-          <a:off x="4572000" y="1772816"/>
+          <a:off x="6168008" y="1772816"/>
           <a:ext cx="3888432" cy="4032448"/>
         </p:xfrm>
         <a:graphic>
@@ -8417,14 +8335,14 @@
                 <a:gridCol w="2412268">
                   <a:extLst>
                     <a:ext uri="{9D8B030D-6E8A-4147-A177-3AD203B41FA5}">
-                      <a16:colId xmlns:a16="http://schemas.microsoft.com/office/drawing/2014/main" xmlns="" val="20000"/>
+                      <a16:colId xmlns:a16="http://schemas.microsoft.com/office/drawing/2014/main" val="20000"/>
                     </a:ext>
                   </a:extLst>
                 </a:gridCol>
                 <a:gridCol w="1476164">
                   <a:extLst>
                     <a:ext uri="{9D8B030D-6E8A-4147-A177-3AD203B41FA5}">
-                      <a16:colId xmlns:a16="http://schemas.microsoft.com/office/drawing/2014/main" xmlns="" val="20001"/>
+                      <a16:colId xmlns:a16="http://schemas.microsoft.com/office/drawing/2014/main" val="20001"/>
                     </a:ext>
                   </a:extLst>
                 </a:gridCol>
@@ -8462,7 +8380,7 @@
                 </a:tc>
                 <a:extLst>
                   <a:ext uri="{0D108BD9-81ED-4DB2-BD59-A6C34878D82A}">
-                    <a16:rowId xmlns:a16="http://schemas.microsoft.com/office/drawing/2014/main" xmlns="" val="10000"/>
+                    <a16:rowId xmlns:a16="http://schemas.microsoft.com/office/drawing/2014/main" val="10000"/>
                   </a:ext>
                 </a:extLst>
               </a:tr>
@@ -8533,7 +8451,7 @@
                 </a:tc>
                 <a:extLst>
                   <a:ext uri="{0D108BD9-81ED-4DB2-BD59-A6C34878D82A}">
-                    <a16:rowId xmlns:a16="http://schemas.microsoft.com/office/drawing/2014/main" xmlns="" val="10001"/>
+                    <a16:rowId xmlns:a16="http://schemas.microsoft.com/office/drawing/2014/main" val="10001"/>
                   </a:ext>
                 </a:extLst>
               </a:tr>
@@ -8604,7 +8522,7 @@
                 </a:tc>
                 <a:extLst>
                   <a:ext uri="{0D108BD9-81ED-4DB2-BD59-A6C34878D82A}">
-                    <a16:rowId xmlns:a16="http://schemas.microsoft.com/office/drawing/2014/main" xmlns="" val="10002"/>
+                    <a16:rowId xmlns:a16="http://schemas.microsoft.com/office/drawing/2014/main" val="10002"/>
                   </a:ext>
                 </a:extLst>
               </a:tr>
@@ -8675,7 +8593,7 @@
                 </a:tc>
                 <a:extLst>
                   <a:ext uri="{0D108BD9-81ED-4DB2-BD59-A6C34878D82A}">
-                    <a16:rowId xmlns:a16="http://schemas.microsoft.com/office/drawing/2014/main" xmlns="" val="10003"/>
+                    <a16:rowId xmlns:a16="http://schemas.microsoft.com/office/drawing/2014/main" val="10003"/>
                   </a:ext>
                 </a:extLst>
               </a:tr>
@@ -8746,7 +8664,7 @@
                 </a:tc>
                 <a:extLst>
                   <a:ext uri="{0D108BD9-81ED-4DB2-BD59-A6C34878D82A}">
-                    <a16:rowId xmlns:a16="http://schemas.microsoft.com/office/drawing/2014/main" xmlns="" val="10004"/>
+                    <a16:rowId xmlns:a16="http://schemas.microsoft.com/office/drawing/2014/main" val="10004"/>
                   </a:ext>
                 </a:extLst>
               </a:tr>
@@ -8817,7 +8735,7 @@
                 </a:tc>
                 <a:extLst>
                   <a:ext uri="{0D108BD9-81ED-4DB2-BD59-A6C34878D82A}">
-                    <a16:rowId xmlns:a16="http://schemas.microsoft.com/office/drawing/2014/main" xmlns="" val="10005"/>
+                    <a16:rowId xmlns:a16="http://schemas.microsoft.com/office/drawing/2014/main" val="10005"/>
                   </a:ext>
                 </a:extLst>
               </a:tr>
@@ -8833,7 +8751,7 @@
                         </a:spcAft>
                       </a:pPr>
                       <a:r>
-                        <a:rPr lang="zh-CN" sz="1600" b="1" kern="100">
+                        <a:rPr lang="zh-CN" sz="1600" b="1" kern="100" dirty="0">
                           <a:solidFill>
                             <a:schemeClr val="tx1"/>
                           </a:solidFill>
@@ -8888,7 +8806,7 @@
                 </a:tc>
                 <a:extLst>
                   <a:ext uri="{0D108BD9-81ED-4DB2-BD59-A6C34878D82A}">
-                    <a16:rowId xmlns:a16="http://schemas.microsoft.com/office/drawing/2014/main" xmlns="" val="10006"/>
+                    <a16:rowId xmlns:a16="http://schemas.microsoft.com/office/drawing/2014/main" val="10006"/>
                   </a:ext>
                 </a:extLst>
               </a:tr>
@@ -8995,7 +8913,7 @@
                 </a:tc>
                 <a:extLst>
                   <a:ext uri="{0D108BD9-81ED-4DB2-BD59-A6C34878D82A}">
-                    <a16:rowId xmlns:a16="http://schemas.microsoft.com/office/drawing/2014/main" xmlns="" val="10009"/>
+                    <a16:rowId xmlns:a16="http://schemas.microsoft.com/office/drawing/2014/main" val="10009"/>
                   </a:ext>
                 </a:extLst>
               </a:tr>
@@ -9087,7 +9005,7 @@
                 </a:tc>
                 <a:extLst>
                   <a:ext uri="{0D108BD9-81ED-4DB2-BD59-A6C34878D82A}">
-                    <a16:rowId xmlns:a16="http://schemas.microsoft.com/office/drawing/2014/main" xmlns="" val="10010"/>
+                    <a16:rowId xmlns:a16="http://schemas.microsoft.com/office/drawing/2014/main" val="10010"/>
                   </a:ext>
                 </a:extLst>
               </a:tr>
@@ -9158,7 +9076,7 @@
                 </a:tc>
                 <a:extLst>
                   <a:ext uri="{0D108BD9-81ED-4DB2-BD59-A6C34878D82A}">
-                    <a16:rowId xmlns:a16="http://schemas.microsoft.com/office/drawing/2014/main" xmlns="" val="10011"/>
+                    <a16:rowId xmlns:a16="http://schemas.microsoft.com/office/drawing/2014/main" val="10011"/>
                   </a:ext>
                 </a:extLst>
               </a:tr>
@@ -9247,7 +9165,7 @@
                 </a:tc>
                 <a:extLst>
                   <a:ext uri="{0D108BD9-81ED-4DB2-BD59-A6C34878D82A}">
-                    <a16:rowId xmlns:a16="http://schemas.microsoft.com/office/drawing/2014/main" xmlns="" val="3190866158"/>
+                    <a16:rowId xmlns:a16="http://schemas.microsoft.com/office/drawing/2014/main" val="3190866158"/>
                   </a:ext>
                 </a:extLst>
               </a:tr>

--- a/ch01/第0章 课程简介.pptx
+++ b/ch01/第0章 课程简介.pptx
@@ -5,28 +5,26 @@
     <p:sldMasterId id="2147483973" r:id="rId1"/>
   </p:sldMasterIdLst>
   <p:notesMasterIdLst>
-    <p:notesMasterId r:id="rId21"/>
+    <p:notesMasterId r:id="rId19"/>
   </p:notesMasterIdLst>
   <p:sldIdLst>
     <p:sldId id="256" r:id="rId2"/>
     <p:sldId id="510" r:id="rId3"/>
     <p:sldId id="603" r:id="rId4"/>
     <p:sldId id="604" r:id="rId5"/>
-    <p:sldId id="612" r:id="rId6"/>
-    <p:sldId id="613" r:id="rId7"/>
-    <p:sldId id="605" r:id="rId8"/>
-    <p:sldId id="609" r:id="rId9"/>
-    <p:sldId id="606" r:id="rId10"/>
-    <p:sldId id="607" r:id="rId11"/>
-    <p:sldId id="611" r:id="rId12"/>
-    <p:sldId id="610" r:id="rId13"/>
-    <p:sldId id="614" r:id="rId14"/>
-    <p:sldId id="617" r:id="rId15"/>
-    <p:sldId id="616" r:id="rId16"/>
-    <p:sldId id="615" r:id="rId17"/>
-    <p:sldId id="618" r:id="rId18"/>
-    <p:sldId id="577" r:id="rId19"/>
-    <p:sldId id="568" r:id="rId20"/>
+    <p:sldId id="613" r:id="rId6"/>
+    <p:sldId id="609" r:id="rId7"/>
+    <p:sldId id="606" r:id="rId8"/>
+    <p:sldId id="607" r:id="rId9"/>
+    <p:sldId id="611" r:id="rId10"/>
+    <p:sldId id="610" r:id="rId11"/>
+    <p:sldId id="614" r:id="rId12"/>
+    <p:sldId id="617" r:id="rId13"/>
+    <p:sldId id="616" r:id="rId14"/>
+    <p:sldId id="615" r:id="rId15"/>
+    <p:sldId id="618" r:id="rId16"/>
+    <p:sldId id="577" r:id="rId17"/>
+    <p:sldId id="568" r:id="rId18"/>
   </p:sldIdLst>
   <p:sldSz cx="12192000" cy="6858000"/>
   <p:notesSz cx="6794500" cy="9918700"/>
@@ -177,351 +175,6 @@
     </p:ext>
   </p:extLst>
 </p:presentation>
-</file>
-
-<file path=ppt/charts/chart1.xml><?xml version="1.0" encoding="utf-8"?>
-<c:chartSpace xmlns:c="http://schemas.openxmlformats.org/drawingml/2006/chart" xmlns:a="http://schemas.openxmlformats.org/drawingml/2006/main" xmlns:r="http://schemas.openxmlformats.org/officeDocument/2006/relationships" xmlns:c16r2="http://schemas.microsoft.com/office/drawing/2015/06/chart">
-  <c:date1904 val="0"/>
-  <c:lang val="zh-CN"/>
-  <c:roundedCorners val="0"/>
-  <mc:AlternateContent xmlns:mc="http://schemas.openxmlformats.org/markup-compatibility/2006">
-    <mc:Choice xmlns:c14="http://schemas.microsoft.com/office/drawing/2007/8/2/chart" Requires="c14">
-      <c14:style val="102"/>
-    </mc:Choice>
-    <mc:Fallback>
-      <c:style val="2"/>
-    </mc:Fallback>
-  </mc:AlternateContent>
-  <c:chart>
-    <c:autoTitleDeleted val="0"/>
-    <c:plotArea>
-      <c:layout/>
-      <c:pieChart>
-        <c:varyColors val="1"/>
-        <c:ser>
-          <c:idx val="0"/>
-          <c:order val="0"/>
-          <c:dPt>
-            <c:idx val="3"/>
-            <c:bubble3D val="0"/>
-            <c:spPr>
-              <a:solidFill>
-                <a:srgbClr val="92D050"/>
-              </a:solidFill>
-            </c:spPr>
-            <c:extLst>
-              <c:ext xmlns:c16="http://schemas.microsoft.com/office/drawing/2014/chart" uri="{C3380CC4-5D6E-409C-BE32-E72D297353CC}">
-                <c16:uniqueId val="{00000001-18CC-460A-A28E-177F2C455E60}"/>
-              </c:ext>
-            </c:extLst>
-          </c:dPt>
-          <c:dLbls>
-            <c:dLbl>
-              <c:idx val="0"/>
-              <c:layout>
-                <c:manualLayout>
-                  <c:x val="-9.8551398219217753E-2"/>
-                  <c:y val="7.1116650121312683E-4"/>
-                </c:manualLayout>
-              </c:layout>
-              <c:tx>
-                <c:rich>
-                  <a:bodyPr/>
-                  <a:lstStyle/>
-                  <a:p>
-                    <a:r>
-                      <a:rPr lang="zh-CN" altLang="en-US" dirty="0"/>
-                      <a:t>手机开发类，
-</a:t>
-                    </a:r>
-                    <a:r>
-                      <a:rPr lang="en-US" altLang="zh-CN" dirty="0"/>
-                      <a:t>6%</a:t>
-                    </a:r>
-                    <a:r>
-                      <a:rPr lang="zh-CN" altLang="en-US" sz="1000" b="0" i="0" u="none" strike="noStrike" baseline="0" dirty="0">
-                        <a:effectLst/>
-                      </a:rPr>
-                      <a:t>，年薪</a:t>
-                    </a:r>
-                    <a:r>
-                      <a:rPr lang="en-US" altLang="zh-CN" sz="1000" b="0" i="0" u="none" strike="noStrike" baseline="0" dirty="0" smtClean="0">
-                        <a:effectLst/>
-                      </a:rPr>
-                      <a:t>15</a:t>
-                    </a:r>
-                    <a:r>
-                      <a:rPr lang="zh-CN" altLang="en-US" sz="1000" b="0" i="0" u="none" strike="noStrike" baseline="0" dirty="0" smtClean="0">
-                        <a:effectLst/>
-                      </a:rPr>
-                      <a:t>万左右</a:t>
-                    </a:r>
-                    <a:endParaRPr lang="zh-CN" altLang="en-US" dirty="0"/>
-                  </a:p>
-                </c:rich>
-              </c:tx>
-              <c:showLegendKey val="0"/>
-              <c:showVal val="0"/>
-              <c:showCatName val="1"/>
-              <c:showSerName val="0"/>
-              <c:showPercent val="1"/>
-              <c:showBubbleSize val="0"/>
-              <c:extLst>
-                <c:ext xmlns:c15="http://schemas.microsoft.com/office/drawing/2012/chart" uri="{CE6537A1-D6FC-4f65-9D91-7224C49458BB}">
-                  <c15:layout/>
-                </c:ext>
-                <c:ext xmlns:c16="http://schemas.microsoft.com/office/drawing/2014/chart" uri="{C3380CC4-5D6E-409C-BE32-E72D297353CC}">
-                  <c16:uniqueId val="{00000002-18CC-460A-A28E-177F2C455E60}"/>
-                </c:ext>
-              </c:extLst>
-            </c:dLbl>
-            <c:dLbl>
-              <c:idx val="1"/>
-              <c:layout/>
-              <c:tx>
-                <c:rich>
-                  <a:bodyPr/>
-                  <a:lstStyle/>
-                  <a:p>
-                    <a:r>
-                      <a:rPr lang="zh-CN" altLang="en-US"/>
-                      <a:t>门户网站类
-</a:t>
-                    </a:r>
-                    <a:r>
-                      <a:rPr lang="en-US" altLang="zh-CN"/>
-                      <a:t>6%</a:t>
-                    </a:r>
-                    <a:r>
-                      <a:rPr lang="zh-CN" altLang="en-US"/>
-                      <a:t>，年薪十万左右</a:t>
-                    </a:r>
-                  </a:p>
-                </c:rich>
-              </c:tx>
-              <c:showLegendKey val="0"/>
-              <c:showVal val="0"/>
-              <c:showCatName val="1"/>
-              <c:showSerName val="0"/>
-              <c:showPercent val="1"/>
-              <c:showBubbleSize val="0"/>
-              <c:extLst>
-                <c:ext xmlns:c15="http://schemas.microsoft.com/office/drawing/2012/chart" uri="{CE6537A1-D6FC-4f65-9D91-7224C49458BB}">
-                  <c15:layout/>
-                </c:ext>
-                <c:ext xmlns:c16="http://schemas.microsoft.com/office/drawing/2014/chart" uri="{C3380CC4-5D6E-409C-BE32-E72D297353CC}">
-                  <c16:uniqueId val="{00000003-18CC-460A-A28E-177F2C455E60}"/>
-                </c:ext>
-              </c:extLst>
-            </c:dLbl>
-            <c:dLbl>
-              <c:idx val="2"/>
-              <c:layout/>
-              <c:tx>
-                <c:rich>
-                  <a:bodyPr/>
-                  <a:lstStyle/>
-                  <a:p>
-                    <a:r>
-                      <a:rPr lang="zh-CN" altLang="en-US"/>
-                      <a:t>成长型企业
-</a:t>
-                    </a:r>
-                    <a:r>
-                      <a:rPr lang="en-US" altLang="zh-CN"/>
-                      <a:t>35%</a:t>
-                    </a:r>
-                    <a:r>
-                      <a:rPr lang="zh-CN" altLang="en-US"/>
-                      <a:t>，月薪</a:t>
-                    </a:r>
-                    <a:r>
-                      <a:rPr lang="en-US" altLang="zh-CN"/>
-                      <a:t>5K</a:t>
-                    </a:r>
-                    <a:r>
-                      <a:rPr lang="zh-CN" altLang="en-US"/>
-                      <a:t>左右</a:t>
-                    </a:r>
-                  </a:p>
-                </c:rich>
-              </c:tx>
-              <c:showLegendKey val="0"/>
-              <c:showVal val="0"/>
-              <c:showCatName val="1"/>
-              <c:showSerName val="0"/>
-              <c:showPercent val="1"/>
-              <c:showBubbleSize val="0"/>
-              <c:extLst>
-                <c:ext xmlns:c15="http://schemas.microsoft.com/office/drawing/2012/chart" uri="{CE6537A1-D6FC-4f65-9D91-7224C49458BB}">
-                  <c15:layout/>
-                </c:ext>
-                <c:ext xmlns:c16="http://schemas.microsoft.com/office/drawing/2014/chart" uri="{C3380CC4-5D6E-409C-BE32-E72D297353CC}">
-                  <c16:uniqueId val="{00000004-18CC-460A-A28E-177F2C455E60}"/>
-                </c:ext>
-              </c:extLst>
-            </c:dLbl>
-            <c:dLbl>
-              <c:idx val="3"/>
-              <c:layout/>
-              <c:tx>
-                <c:rich>
-                  <a:bodyPr/>
-                  <a:lstStyle/>
-                  <a:p>
-                    <a:r>
-                      <a:rPr lang="zh-CN" altLang="en-US"/>
-                      <a:t>外包类企业
-</a:t>
-                    </a:r>
-                    <a:r>
-                      <a:rPr lang="en-US" altLang="zh-CN"/>
-                      <a:t>23%</a:t>
-                    </a:r>
-                    <a:r>
-                      <a:rPr lang="zh-CN" altLang="en-US"/>
-                      <a:t>，月薪</a:t>
-                    </a:r>
-                    <a:r>
-                      <a:rPr lang="en-US" altLang="zh-CN"/>
-                      <a:t>4K</a:t>
-                    </a:r>
-                    <a:r>
-                      <a:rPr lang="zh-CN" altLang="en-US"/>
-                      <a:t>左右</a:t>
-                    </a:r>
-                  </a:p>
-                </c:rich>
-              </c:tx>
-              <c:showLegendKey val="0"/>
-              <c:showVal val="0"/>
-              <c:showCatName val="1"/>
-              <c:showSerName val="0"/>
-              <c:showPercent val="1"/>
-              <c:showBubbleSize val="0"/>
-              <c:extLst>
-                <c:ext xmlns:c15="http://schemas.microsoft.com/office/drawing/2012/chart" uri="{CE6537A1-D6FC-4f65-9D91-7224C49458BB}">
-                  <c15:layout/>
-                </c:ext>
-                <c:ext xmlns:c16="http://schemas.microsoft.com/office/drawing/2014/chart" uri="{C3380CC4-5D6E-409C-BE32-E72D297353CC}">
-                  <c16:uniqueId val="{00000001-18CC-460A-A28E-177F2C455E60}"/>
-                </c:ext>
-              </c:extLst>
-            </c:dLbl>
-            <c:spPr>
-              <a:noFill/>
-              <a:ln>
-                <a:noFill/>
-              </a:ln>
-              <a:effectLst/>
-            </c:spPr>
-            <c:showLegendKey val="0"/>
-            <c:showVal val="0"/>
-            <c:showCatName val="1"/>
-            <c:showSerName val="0"/>
-            <c:showPercent val="1"/>
-            <c:showBubbleSize val="0"/>
-            <c:showLeaderLines val="1"/>
-            <c:extLst>
-              <c:ext xmlns:c15="http://schemas.microsoft.com/office/drawing/2012/chart" uri="{CE6537A1-D6FC-4f65-9D91-7224C49458BB}">
-                <c15:layout/>
-              </c:ext>
-            </c:extLst>
-          </c:dLbls>
-          <c:cat>
-            <c:strRef>
-              <c:f>总结!$L$17:$Q$17</c:f>
-              <c:strCache>
-                <c:ptCount val="6"/>
-                <c:pt idx="0">
-                  <c:v>手机开发类</c:v>
-                </c:pt>
-                <c:pt idx="1">
-                  <c:v>门户网站类</c:v>
-                </c:pt>
-                <c:pt idx="2">
-                  <c:v>成长型企业</c:v>
-                </c:pt>
-                <c:pt idx="3">
-                  <c:v>外包类企业</c:v>
-                </c:pt>
-                <c:pt idx="4">
-                  <c:v>机关</c:v>
-                </c:pt>
-                <c:pt idx="5">
-                  <c:v>生源地</c:v>
-                </c:pt>
-              </c:strCache>
-            </c:strRef>
-          </c:cat>
-          <c:val>
-            <c:numRef>
-              <c:f>总结!$L$18:$Q$18</c:f>
-              <c:numCache>
-                <c:formatCode>g/"通""用""格""式"</c:formatCode>
-                <c:ptCount val="6"/>
-                <c:pt idx="0">
-                  <c:v>18</c:v>
-                </c:pt>
-                <c:pt idx="1">
-                  <c:v>18</c:v>
-                </c:pt>
-                <c:pt idx="2">
-                  <c:v>108</c:v>
-                </c:pt>
-                <c:pt idx="3">
-                  <c:v>72</c:v>
-                </c:pt>
-                <c:pt idx="4">
-                  <c:v>36</c:v>
-                </c:pt>
-                <c:pt idx="5">
-                  <c:v>54</c:v>
-                </c:pt>
-              </c:numCache>
-            </c:numRef>
-          </c:val>
-          <c:extLst>
-            <c:ext xmlns:c16="http://schemas.microsoft.com/office/drawing/2014/chart" uri="{C3380CC4-5D6E-409C-BE32-E72D297353CC}">
-              <c16:uniqueId val="{00000005-18CC-460A-A28E-177F2C455E60}"/>
-            </c:ext>
-          </c:extLst>
-        </c:ser>
-        <c:dLbls>
-          <c:showLegendKey val="0"/>
-          <c:showVal val="0"/>
-          <c:showCatName val="0"/>
-          <c:showSerName val="0"/>
-          <c:showPercent val="0"/>
-          <c:showBubbleSize val="0"/>
-          <c:showLeaderLines val="1"/>
-        </c:dLbls>
-        <c:firstSliceAng val="0"/>
-      </c:pieChart>
-    </c:plotArea>
-    <c:legend>
-      <c:legendPos val="r"/>
-      <c:layout/>
-      <c:overlay val="0"/>
-    </c:legend>
-    <c:plotVisOnly val="1"/>
-    <c:dispBlanksAs val="zero"/>
-    <c:showDLblsOverMax val="0"/>
-  </c:chart>
-  <c:txPr>
-    <a:bodyPr/>
-    <a:lstStyle/>
-    <a:p>
-      <a:pPr>
-        <a:defRPr sz="1800"/>
-      </a:pPr>
-      <a:endParaRPr lang="zh-CN"/>
-    </a:p>
-  </c:txPr>
-  <c:externalData r:id="rId1">
-    <c:autoUpdate val="0"/>
-  </c:externalData>
-</c:chartSpace>
 </file>
 
 <file path=ppt/notesMasters/notesMaster1.xml><?xml version="1.0" encoding="utf-8"?>
@@ -1371,6 +1024,164 @@
       </p:grpSpPr>
       <p:sp>
         <p:nvSpPr>
+          <p:cNvPr id="2" name="幻灯片图像占位符 1"/>
+          <p:cNvSpPr>
+            <a:spLocks noGrp="1" noRot="1" noChangeAspect="1"/>
+          </p:cNvSpPr>
+          <p:nvPr>
+            <p:ph type="sldImg"/>
+          </p:nvPr>
+        </p:nvSpPr>
+        <p:spPr/>
+      </p:sp>
+      <p:sp>
+        <p:nvSpPr>
+          <p:cNvPr id="3" name="备注占位符 2"/>
+          <p:cNvSpPr>
+            <a:spLocks noGrp="1"/>
+          </p:cNvSpPr>
+          <p:nvPr>
+            <p:ph type="body" idx="1"/>
+          </p:nvPr>
+        </p:nvSpPr>
+        <p:spPr>
+          <a:xfrm>
+            <a:off x="679450" y="4773613"/>
+            <a:ext cx="5435600" cy="3905250"/>
+          </a:xfrm>
+          <a:prstGeom prst="rect">
+            <a:avLst/>
+          </a:prstGeom>
+        </p:spPr>
+        <p:txBody>
+          <a:bodyPr/>
+          <a:lstStyle/>
+          <a:p>
+            <a:pPr marL="0" marR="0" indent="0" algn="l" defTabSz="0" rtl="0" eaLnBrk="0" fontAlgn="base" latinLnBrk="0" hangingPunct="0">
+              <a:lnSpc>
+                <a:spcPct val="100000"/>
+              </a:lnSpc>
+              <a:spcBef>
+                <a:spcPct val="30000"/>
+              </a:spcBef>
+              <a:spcAft>
+                <a:spcPct val="0"/>
+              </a:spcAft>
+              <a:buClrTx/>
+              <a:buSzTx/>
+              <a:buFontTx/>
+              <a:buNone/>
+              <a:tabLst/>
+              <a:defRPr/>
+            </a:pPr>
+            <a:r>
+              <a:rPr lang="en-US" altLang="zh-CN" dirty="0" smtClean="0"/>
+              <a:t>TIOBE 2017</a:t>
+            </a:r>
+            <a:r>
+              <a:rPr lang="zh-CN" altLang="en-US" dirty="0" smtClean="0"/>
+              <a:t>年</a:t>
+            </a:r>
+            <a:r>
+              <a:rPr lang="en-US" altLang="zh-CN" dirty="0" smtClean="0"/>
+              <a:t>12</a:t>
+            </a:r>
+            <a:r>
+              <a:rPr lang="zh-CN" altLang="en-US" dirty="0" smtClean="0"/>
+              <a:t>月编程语言排行榜</a:t>
+            </a:r>
+            <a:endParaRPr lang="en-US" altLang="zh-CN" dirty="0" smtClean="0"/>
+          </a:p>
+          <a:p>
+            <a:pPr marL="0" marR="0" indent="0" algn="l" defTabSz="0" rtl="0" eaLnBrk="0" fontAlgn="base" latinLnBrk="0" hangingPunct="0">
+              <a:lnSpc>
+                <a:spcPct val="100000"/>
+              </a:lnSpc>
+              <a:spcBef>
+                <a:spcPct val="30000"/>
+              </a:spcBef>
+              <a:spcAft>
+                <a:spcPct val="0"/>
+              </a:spcAft>
+              <a:buClrTx/>
+              <a:buSzTx/>
+              <a:buFontTx/>
+              <a:buNone/>
+              <a:tabLst/>
+              <a:defRPr/>
+            </a:pPr>
+            <a:r>
+              <a:rPr lang="en-US" altLang="zh-CN" dirty="0" smtClean="0"/>
+              <a:t>http://www.codertopic.com/?p=5359</a:t>
+            </a:r>
+            <a:endParaRPr lang="zh-CN" altLang="en-US" dirty="0" smtClean="0"/>
+          </a:p>
+          <a:p>
+            <a:endParaRPr lang="zh-CN" altLang="en-US" dirty="0"/>
+          </a:p>
+        </p:txBody>
+      </p:sp>
+      <p:sp>
+        <p:nvSpPr>
+          <p:cNvPr id="4" name="灯片编号占位符 3"/>
+          <p:cNvSpPr>
+            <a:spLocks noGrp="1"/>
+          </p:cNvSpPr>
+          <p:nvPr>
+            <p:ph type="sldNum" sz="quarter" idx="10"/>
+          </p:nvPr>
+        </p:nvSpPr>
+        <p:spPr/>
+        <p:txBody>
+          <a:bodyPr/>
+          <a:lstStyle/>
+          <a:p>
+            <a:pPr>
+              <a:defRPr/>
+            </a:pPr>
+            <a:fld id="{757CE8CE-4A2D-4C65-A833-D9B0C50D28B5}" type="slidenum">
+              <a:rPr lang="zh-CN" altLang="en-US" smtClean="0"/>
+              <a:pPr>
+                <a:defRPr/>
+              </a:pPr>
+              <a:t>5</a:t>
+            </a:fld>
+            <a:endParaRPr lang="zh-CN" altLang="en-US"/>
+          </a:p>
+        </p:txBody>
+      </p:sp>
+    </p:spTree>
+    <p:extLst>
+      <p:ext uri="{BB962C8B-B14F-4D97-AF65-F5344CB8AC3E}">
+        <p14:creationId xmlns:p14="http://schemas.microsoft.com/office/powerpoint/2010/main" val="495244920"/>
+      </p:ext>
+    </p:extLst>
+  </p:cSld>
+  <p:clrMapOvr>
+    <a:masterClrMapping/>
+  </p:clrMapOvr>
+</p:notes>
+</file>
+
+<file path=ppt/notesSlides/notesSlide3.xml><?xml version="1.0" encoding="utf-8"?>
+<p:notes xmlns:a="http://schemas.openxmlformats.org/drawingml/2006/main" xmlns:r="http://schemas.openxmlformats.org/officeDocument/2006/relationships" xmlns:p="http://schemas.openxmlformats.org/presentationml/2006/main">
+  <p:cSld>
+    <p:spTree>
+      <p:nvGrpSpPr>
+        <p:cNvPr id="1" name=""/>
+        <p:cNvGrpSpPr/>
+        <p:nvPr/>
+      </p:nvGrpSpPr>
+      <p:grpSpPr>
+        <a:xfrm>
+          <a:off x="0" y="0"/>
+          <a:ext cx="0" cy="0"/>
+          <a:chOff x="0" y="0"/>
+          <a:chExt cx="0" cy="0"/>
+        </a:xfrm>
+      </p:grpSpPr>
+      <p:sp>
+        <p:nvSpPr>
           <p:cNvPr id="17410" name="幻灯片图像占位符 1"/>
           <p:cNvSpPr>
             <a:spLocks noGrp="1" noRot="1" noChangeAspect="1" noTextEdit="1"/>
@@ -1573,7 +1384,7 @@
                 <a:buFont typeface="Arial" charset="0"/>
                 <a:buNone/>
               </a:pPr>
-              <a:t>18</a:t>
+              <a:t>16</a:t>
             </a:fld>
             <a:endParaRPr lang="zh-CN" altLang="en-US" smtClean="0"/>
           </a:p>
@@ -3652,17 +3463,7 @@
                 <a:latin typeface="华文新魏" pitchFamily="2" charset="-122"/>
                 <a:ea typeface="华文新魏" pitchFamily="2" charset="-122"/>
               </a:rPr>
-              <a:t>课程</a:t>
-            </a:r>
-            <a:r>
-              <a:rPr lang="zh-CN" altLang="en-US" b="1" dirty="0" smtClean="0">
-                <a:solidFill>
-                  <a:srgbClr val="A50021"/>
-                </a:solidFill>
-                <a:latin typeface="华文新魏" pitchFamily="2" charset="-122"/>
-                <a:ea typeface="华文新魏" pitchFamily="2" charset="-122"/>
-              </a:rPr>
-              <a:t>简介 </a:t>
+              <a:t>课程简介 </a:t>
             </a:r>
             <a:endParaRPr lang="zh-CN" altLang="en-US" sz="4800" dirty="0">
               <a:ea typeface="宋体" pitchFamily="2" charset="-122"/>
@@ -3732,373 +3533,6 @@
 </file>
 
 <file path=ppt/slides/slide10.xml><?xml version="1.0" encoding="utf-8"?>
-<p:sld xmlns:a="http://schemas.openxmlformats.org/drawingml/2006/main" xmlns:r="http://schemas.openxmlformats.org/officeDocument/2006/relationships" xmlns:p="http://schemas.openxmlformats.org/presentationml/2006/main">
-  <p:cSld>
-    <p:spTree>
-      <p:nvGrpSpPr>
-        <p:cNvPr id="1" name=""/>
-        <p:cNvGrpSpPr/>
-        <p:nvPr/>
-      </p:nvGrpSpPr>
-      <p:grpSpPr>
-        <a:xfrm>
-          <a:off x="0" y="0"/>
-          <a:ext cx="0" cy="0"/>
-          <a:chOff x="0" y="0"/>
-          <a:chExt cx="0" cy="0"/>
-        </a:xfrm>
-      </p:grpSpPr>
-      <p:sp>
-        <p:nvSpPr>
-          <p:cNvPr id="2" name="标题 1"/>
-          <p:cNvSpPr>
-            <a:spLocks noGrp="1"/>
-          </p:cNvSpPr>
-          <p:nvPr>
-            <p:ph type="title"/>
-          </p:nvPr>
-        </p:nvSpPr>
-        <p:spPr/>
-        <p:txBody>
-          <a:bodyPr/>
-          <a:lstStyle/>
-          <a:p>
-            <a:r>
-              <a:rPr lang="zh-CN" altLang="en-US" dirty="0" smtClean="0"/>
-              <a:t>参考资料</a:t>
-            </a:r>
-            <a:endParaRPr lang="zh-CN" altLang="en-US" dirty="0"/>
-          </a:p>
-        </p:txBody>
-      </p:sp>
-      <p:sp>
-        <p:nvSpPr>
-          <p:cNvPr id="4" name="TextBox 3"/>
-          <p:cNvSpPr txBox="1"/>
-          <p:nvPr/>
-        </p:nvSpPr>
-        <p:spPr>
-          <a:xfrm>
-            <a:off x="2495600" y="4964725"/>
-            <a:ext cx="7200800" cy="830997"/>
-          </a:xfrm>
-          <a:prstGeom prst="rect">
-            <a:avLst/>
-          </a:prstGeom>
-          <a:noFill/>
-        </p:spPr>
-        <p:txBody>
-          <a:bodyPr wrap="square" rtlCol="0">
-            <a:spAutoFit/>
-          </a:bodyPr>
-          <a:lstStyle/>
-          <a:p>
-            <a:r>
-              <a:rPr lang="en-US" altLang="zh-CN" sz="2400" dirty="0">
-                <a:hlinkClick r:id="rId2"/>
-              </a:rPr>
-              <a:t>http://tool.oschina.net/apidocs/apidoc?api=jdk-zh</a:t>
-            </a:r>
-            <a:endParaRPr lang="en-US" altLang="zh-CN" sz="2400" dirty="0"/>
-          </a:p>
-          <a:p>
-            <a:r>
-              <a:rPr lang="en-US" altLang="zh-CN" sz="2400" dirty="0">
-                <a:hlinkClick r:id="rId3"/>
-              </a:rPr>
-              <a:t>http://tool.oschina.net/apidocs/apidoc?api=jdk_7u4</a:t>
-            </a:r>
-            <a:endParaRPr lang="en-US" altLang="zh-CN" sz="2400" dirty="0"/>
-          </a:p>
-        </p:txBody>
-      </p:sp>
-      <p:pic>
-        <p:nvPicPr>
-          <p:cNvPr id="3" name="Picture 2"/>
-          <p:cNvPicPr>
-            <a:picLocks noChangeAspect="1" noChangeArrowheads="1"/>
-          </p:cNvPicPr>
-          <p:nvPr/>
-        </p:nvPicPr>
-        <p:blipFill>
-          <a:blip r:embed="rId4">
-            <a:extLst>
-              <a:ext uri="{28A0092B-C50C-407E-A947-70E740481C1C}">
-                <a14:useLocalDpi xmlns:a14="http://schemas.microsoft.com/office/drawing/2010/main" val="0"/>
-              </a:ext>
-            </a:extLst>
-          </a:blip>
-          <a:srcRect/>
-          <a:stretch>
-            <a:fillRect/>
-          </a:stretch>
-        </p:blipFill>
-        <p:spPr bwMode="auto">
-          <a:xfrm>
-            <a:off x="1652407" y="1618068"/>
-            <a:ext cx="2079837" cy="2855049"/>
-          </a:xfrm>
-          <a:prstGeom prst="rect">
-            <a:avLst/>
-          </a:prstGeom>
-          <a:noFill/>
-          <a:ln>
-            <a:noFill/>
-          </a:ln>
-          <a:effectLst/>
-          <a:extLst>
-            <a:ext uri="{909E8E84-426E-40DD-AFC4-6F175D3DCCD1}">
-              <a14:hiddenFill xmlns:a14="http://schemas.microsoft.com/office/drawing/2010/main">
-                <a:solidFill>
-                  <a:schemeClr val="accent1"/>
-                </a:solidFill>
-              </a14:hiddenFill>
-            </a:ext>
-            <a:ext uri="{91240B29-F687-4F45-9708-019B960494DF}">
-              <a14:hiddenLine xmlns:a14="http://schemas.microsoft.com/office/drawing/2010/main" w="9525">
-                <a:solidFill>
-                  <a:schemeClr val="tx1"/>
-                </a:solidFill>
-                <a:miter lim="800000"/>
-                <a:headEnd/>
-                <a:tailEnd/>
-              </a14:hiddenLine>
-            </a:ext>
-            <a:ext uri="{AF507438-7753-43E0-B8FC-AC1667EBCBE1}">
-              <a14:hiddenEffects xmlns:a14="http://schemas.microsoft.com/office/drawing/2010/main">
-                <a:effectLst>
-                  <a:outerShdw dist="35921" dir="2700000" algn="ctr" rotWithShape="0">
-                    <a:schemeClr val="bg2"/>
-                  </a:outerShdw>
-                </a:effectLst>
-              </a14:hiddenEffects>
-            </a:ext>
-          </a:extLst>
-        </p:spPr>
-      </p:pic>
-      <p:pic>
-        <p:nvPicPr>
-          <p:cNvPr id="5" name="Picture 3"/>
-          <p:cNvPicPr>
-            <a:picLocks noChangeAspect="1" noChangeArrowheads="1"/>
-          </p:cNvPicPr>
-          <p:nvPr/>
-        </p:nvPicPr>
-        <p:blipFill>
-          <a:blip r:embed="rId5">
-            <a:extLst>
-              <a:ext uri="{28A0092B-C50C-407E-A947-70E740481C1C}">
-                <a14:useLocalDpi xmlns:a14="http://schemas.microsoft.com/office/drawing/2010/main" val="0"/>
-              </a:ext>
-            </a:extLst>
-          </a:blip>
-          <a:srcRect/>
-          <a:stretch>
-            <a:fillRect/>
-          </a:stretch>
-        </p:blipFill>
-        <p:spPr bwMode="auto">
-          <a:xfrm>
-            <a:off x="3892790" y="1618068"/>
-            <a:ext cx="2067855" cy="2855049"/>
-          </a:xfrm>
-          <a:prstGeom prst="rect">
-            <a:avLst/>
-          </a:prstGeom>
-          <a:noFill/>
-          <a:ln>
-            <a:noFill/>
-          </a:ln>
-          <a:effectLst/>
-          <a:extLst>
-            <a:ext uri="{909E8E84-426E-40DD-AFC4-6F175D3DCCD1}">
-              <a14:hiddenFill xmlns:a14="http://schemas.microsoft.com/office/drawing/2010/main">
-                <a:solidFill>
-                  <a:schemeClr val="accent1"/>
-                </a:solidFill>
-              </a14:hiddenFill>
-            </a:ext>
-            <a:ext uri="{91240B29-F687-4F45-9708-019B960494DF}">
-              <a14:hiddenLine xmlns:a14="http://schemas.microsoft.com/office/drawing/2010/main" w="9525">
-                <a:solidFill>
-                  <a:schemeClr val="tx1"/>
-                </a:solidFill>
-                <a:miter lim="800000"/>
-                <a:headEnd/>
-                <a:tailEnd/>
-              </a14:hiddenLine>
-            </a:ext>
-            <a:ext uri="{AF507438-7753-43E0-B8FC-AC1667EBCBE1}">
-              <a14:hiddenEffects xmlns:a14="http://schemas.microsoft.com/office/drawing/2010/main">
-                <a:effectLst>
-                  <a:outerShdw dist="35921" dir="2700000" algn="ctr" rotWithShape="0">
-                    <a:schemeClr val="bg2"/>
-                  </a:outerShdw>
-                </a:effectLst>
-              </a14:hiddenEffects>
-            </a:ext>
-          </a:extLst>
-        </p:spPr>
-      </p:pic>
-      <p:pic>
-        <p:nvPicPr>
-          <p:cNvPr id="6" name="图片 5"/>
-          <p:cNvPicPr>
-            <a:picLocks noChangeAspect="1"/>
-          </p:cNvPicPr>
-          <p:nvPr/>
-        </p:nvPicPr>
-        <p:blipFill>
-          <a:blip r:embed="rId6"/>
-          <a:stretch>
-            <a:fillRect/>
-          </a:stretch>
-        </p:blipFill>
-        <p:spPr>
-          <a:xfrm>
-            <a:off x="6063166" y="1518846"/>
-            <a:ext cx="2067990" cy="2954271"/>
-          </a:xfrm>
-          <a:prstGeom prst="rect">
-            <a:avLst/>
-          </a:prstGeom>
-        </p:spPr>
-      </p:pic>
-      <p:pic>
-        <p:nvPicPr>
-          <p:cNvPr id="7" name="图片 6"/>
-          <p:cNvPicPr>
-            <a:picLocks noChangeAspect="1"/>
-          </p:cNvPicPr>
-          <p:nvPr/>
-        </p:nvPicPr>
-        <p:blipFill>
-          <a:blip r:embed="rId7"/>
-          <a:stretch>
-            <a:fillRect/>
-          </a:stretch>
-        </p:blipFill>
-        <p:spPr>
-          <a:xfrm>
-            <a:off x="8217332" y="1447776"/>
-            <a:ext cx="2307160" cy="3025341"/>
-          </a:xfrm>
-          <a:prstGeom prst="rect">
-            <a:avLst/>
-          </a:prstGeom>
-        </p:spPr>
-      </p:pic>
-    </p:spTree>
-    <p:extLst>
-      <p:ext uri="{BB962C8B-B14F-4D97-AF65-F5344CB8AC3E}">
-        <p14:creationId xmlns:p14="http://schemas.microsoft.com/office/powerpoint/2010/main" val="3358936486"/>
-      </p:ext>
-    </p:extLst>
-  </p:cSld>
-  <p:clrMapOvr>
-    <a:masterClrMapping/>
-  </p:clrMapOvr>
-  <p:timing>
-    <p:tnLst>
-      <p:par>
-        <p:cTn id="1" dur="indefinite" restart="never" nodeType="tmRoot"/>
-      </p:par>
-    </p:tnLst>
-  </p:timing>
-</p:sld>
-</file>
-
-<file path=ppt/slides/slide11.xml><?xml version="1.0" encoding="utf-8"?>
-<p:sld xmlns:a="http://schemas.openxmlformats.org/drawingml/2006/main" xmlns:r="http://schemas.openxmlformats.org/officeDocument/2006/relationships" xmlns:p="http://schemas.openxmlformats.org/presentationml/2006/main">
-  <p:cSld>
-    <p:spTree>
-      <p:nvGrpSpPr>
-        <p:cNvPr id="1" name=""/>
-        <p:cNvGrpSpPr/>
-        <p:nvPr/>
-      </p:nvGrpSpPr>
-      <p:grpSpPr>
-        <a:xfrm>
-          <a:off x="0" y="0"/>
-          <a:ext cx="0" cy="0"/>
-          <a:chOff x="0" y="0"/>
-          <a:chExt cx="0" cy="0"/>
-        </a:xfrm>
-      </p:grpSpPr>
-      <p:sp>
-        <p:nvSpPr>
-          <p:cNvPr id="2" name="标题 1"/>
-          <p:cNvSpPr>
-            <a:spLocks noGrp="1"/>
-          </p:cNvSpPr>
-          <p:nvPr>
-            <p:ph type="title"/>
-          </p:nvPr>
-        </p:nvSpPr>
-        <p:spPr/>
-        <p:txBody>
-          <a:bodyPr/>
-          <a:lstStyle/>
-          <a:p>
-            <a:r>
-              <a:rPr lang="zh-CN" altLang="en-US" smtClean="0"/>
-              <a:t>学习路线</a:t>
-            </a:r>
-            <a:endParaRPr lang="zh-CN" altLang="en-US" dirty="0"/>
-          </a:p>
-        </p:txBody>
-      </p:sp>
-      <p:pic>
-        <p:nvPicPr>
-          <p:cNvPr id="6" name="图片 5"/>
-          <p:cNvPicPr>
-            <a:picLocks noChangeAspect="1"/>
-          </p:cNvPicPr>
-          <p:nvPr/>
-        </p:nvPicPr>
-        <p:blipFill>
-          <a:blip r:embed="rId2">
-            <a:extLst>
-              <a:ext uri="{28A0092B-C50C-407E-A947-70E740481C1C}">
-                <a14:useLocalDpi xmlns:a14="http://schemas.microsoft.com/office/drawing/2010/main" val="0"/>
-              </a:ext>
-            </a:extLst>
-          </a:blip>
-          <a:stretch>
-            <a:fillRect/>
-          </a:stretch>
-        </p:blipFill>
-        <p:spPr>
-          <a:xfrm>
-            <a:off x="2063552" y="1232756"/>
-            <a:ext cx="7796340" cy="5508611"/>
-          </a:xfrm>
-          <a:prstGeom prst="rect">
-            <a:avLst/>
-          </a:prstGeom>
-        </p:spPr>
-      </p:pic>
-    </p:spTree>
-    <p:extLst>
-      <p:ext uri="{BB962C8B-B14F-4D97-AF65-F5344CB8AC3E}">
-        <p14:creationId xmlns:p14="http://schemas.microsoft.com/office/powerpoint/2010/main" val="2178217497"/>
-      </p:ext>
-    </p:extLst>
-  </p:cSld>
-  <p:clrMapOvr>
-    <a:masterClrMapping/>
-  </p:clrMapOvr>
-  <p:timing>
-    <p:tnLst>
-      <p:par>
-        <p:cTn id="1" dur="indefinite" restart="never" nodeType="tmRoot"/>
-      </p:par>
-    </p:tnLst>
-  </p:timing>
-</p:sld>
-</file>
-
-<file path=ppt/slides/slide12.xml><?xml version="1.0" encoding="utf-8"?>
 <p:sld xmlns:a="http://schemas.openxmlformats.org/drawingml/2006/main" xmlns:r="http://schemas.openxmlformats.org/officeDocument/2006/relationships" xmlns:p="http://schemas.openxmlformats.org/presentationml/2006/main">
   <p:cSld>
     <p:spTree>
@@ -4188,7 +3622,7 @@
 </p:sld>
 </file>
 
-<file path=ppt/slides/slide13.xml><?xml version="1.0" encoding="utf-8"?>
+<file path=ppt/slides/slide11.xml><?xml version="1.0" encoding="utf-8"?>
 <p:sld xmlns:a="http://schemas.openxmlformats.org/drawingml/2006/main" xmlns:r="http://schemas.openxmlformats.org/officeDocument/2006/relationships" xmlns:p="http://schemas.openxmlformats.org/presentationml/2006/main">
   <p:cSld>
     <p:spTree>
@@ -4304,7 +3738,7 @@
 </p:sld>
 </file>
 
-<file path=ppt/slides/slide14.xml><?xml version="1.0" encoding="utf-8"?>
+<file path=ppt/slides/slide12.xml><?xml version="1.0" encoding="utf-8"?>
 <p:sld xmlns:a="http://schemas.openxmlformats.org/drawingml/2006/main" xmlns:r="http://schemas.openxmlformats.org/officeDocument/2006/relationships" xmlns:p="http://schemas.openxmlformats.org/presentationml/2006/main">
   <p:cSld>
     <p:spTree>
@@ -4418,7 +3852,7 @@
 </p:sld>
 </file>
 
-<file path=ppt/slides/slide15.xml><?xml version="1.0" encoding="utf-8"?>
+<file path=ppt/slides/slide13.xml><?xml version="1.0" encoding="utf-8"?>
 <p:sld xmlns:a="http://schemas.openxmlformats.org/drawingml/2006/main" xmlns:r="http://schemas.openxmlformats.org/officeDocument/2006/relationships" xmlns:p="http://schemas.openxmlformats.org/presentationml/2006/main" show="0">
   <p:cSld>
     <p:spTree>
@@ -4578,7 +4012,7 @@
 </p:sld>
 </file>
 
-<file path=ppt/slides/slide16.xml><?xml version="1.0" encoding="utf-8"?>
+<file path=ppt/slides/slide14.xml><?xml version="1.0" encoding="utf-8"?>
 <p:sld xmlns:a="http://schemas.openxmlformats.org/drawingml/2006/main" xmlns:r="http://schemas.openxmlformats.org/officeDocument/2006/relationships" xmlns:p="http://schemas.openxmlformats.org/presentationml/2006/main">
   <p:cSld>
     <p:spTree>
@@ -4700,7 +4134,7 @@
 </p:sld>
 </file>
 
-<file path=ppt/slides/slide17.xml><?xml version="1.0" encoding="utf-8"?>
+<file path=ppt/slides/slide15.xml><?xml version="1.0" encoding="utf-8"?>
 <p:sld xmlns:a="http://schemas.openxmlformats.org/drawingml/2006/main" xmlns:r="http://schemas.openxmlformats.org/officeDocument/2006/relationships" xmlns:p="http://schemas.openxmlformats.org/presentationml/2006/main">
   <p:cSld>
     <p:spTree>
@@ -4822,7 +4256,7 @@
 </p:sld>
 </file>
 
-<file path=ppt/slides/slide18.xml><?xml version="1.0" encoding="utf-8"?>
+<file path=ppt/slides/slide16.xml><?xml version="1.0" encoding="utf-8"?>
 <p:sld xmlns:a="http://schemas.openxmlformats.org/drawingml/2006/main" xmlns:r="http://schemas.openxmlformats.org/officeDocument/2006/relationships" xmlns:p="http://schemas.openxmlformats.org/presentationml/2006/main">
   <p:cSld>
     <p:spTree>
@@ -4910,8 +4344,8 @@
         </p:nvSpPr>
         <p:spPr bwMode="auto">
           <a:xfrm>
-            <a:off x="4871864" y="1285876"/>
-            <a:ext cx="3492388" cy="4525963"/>
+            <a:off x="659396" y="1285876"/>
+            <a:ext cx="7704856" cy="4525963"/>
           </a:xfrm>
           <a:prstGeom prst="rect">
             <a:avLst/>
@@ -5095,7 +4529,7 @@
 </p:sld>
 </file>
 
-<file path=ppt/slides/slide19.xml><?xml version="1.0" encoding="utf-8"?>
+<file path=ppt/slides/slide17.xml><?xml version="1.0" encoding="utf-8"?>
 <p:sld xmlns:a="http://schemas.openxmlformats.org/drawingml/2006/main" xmlns:r="http://schemas.openxmlformats.org/officeDocument/2006/relationships" xmlns:p="http://schemas.openxmlformats.org/presentationml/2006/main">
   <p:cSld>
     <p:spTree>
@@ -5405,8 +4839,8 @@
         </p:nvSpPr>
         <p:spPr bwMode="auto">
           <a:xfrm>
-            <a:off x="5123892" y="1285876"/>
-            <a:ext cx="3456384" cy="4525963"/>
+            <a:off x="587388" y="1285876"/>
+            <a:ext cx="7992888" cy="4525963"/>
           </a:xfrm>
           <a:prstGeom prst="rect">
             <a:avLst/>
@@ -5707,7 +5141,7 @@
             </a:r>
             <a:r>
               <a:rPr lang="zh-CN" altLang="en-US" sz="2400" dirty="0" smtClean="0"/>
-              <a:t>：</a:t>
+              <a:t>：李玮玮</a:t>
             </a:r>
             <a:endParaRPr lang="en-US" altLang="zh-CN" sz="2400" dirty="0" smtClean="0"/>
           </a:p>
@@ -5720,6 +5154,10 @@
               <a:rPr lang="zh-CN" altLang="en-US" sz="2400" dirty="0" smtClean="0"/>
               <a:t>：</a:t>
             </a:r>
+            <a:r>
+              <a:rPr lang="en-US" altLang="zh-CN" sz="2400" dirty="0" smtClean="0"/>
+              <a:t>15032667501</a:t>
+            </a:r>
             <a:endParaRPr lang="en-US" altLang="zh-CN" sz="2400" dirty="0" smtClean="0"/>
           </a:p>
           <a:p>
@@ -5731,6 +5169,10 @@
               <a:rPr lang="zh-CN" altLang="en-US" sz="2400" dirty="0" smtClean="0"/>
               <a:t>：</a:t>
             </a:r>
+            <a:r>
+              <a:rPr lang="en-US" altLang="zh-CN" sz="2400" dirty="0" smtClean="0"/>
+              <a:t>273429028</a:t>
+            </a:r>
             <a:endParaRPr lang="en-US" altLang="zh-CN" sz="2400" dirty="0"/>
           </a:p>
           <a:p>
@@ -5741,6 +5183,10 @@
             <a:r>
               <a:rPr lang="zh-CN" altLang="en-US" sz="2400" dirty="0" smtClean="0"/>
               <a:t>：</a:t>
+            </a:r>
+            <a:r>
+              <a:rPr lang="en-US" altLang="zh-CN" sz="2400" dirty="0" smtClean="0"/>
+              <a:t>273429028@qq.com</a:t>
             </a:r>
             <a:endParaRPr lang="en-US" altLang="zh-CN" sz="2400" dirty="0"/>
           </a:p>
@@ -5860,7 +5306,7 @@
       </p:sp>
       <p:pic>
         <p:nvPicPr>
-          <p:cNvPr id="4" name="图片 3"/>
+          <p:cNvPr id="5" name="图片 4"/>
           <p:cNvPicPr>
             <a:picLocks noChangeAspect="1"/>
           </p:cNvPicPr>
@@ -5874,8 +5320,32 @@
         </p:blipFill>
         <p:spPr>
           <a:xfrm>
-            <a:off x="1742788" y="2492896"/>
-            <a:ext cx="8706424" cy="3901081"/>
+            <a:off x="3971764" y="1160749"/>
+            <a:ext cx="7092788" cy="5683852"/>
+          </a:xfrm>
+          <a:prstGeom prst="rect">
+            <a:avLst/>
+          </a:prstGeom>
+        </p:spPr>
+      </p:pic>
+      <p:pic>
+        <p:nvPicPr>
+          <p:cNvPr id="6" name="图片 5"/>
+          <p:cNvPicPr>
+            <a:picLocks noChangeAspect="1"/>
+          </p:cNvPicPr>
+          <p:nvPr/>
+        </p:nvPicPr>
+        <p:blipFill>
+          <a:blip r:embed="rId3"/>
+          <a:stretch>
+            <a:fillRect/>
+          </a:stretch>
+        </p:blipFill>
+        <p:spPr>
+          <a:xfrm>
+            <a:off x="443372" y="1736812"/>
+            <a:ext cx="7410831" cy="4965955"/>
           </a:xfrm>
           <a:prstGeom prst="rect">
             <a:avLst/>
@@ -5977,7 +5447,7 @@
                             </p:stCondLst>
                             <p:childTnLst>
                               <p:par>
-                                <p:cTn id="10" presetID="2" presetClass="entr" presetSubtype="4" fill="hold" nodeType="clickEffect">
+                                <p:cTn id="10" presetID="53" presetClass="entr" presetSubtype="16" fill="hold" nodeType="clickEffect">
                                   <p:stCondLst>
                                     <p:cond delay="0"/>
                                   </p:stCondLst>
@@ -5990,7 +5460,7 @@
                                           </p:stCondLst>
                                         </p:cTn>
                                         <p:tgtEl>
-                                          <p:spTgt spid="4"/>
+                                          <p:spTgt spid="5"/>
                                         </p:tgtEl>
                                         <p:attrNameLst>
                                           <p:attrName>style.visibility</p:attrName>
@@ -6001,51 +5471,158 @@
                                       </p:to>
                                     </p:set>
                                     <p:anim calcmode="lin" valueType="num">
-                                      <p:cBhvr additive="base">
+                                      <p:cBhvr>
                                         <p:cTn id="12" dur="500" fill="hold"/>
                                         <p:tgtEl>
-                                          <p:spTgt spid="4"/>
+                                          <p:spTgt spid="5"/>
                                         </p:tgtEl>
                                         <p:attrNameLst>
-                                          <p:attrName>ppt_x</p:attrName>
+                                          <p:attrName>ppt_w</p:attrName>
                                         </p:attrNameLst>
                                       </p:cBhvr>
                                       <p:tavLst>
                                         <p:tav tm="0">
                                           <p:val>
-                                            <p:strVal val="#ppt_x"/>
+                                            <p:fltVal val="0"/>
                                           </p:val>
                                         </p:tav>
                                         <p:tav tm="100000">
                                           <p:val>
-                                            <p:strVal val="#ppt_x"/>
+                                            <p:strVal val="#ppt_w"/>
                                           </p:val>
                                         </p:tav>
                                       </p:tavLst>
                                     </p:anim>
                                     <p:anim calcmode="lin" valueType="num">
-                                      <p:cBhvr additive="base">
+                                      <p:cBhvr>
                                         <p:cTn id="13" dur="500" fill="hold"/>
                                         <p:tgtEl>
-                                          <p:spTgt spid="4"/>
+                                          <p:spTgt spid="5"/>
                                         </p:tgtEl>
                                         <p:attrNameLst>
-                                          <p:attrName>ppt_y</p:attrName>
+                                          <p:attrName>ppt_h</p:attrName>
                                         </p:attrNameLst>
                                       </p:cBhvr>
                                       <p:tavLst>
                                         <p:tav tm="0">
                                           <p:val>
-                                            <p:strVal val="1+#ppt_h/2"/>
+                                            <p:fltVal val="0"/>
                                           </p:val>
                                         </p:tav>
                                         <p:tav tm="100000">
                                           <p:val>
-                                            <p:strVal val="#ppt_y"/>
+                                            <p:strVal val="#ppt_h"/>
                                           </p:val>
                                         </p:tav>
                                       </p:tavLst>
                                     </p:anim>
+                                    <p:animEffect transition="in" filter="fade">
+                                      <p:cBhvr>
+                                        <p:cTn id="14" dur="500"/>
+                                        <p:tgtEl>
+                                          <p:spTgt spid="5"/>
+                                        </p:tgtEl>
+                                      </p:cBhvr>
+                                    </p:animEffect>
+                                  </p:childTnLst>
+                                </p:cTn>
+                              </p:par>
+                            </p:childTnLst>
+                          </p:cTn>
+                        </p:par>
+                      </p:childTnLst>
+                    </p:cTn>
+                  </p:par>
+                  <p:par>
+                    <p:cTn id="15" fill="hold">
+                      <p:stCondLst>
+                        <p:cond delay="indefinite"/>
+                      </p:stCondLst>
+                      <p:childTnLst>
+                        <p:par>
+                          <p:cTn id="16" fill="hold">
+                            <p:stCondLst>
+                              <p:cond delay="0"/>
+                            </p:stCondLst>
+                            <p:childTnLst>
+                              <p:par>
+                                <p:cTn id="17" presetID="53" presetClass="entr" presetSubtype="16" fill="hold" nodeType="clickEffect">
+                                  <p:stCondLst>
+                                    <p:cond delay="0"/>
+                                  </p:stCondLst>
+                                  <p:childTnLst>
+                                    <p:set>
+                                      <p:cBhvr>
+                                        <p:cTn id="18" dur="1" fill="hold">
+                                          <p:stCondLst>
+                                            <p:cond delay="0"/>
+                                          </p:stCondLst>
+                                        </p:cTn>
+                                        <p:tgtEl>
+                                          <p:spTgt spid="6"/>
+                                        </p:tgtEl>
+                                        <p:attrNameLst>
+                                          <p:attrName>style.visibility</p:attrName>
+                                        </p:attrNameLst>
+                                      </p:cBhvr>
+                                      <p:to>
+                                        <p:strVal val="visible"/>
+                                      </p:to>
+                                    </p:set>
+                                    <p:anim calcmode="lin" valueType="num">
+                                      <p:cBhvr>
+                                        <p:cTn id="19" dur="500" fill="hold"/>
+                                        <p:tgtEl>
+                                          <p:spTgt spid="6"/>
+                                        </p:tgtEl>
+                                        <p:attrNameLst>
+                                          <p:attrName>ppt_w</p:attrName>
+                                        </p:attrNameLst>
+                                      </p:cBhvr>
+                                      <p:tavLst>
+                                        <p:tav tm="0">
+                                          <p:val>
+                                            <p:fltVal val="0"/>
+                                          </p:val>
+                                        </p:tav>
+                                        <p:tav tm="100000">
+                                          <p:val>
+                                            <p:strVal val="#ppt_w"/>
+                                          </p:val>
+                                        </p:tav>
+                                      </p:tavLst>
+                                    </p:anim>
+                                    <p:anim calcmode="lin" valueType="num">
+                                      <p:cBhvr>
+                                        <p:cTn id="20" dur="500" fill="hold"/>
+                                        <p:tgtEl>
+                                          <p:spTgt spid="6"/>
+                                        </p:tgtEl>
+                                        <p:attrNameLst>
+                                          <p:attrName>ppt_h</p:attrName>
+                                        </p:attrNameLst>
+                                      </p:cBhvr>
+                                      <p:tavLst>
+                                        <p:tav tm="0">
+                                          <p:val>
+                                            <p:fltVal val="0"/>
+                                          </p:val>
+                                        </p:tav>
+                                        <p:tav tm="100000">
+                                          <p:val>
+                                            <p:strVal val="#ppt_h"/>
+                                          </p:val>
+                                        </p:tav>
+                                      </p:tavLst>
+                                    </p:anim>
+                                    <p:animEffect transition="in" filter="fade">
+                                      <p:cBhvr>
+                                        <p:cTn id="21" dur="500"/>
+                                        <p:tgtEl>
+                                          <p:spTgt spid="6"/>
+                                        </p:tgtEl>
+                                      </p:cBhvr>
+                                    </p:animEffect>
                                   </p:childTnLst>
                                 </p:cTn>
                               </p:par>
@@ -6166,7 +5743,11 @@
             </a:r>
             <a:r>
               <a:rPr lang="zh-CN" altLang="en-US" dirty="0" smtClean="0"/>
-              <a:t>开发人员需求缺口</a:t>
+              <a:t>开发人员需求</a:t>
+            </a:r>
+            <a:r>
+              <a:rPr lang="zh-CN" altLang="en-US" dirty="0" smtClean="0"/>
+              <a:t>缺口</a:t>
             </a:r>
             <a:endParaRPr lang="zh-CN" altLang="en-US" dirty="0"/>
           </a:p>
@@ -6174,14 +5755,14 @@
       </p:sp>
       <p:pic>
         <p:nvPicPr>
-          <p:cNvPr id="4" name="图片 3"/>
+          <p:cNvPr id="5" name="图片 4"/>
           <p:cNvPicPr>
             <a:picLocks noChangeAspect="1"/>
           </p:cNvPicPr>
           <p:nvPr/>
         </p:nvPicPr>
         <p:blipFill>
-          <a:blip r:embed="rId2">
+          <a:blip r:embed="rId3">
             <a:extLst>
               <a:ext uri="{28A0092B-C50C-407E-A947-70E740481C1C}">
                 <a14:useLocalDpi xmlns:a14="http://schemas.microsoft.com/office/drawing/2010/main" val="0"/>
@@ -6194,236 +5775,7 @@
         </p:blipFill>
         <p:spPr>
           <a:xfrm>
-            <a:off x="2855640" y="2744924"/>
-            <a:ext cx="5868652" cy="3745267"/>
-          </a:xfrm>
-          <a:prstGeom prst="rect">
-            <a:avLst/>
-          </a:prstGeom>
-        </p:spPr>
-      </p:pic>
-    </p:spTree>
-    <p:extLst>
-      <p:ext uri="{BB962C8B-B14F-4D97-AF65-F5344CB8AC3E}">
-        <p14:creationId xmlns:p14="http://schemas.microsoft.com/office/powerpoint/2010/main" val="127505827"/>
-      </p:ext>
-    </p:extLst>
-  </p:cSld>
-  <p:clrMapOvr>
-    <a:masterClrMapping/>
-  </p:clrMapOvr>
-  <p:timing>
-    <p:tnLst>
-      <p:par>
-        <p:cTn id="1" dur="indefinite" restart="never" nodeType="tmRoot">
-          <p:childTnLst>
-            <p:seq concurrent="1" nextAc="seek">
-              <p:cTn id="2" dur="indefinite" nodeType="mainSeq">
-                <p:childTnLst>
-                  <p:par>
-                    <p:cTn id="3" fill="hold">
-                      <p:stCondLst>
-                        <p:cond delay="indefinite"/>
-                      </p:stCondLst>
-                      <p:childTnLst>
-                        <p:par>
-                          <p:cTn id="4" fill="hold">
-                            <p:stCondLst>
-                              <p:cond delay="0"/>
-                            </p:stCondLst>
-                            <p:childTnLst>
-                              <p:par>
-                                <p:cTn id="5" presetID="10" presetClass="entr" presetSubtype="0" fill="hold" nodeType="clickEffect">
-                                  <p:stCondLst>
-                                    <p:cond delay="0"/>
-                                  </p:stCondLst>
-                                  <p:iterate type="lt">
-                                    <p:tmPct val="0"/>
-                                  </p:iterate>
-                                  <p:childTnLst>
-                                    <p:set>
-                                      <p:cBhvr>
-                                        <p:cTn id="6" dur="1" fill="hold">
-                                          <p:stCondLst>
-                                            <p:cond delay="0"/>
-                                          </p:stCondLst>
-                                        </p:cTn>
-                                        <p:tgtEl>
-                                          <p:spTgt spid="3">
-                                            <p:txEl>
-                                              <p:pRg st="1" end="1"/>
-                                            </p:txEl>
-                                          </p:spTgt>
-                                        </p:tgtEl>
-                                        <p:attrNameLst>
-                                          <p:attrName>style.visibility</p:attrName>
-                                        </p:attrNameLst>
-                                      </p:cBhvr>
-                                      <p:to>
-                                        <p:strVal val="visible"/>
-                                      </p:to>
-                                    </p:set>
-                                    <p:animEffect transition="in" filter="fade">
-                                      <p:cBhvr>
-                                        <p:cTn id="7" dur="500"/>
-                                        <p:tgtEl>
-                                          <p:spTgt spid="3">
-                                            <p:txEl>
-                                              <p:pRg st="1" end="1"/>
-                                            </p:txEl>
-                                          </p:spTgt>
-                                        </p:tgtEl>
-                                      </p:cBhvr>
-                                    </p:animEffect>
-                                  </p:childTnLst>
-                                </p:cTn>
-                              </p:par>
-                            </p:childTnLst>
-                          </p:cTn>
-                        </p:par>
-                      </p:childTnLst>
-                    </p:cTn>
-                  </p:par>
-                </p:childTnLst>
-              </p:cTn>
-              <p:prevCondLst>
-                <p:cond evt="onPrev" delay="0">
-                  <p:tgtEl>
-                    <p:sldTgt/>
-                  </p:tgtEl>
-                </p:cond>
-              </p:prevCondLst>
-              <p:nextCondLst>
-                <p:cond evt="onNext" delay="0">
-                  <p:tgtEl>
-                    <p:sldTgt/>
-                  </p:tgtEl>
-                </p:cond>
-              </p:nextCondLst>
-            </p:seq>
-          </p:childTnLst>
-        </p:cTn>
-      </p:par>
-    </p:tnLst>
-  </p:timing>
-</p:sld>
-</file>
-
-<file path=ppt/slides/slide6.xml><?xml version="1.0" encoding="utf-8"?>
-<p:sld xmlns:a="http://schemas.openxmlformats.org/drawingml/2006/main" xmlns:r="http://schemas.openxmlformats.org/officeDocument/2006/relationships" xmlns:p="http://schemas.openxmlformats.org/presentationml/2006/main">
-  <p:cSld>
-    <p:spTree>
-      <p:nvGrpSpPr>
-        <p:cNvPr id="1" name=""/>
-        <p:cNvGrpSpPr/>
-        <p:nvPr/>
-      </p:nvGrpSpPr>
-      <p:grpSpPr>
-        <a:xfrm>
-          <a:off x="0" y="0"/>
-          <a:ext cx="0" cy="0"/>
-          <a:chOff x="0" y="0"/>
-          <a:chExt cx="0" cy="0"/>
-        </a:xfrm>
-      </p:grpSpPr>
-      <p:sp>
-        <p:nvSpPr>
-          <p:cNvPr id="2" name="标题 1"/>
-          <p:cNvSpPr>
-            <a:spLocks noGrp="1"/>
-          </p:cNvSpPr>
-          <p:nvPr>
-            <p:ph type="title"/>
-          </p:nvPr>
-        </p:nvSpPr>
-        <p:spPr/>
-        <p:txBody>
-          <a:bodyPr/>
-          <a:lstStyle/>
-          <a:p>
-            <a:r>
-              <a:rPr lang="zh-CN" altLang="en-US" smtClean="0"/>
-              <a:t>课程意义</a:t>
-            </a:r>
-            <a:endParaRPr lang="zh-CN" altLang="en-US" dirty="0"/>
-          </a:p>
-        </p:txBody>
-      </p:sp>
-      <p:sp>
-        <p:nvSpPr>
-          <p:cNvPr id="3" name="内容占位符 2"/>
-          <p:cNvSpPr>
-            <a:spLocks noGrp="1"/>
-          </p:cNvSpPr>
-          <p:nvPr>
-            <p:ph idx="1"/>
-          </p:nvPr>
-        </p:nvSpPr>
-        <p:spPr/>
-        <p:txBody>
-          <a:bodyPr/>
-          <a:lstStyle/>
-          <a:p>
-            <a:pPr>
-              <a:lnSpc>
-                <a:spcPct val="150000"/>
-              </a:lnSpc>
-            </a:pPr>
-            <a:r>
-              <a:rPr lang="zh-CN" altLang="en-US" dirty="0" smtClean="0"/>
-              <a:t>为什么学习</a:t>
-            </a:r>
-            <a:r>
-              <a:rPr lang="en-US" altLang="zh-CN" dirty="0" smtClean="0"/>
-              <a:t>Java</a:t>
-            </a:r>
-            <a:r>
-              <a:rPr lang="zh-CN" altLang="en-US" dirty="0" smtClean="0"/>
-              <a:t>？</a:t>
-            </a:r>
-            <a:endParaRPr lang="en-US" altLang="zh-CN" dirty="0" smtClean="0"/>
-          </a:p>
-          <a:p>
-            <a:pPr lvl="1">
-              <a:lnSpc>
-                <a:spcPct val="150000"/>
-              </a:lnSpc>
-            </a:pPr>
-            <a:r>
-              <a:rPr lang="en-US" altLang="zh-CN" dirty="0" smtClean="0"/>
-              <a:t>Java</a:t>
-            </a:r>
-            <a:r>
-              <a:rPr lang="zh-CN" altLang="en-US" dirty="0" smtClean="0"/>
-              <a:t>开发人员需求缺口</a:t>
-            </a:r>
-            <a:endParaRPr lang="zh-CN" altLang="en-US" dirty="0"/>
-          </a:p>
-        </p:txBody>
-      </p:sp>
-      <p:pic>
-        <p:nvPicPr>
-          <p:cNvPr id="5" name="图片 4"/>
-          <p:cNvPicPr>
-            <a:picLocks noChangeAspect="1"/>
-          </p:cNvPicPr>
-          <p:nvPr/>
-        </p:nvPicPr>
-        <p:blipFill>
-          <a:blip r:embed="rId2">
-            <a:extLst>
-              <a:ext uri="{28A0092B-C50C-407E-A947-70E740481C1C}">
-                <a14:useLocalDpi xmlns:a14="http://schemas.microsoft.com/office/drawing/2010/main" val="0"/>
-              </a:ext>
-            </a:extLst>
-          </a:blip>
-          <a:stretch>
-            <a:fillRect/>
-          </a:stretch>
-        </p:blipFill>
-        <p:spPr>
-          <a:xfrm>
-            <a:off x="4331804" y="1268760"/>
+            <a:off x="401282" y="1187972"/>
             <a:ext cx="5694718" cy="5249494"/>
           </a:xfrm>
           <a:prstGeom prst="rect">
@@ -6431,6 +5783,107 @@
           </a:prstGeom>
         </p:spPr>
       </p:pic>
+      <p:pic>
+        <p:nvPicPr>
+          <p:cNvPr id="4" name="图片 3"/>
+          <p:cNvPicPr>
+            <a:picLocks noChangeAspect="1"/>
+          </p:cNvPicPr>
+          <p:nvPr/>
+        </p:nvPicPr>
+        <p:blipFill>
+          <a:blip r:embed="rId4"/>
+          <a:stretch>
+            <a:fillRect/>
+          </a:stretch>
+        </p:blipFill>
+        <p:spPr>
+          <a:xfrm>
+            <a:off x="6521331" y="1160749"/>
+            <a:ext cx="4635738" cy="5626389"/>
+          </a:xfrm>
+          <a:prstGeom prst="rect">
+            <a:avLst/>
+          </a:prstGeom>
+        </p:spPr>
+      </p:pic>
+      <p:sp>
+        <p:nvSpPr>
+          <p:cNvPr id="8" name="矩形 7"/>
+          <p:cNvSpPr/>
+          <p:nvPr/>
+        </p:nvSpPr>
+        <p:spPr>
+          <a:xfrm>
+            <a:off x="6852084" y="3973943"/>
+            <a:ext cx="4204997" cy="400110"/>
+          </a:xfrm>
+          <a:prstGeom prst="rect">
+            <a:avLst/>
+          </a:prstGeom>
+        </p:spPr>
+        <p:txBody>
+          <a:bodyPr wrap="none">
+            <a:spAutoFit/>
+          </a:bodyPr>
+          <a:lstStyle/>
+          <a:p>
+            <a:pPr algn="ctr"/>
+            <a:r>
+              <a:rPr lang="en-US" altLang="zh-CN" dirty="0">
+                <a:solidFill>
+                  <a:srgbClr val="555555"/>
+                </a:solidFill>
+                <a:latin typeface="Microsoft Yahei" panose="020B0503020204020204" pitchFamily="34" charset="-122"/>
+                <a:ea typeface="Microsoft Yahei" panose="020B0503020204020204" pitchFamily="34" charset="-122"/>
+                <a:hlinkClick r:id="rId5"/>
+              </a:rPr>
+              <a:t>TIOBE 2017</a:t>
+            </a:r>
+            <a:r>
+              <a:rPr lang="zh-CN" altLang="en-US" dirty="0">
+                <a:solidFill>
+                  <a:srgbClr val="555555"/>
+                </a:solidFill>
+                <a:latin typeface="Microsoft Yahei" panose="020B0503020204020204" pitchFamily="34" charset="-122"/>
+                <a:ea typeface="Microsoft Yahei" panose="020B0503020204020204" pitchFamily="34" charset="-122"/>
+                <a:hlinkClick r:id="rId5"/>
+              </a:rPr>
+              <a:t>年</a:t>
+            </a:r>
+            <a:r>
+              <a:rPr lang="en-US" altLang="zh-CN" dirty="0">
+                <a:solidFill>
+                  <a:srgbClr val="555555"/>
+                </a:solidFill>
+                <a:latin typeface="Microsoft Yahei" panose="020B0503020204020204" pitchFamily="34" charset="-122"/>
+                <a:ea typeface="Microsoft Yahei" panose="020B0503020204020204" pitchFamily="34" charset="-122"/>
+                <a:hlinkClick r:id="rId5"/>
+              </a:rPr>
+              <a:t>12</a:t>
+            </a:r>
+            <a:r>
+              <a:rPr lang="zh-CN" altLang="en-US" dirty="0">
+                <a:solidFill>
+                  <a:srgbClr val="555555"/>
+                </a:solidFill>
+                <a:latin typeface="Microsoft Yahei" panose="020B0503020204020204" pitchFamily="34" charset="-122"/>
+                <a:ea typeface="Microsoft Yahei" panose="020B0503020204020204" pitchFamily="34" charset="-122"/>
+                <a:hlinkClick r:id="rId5"/>
+              </a:rPr>
+              <a:t>月编程语言排行榜</a:t>
+            </a:r>
+            <a:endParaRPr lang="zh-CN" altLang="en-US" b="0" i="0" dirty="0">
+              <a:solidFill>
+                <a:srgbClr val="555555"/>
+              </a:solidFill>
+              <a:effectLst/>
+              <a:latin typeface="Microsoft Yahei" panose="020B0503020204020204" pitchFamily="34" charset="-122"/>
+              <a:ea typeface="Microsoft Yahei" panose="020B0503020204020204" pitchFamily="34" charset="-122"/>
+            </a:endParaRPr>
+          </a:p>
+        </p:txBody>
+      </p:sp>
     </p:spTree>
     <p:extLst>
       <p:ext uri="{BB962C8B-B14F-4D97-AF65-F5344CB8AC3E}">
@@ -6513,173 +5966,33 @@
                       </p:childTnLst>
                     </p:cTn>
                   </p:par>
-                </p:childTnLst>
-              </p:cTn>
-              <p:prevCondLst>
-                <p:cond evt="onPrev" delay="0">
-                  <p:tgtEl>
-                    <p:sldTgt/>
-                  </p:tgtEl>
-                </p:cond>
-              </p:prevCondLst>
-              <p:nextCondLst>
-                <p:cond evt="onNext" delay="0">
-                  <p:tgtEl>
-                    <p:sldTgt/>
-                  </p:tgtEl>
-                </p:cond>
-              </p:nextCondLst>
-            </p:seq>
-          </p:childTnLst>
-        </p:cTn>
-      </p:par>
-    </p:tnLst>
-  </p:timing>
-</p:sld>
-</file>
-
-<file path=ppt/slides/slide7.xml><?xml version="1.0" encoding="utf-8"?>
-<p:sld xmlns:a="http://schemas.openxmlformats.org/drawingml/2006/main" xmlns:r="http://schemas.openxmlformats.org/officeDocument/2006/relationships" xmlns:p="http://schemas.openxmlformats.org/presentationml/2006/main">
-  <p:cSld>
-    <p:spTree>
-      <p:nvGrpSpPr>
-        <p:cNvPr id="1" name=""/>
-        <p:cNvGrpSpPr/>
-        <p:nvPr/>
-      </p:nvGrpSpPr>
-      <p:grpSpPr>
-        <a:xfrm>
-          <a:off x="0" y="0"/>
-          <a:ext cx="0" cy="0"/>
-          <a:chOff x="0" y="0"/>
-          <a:chExt cx="0" cy="0"/>
-        </a:xfrm>
-      </p:grpSpPr>
-      <p:sp>
-        <p:nvSpPr>
-          <p:cNvPr id="2" name="标题 1"/>
-          <p:cNvSpPr>
-            <a:spLocks noGrp="1"/>
-          </p:cNvSpPr>
-          <p:nvPr>
-            <p:ph type="title"/>
-          </p:nvPr>
-        </p:nvSpPr>
-        <p:spPr/>
-        <p:txBody>
-          <a:bodyPr/>
-          <a:lstStyle/>
-          <a:p>
-            <a:r>
-              <a:rPr lang="zh-CN" altLang="en-US" dirty="0" smtClean="0"/>
-              <a:t>课程意义</a:t>
-            </a:r>
-            <a:endParaRPr lang="zh-CN" altLang="en-US" dirty="0"/>
-          </a:p>
-        </p:txBody>
-      </p:sp>
-      <p:sp>
-        <p:nvSpPr>
-          <p:cNvPr id="3" name="内容占位符 2"/>
-          <p:cNvSpPr>
-            <a:spLocks noGrp="1"/>
-          </p:cNvSpPr>
-          <p:nvPr>
-            <p:ph idx="1"/>
-          </p:nvPr>
-        </p:nvSpPr>
-        <p:spPr/>
-        <p:txBody>
-          <a:bodyPr>
-            <a:normAutofit/>
-          </a:bodyPr>
-          <a:lstStyle/>
-          <a:p>
-            <a:r>
-              <a:rPr lang="zh-CN" altLang="en-US" smtClean="0"/>
-              <a:t>毕业生</a:t>
-            </a:r>
-            <a:r>
-              <a:rPr lang="zh-CN" altLang="en-US" dirty="0" smtClean="0"/>
-              <a:t>就业情况</a:t>
-            </a:r>
-            <a:endParaRPr lang="zh-CN" altLang="en-US" dirty="0"/>
-          </a:p>
-        </p:txBody>
-      </p:sp>
-      <p:graphicFrame>
-        <p:nvGraphicFramePr>
-          <p:cNvPr id="7" name="图表 6"/>
-          <p:cNvGraphicFramePr>
-            <a:graphicFrameLocks/>
-          </p:cNvGraphicFramePr>
-          <p:nvPr>
-            <p:extLst>
-              <p:ext uri="{D42A27DB-BD31-4B8C-83A1-F6EECF244321}">
-                <p14:modId xmlns:p14="http://schemas.microsoft.com/office/powerpoint/2010/main" val="990191638"/>
-              </p:ext>
-            </p:extLst>
-          </p:nvPr>
-        </p:nvGraphicFramePr>
-        <p:xfrm>
-          <a:off x="2027548" y="1844824"/>
-          <a:ext cx="9145016" cy="4281340"/>
-        </p:xfrm>
-        <a:graphic>
-          <a:graphicData uri="http://schemas.openxmlformats.org/drawingml/2006/chart">
-            <c:chart xmlns:c="http://schemas.openxmlformats.org/drawingml/2006/chart" xmlns:r="http://schemas.openxmlformats.org/officeDocument/2006/relationships" r:id="rId2"/>
-          </a:graphicData>
-        </a:graphic>
-      </p:graphicFrame>
-    </p:spTree>
-    <p:extLst>
-      <p:ext uri="{BB962C8B-B14F-4D97-AF65-F5344CB8AC3E}">
-        <p14:creationId xmlns:p14="http://schemas.microsoft.com/office/powerpoint/2010/main" val="3704568172"/>
-      </p:ext>
-    </p:extLst>
-  </p:cSld>
-  <p:clrMapOvr>
-    <a:masterClrMapping/>
-  </p:clrMapOvr>
-  <p:timing>
-    <p:tnLst>
-      <p:par>
-        <p:cTn id="1" dur="indefinite" restart="never" nodeType="tmRoot">
-          <p:childTnLst>
-            <p:seq concurrent="1" nextAc="seek">
-              <p:cTn id="2" dur="indefinite" nodeType="mainSeq">
-                <p:childTnLst>
                   <p:par>
-                    <p:cTn id="3" fill="hold">
+                    <p:cTn id="8" fill="hold">
                       <p:stCondLst>
                         <p:cond delay="indefinite"/>
                       </p:stCondLst>
                       <p:childTnLst>
                         <p:par>
-                          <p:cTn id="4" fill="hold">
+                          <p:cTn id="9" fill="hold">
                             <p:stCondLst>
                               <p:cond delay="0"/>
                             </p:stCondLst>
                             <p:childTnLst>
                               <p:par>
-                                <p:cTn id="5" presetID="22" presetClass="entr" presetSubtype="4" fill="hold" grpId="0" nodeType="clickEffect">
+                                <p:cTn id="10" presetID="53" presetClass="entr" presetSubtype="16" fill="hold" nodeType="clickEffect">
                                   <p:stCondLst>
                                     <p:cond delay="0"/>
                                   </p:stCondLst>
                                   <p:childTnLst>
                                     <p:set>
                                       <p:cBhvr>
-                                        <p:cTn id="6" dur="1" fill="hold">
+                                        <p:cTn id="11" dur="1" fill="hold">
                                           <p:stCondLst>
                                             <p:cond delay="0"/>
                                           </p:stCondLst>
                                         </p:cTn>
                                         <p:tgtEl>
-                                          <p:spTgt spid="3">
-                                            <p:txEl>
-                                              <p:pRg st="0" end="0"/>
-                                            </p:txEl>
-                                          </p:spTgt>
+                                          <p:spTgt spid="5"/>
                                         </p:tgtEl>
                                         <p:attrNameLst>
                                           <p:attrName>style.visibility</p:attrName>
@@ -6689,15 +6002,57 @@
                                         <p:strVal val="visible"/>
                                       </p:to>
                                     </p:set>
-                                    <p:animEffect transition="in" filter="wipe(down)">
+                                    <p:anim calcmode="lin" valueType="num">
                                       <p:cBhvr>
-                                        <p:cTn id="7" dur="500"/>
+                                        <p:cTn id="12" dur="500" fill="hold"/>
                                         <p:tgtEl>
-                                          <p:spTgt spid="3">
-                                            <p:txEl>
-                                              <p:pRg st="0" end="0"/>
-                                            </p:txEl>
-                                          </p:spTgt>
+                                          <p:spTgt spid="5"/>
+                                        </p:tgtEl>
+                                        <p:attrNameLst>
+                                          <p:attrName>ppt_w</p:attrName>
+                                        </p:attrNameLst>
+                                      </p:cBhvr>
+                                      <p:tavLst>
+                                        <p:tav tm="0">
+                                          <p:val>
+                                            <p:fltVal val="0"/>
+                                          </p:val>
+                                        </p:tav>
+                                        <p:tav tm="100000">
+                                          <p:val>
+                                            <p:strVal val="#ppt_w"/>
+                                          </p:val>
+                                        </p:tav>
+                                      </p:tavLst>
+                                    </p:anim>
+                                    <p:anim calcmode="lin" valueType="num">
+                                      <p:cBhvr>
+                                        <p:cTn id="13" dur="500" fill="hold"/>
+                                        <p:tgtEl>
+                                          <p:spTgt spid="5"/>
+                                        </p:tgtEl>
+                                        <p:attrNameLst>
+                                          <p:attrName>ppt_h</p:attrName>
+                                        </p:attrNameLst>
+                                      </p:cBhvr>
+                                      <p:tavLst>
+                                        <p:tav tm="0">
+                                          <p:val>
+                                            <p:fltVal val="0"/>
+                                          </p:val>
+                                        </p:tav>
+                                        <p:tav tm="100000">
+                                          <p:val>
+                                            <p:strVal val="#ppt_h"/>
+                                          </p:val>
+                                        </p:tav>
+                                      </p:tavLst>
+                                    </p:anim>
+                                    <p:animEffect transition="in" filter="fade">
+                                      <p:cBhvr>
+                                        <p:cTn id="14" dur="500"/>
+                                        <p:tgtEl>
+                                          <p:spTgt spid="5"/>
                                         </p:tgtEl>
                                       </p:cBhvr>
                                     </p:animEffect>
@@ -6711,32 +6066,32 @@
                     </p:cTn>
                   </p:par>
                   <p:par>
-                    <p:cTn id="8" fill="hold">
+                    <p:cTn id="15" fill="hold">
                       <p:stCondLst>
                         <p:cond delay="indefinite"/>
                       </p:stCondLst>
                       <p:childTnLst>
                         <p:par>
-                          <p:cTn id="9" fill="hold">
+                          <p:cTn id="16" fill="hold">
                             <p:stCondLst>
                               <p:cond delay="0"/>
                             </p:stCondLst>
                             <p:childTnLst>
                               <p:par>
-                                <p:cTn id="10" presetID="21" presetClass="entr" presetSubtype="1" fill="hold" grpId="0" nodeType="clickEffect">
+                                <p:cTn id="17" presetID="53" presetClass="entr" presetSubtype="16" fill="hold" nodeType="clickEffect">
                                   <p:stCondLst>
                                     <p:cond delay="0"/>
                                   </p:stCondLst>
                                   <p:childTnLst>
                                     <p:set>
                                       <p:cBhvr>
-                                        <p:cTn id="11" dur="1" fill="hold">
+                                        <p:cTn id="18" dur="1" fill="hold">
                                           <p:stCondLst>
                                             <p:cond delay="0"/>
                                           </p:stCondLst>
                                         </p:cTn>
                                         <p:tgtEl>
-                                          <p:spTgt spid="7"/>
+                                          <p:spTgt spid="4"/>
                                         </p:tgtEl>
                                         <p:attrNameLst>
                                           <p:attrName>style.visibility</p:attrName>
@@ -6746,14 +6101,159 @@
                                         <p:strVal val="visible"/>
                                       </p:to>
                                     </p:set>
-                                    <p:animEffect transition="in" filter="wheel(1)">
+                                    <p:anim calcmode="lin" valueType="num">
                                       <p:cBhvr>
-                                        <p:cTn id="12" dur="500"/>
+                                        <p:cTn id="19" dur="500" fill="hold"/>
                                         <p:tgtEl>
-                                          <p:spTgt spid="7"/>
+                                          <p:spTgt spid="4"/>
+                                        </p:tgtEl>
+                                        <p:attrNameLst>
+                                          <p:attrName>ppt_w</p:attrName>
+                                        </p:attrNameLst>
+                                      </p:cBhvr>
+                                      <p:tavLst>
+                                        <p:tav tm="0">
+                                          <p:val>
+                                            <p:fltVal val="0"/>
+                                          </p:val>
+                                        </p:tav>
+                                        <p:tav tm="100000">
+                                          <p:val>
+                                            <p:strVal val="#ppt_w"/>
+                                          </p:val>
+                                        </p:tav>
+                                      </p:tavLst>
+                                    </p:anim>
+                                    <p:anim calcmode="lin" valueType="num">
+                                      <p:cBhvr>
+                                        <p:cTn id="20" dur="500" fill="hold"/>
+                                        <p:tgtEl>
+                                          <p:spTgt spid="4"/>
+                                        </p:tgtEl>
+                                        <p:attrNameLst>
+                                          <p:attrName>ppt_h</p:attrName>
+                                        </p:attrNameLst>
+                                      </p:cBhvr>
+                                      <p:tavLst>
+                                        <p:tav tm="0">
+                                          <p:val>
+                                            <p:fltVal val="0"/>
+                                          </p:val>
+                                        </p:tav>
+                                        <p:tav tm="100000">
+                                          <p:val>
+                                            <p:strVal val="#ppt_h"/>
+                                          </p:val>
+                                        </p:tav>
+                                      </p:tavLst>
+                                    </p:anim>
+                                    <p:animEffect transition="in" filter="fade">
+                                      <p:cBhvr>
+                                        <p:cTn id="21" dur="500"/>
+                                        <p:tgtEl>
+                                          <p:spTgt spid="4"/>
                                         </p:tgtEl>
                                       </p:cBhvr>
                                     </p:animEffect>
+                                  </p:childTnLst>
+                                </p:cTn>
+                              </p:par>
+                            </p:childTnLst>
+                          </p:cTn>
+                        </p:par>
+                      </p:childTnLst>
+                    </p:cTn>
+                  </p:par>
+                  <p:par>
+                    <p:cTn id="22" fill="hold">
+                      <p:stCondLst>
+                        <p:cond delay="indefinite"/>
+                      </p:stCondLst>
+                      <p:childTnLst>
+                        <p:par>
+                          <p:cTn id="23" fill="hold">
+                            <p:stCondLst>
+                              <p:cond delay="0"/>
+                            </p:stCondLst>
+                            <p:childTnLst>
+                              <p:par>
+                                <p:cTn id="24" presetID="45" presetClass="entr" presetSubtype="0" fill="hold" grpId="0" nodeType="clickEffect">
+                                  <p:stCondLst>
+                                    <p:cond delay="0"/>
+                                  </p:stCondLst>
+                                  <p:childTnLst>
+                                    <p:set>
+                                      <p:cBhvr>
+                                        <p:cTn id="25" dur="1" fill="hold">
+                                          <p:stCondLst>
+                                            <p:cond delay="0"/>
+                                          </p:stCondLst>
+                                        </p:cTn>
+                                        <p:tgtEl>
+                                          <p:spTgt spid="8"/>
+                                        </p:tgtEl>
+                                        <p:attrNameLst>
+                                          <p:attrName>style.visibility</p:attrName>
+                                        </p:attrNameLst>
+                                      </p:cBhvr>
+                                      <p:to>
+                                        <p:strVal val="visible"/>
+                                      </p:to>
+                                    </p:set>
+                                    <p:animEffect transition="in" filter="fade">
+                                      <p:cBhvr>
+                                        <p:cTn id="26" dur="2000"/>
+                                        <p:tgtEl>
+                                          <p:spTgt spid="8"/>
+                                        </p:tgtEl>
+                                      </p:cBhvr>
+                                    </p:animEffect>
+                                    <p:anim calcmode="lin" valueType="num">
+                                      <p:cBhvr>
+                                        <p:cTn id="27" dur="2000" fill="hold"/>
+                                        <p:tgtEl>
+                                          <p:spTgt spid="8"/>
+                                        </p:tgtEl>
+                                        <p:attrNameLst>
+                                          <p:attrName>ppt_w</p:attrName>
+                                        </p:attrNameLst>
+                                      </p:cBhvr>
+                                      <p:tavLst>
+                                        <p:tav tm="0" fmla="#ppt_w*sin(2.5*pi*$)">
+                                          <p:val>
+                                            <p:fltVal val="0"/>
+                                          </p:val>
+                                        </p:tav>
+                                        <p:tav tm="100000">
+                                          <p:val>
+                                            <p:fltVal val="1"/>
+                                          </p:val>
+                                        </p:tav>
+                                      </p:tavLst>
+                                    </p:anim>
+                                    <p:anim calcmode="lin" valueType="num">
+                                      <p:cBhvr>
+                                        <p:cTn id="28" dur="2000" fill="hold"/>
+                                        <p:tgtEl>
+                                          <p:spTgt spid="8"/>
+                                        </p:tgtEl>
+                                        <p:attrNameLst>
+                                          <p:attrName>ppt_h</p:attrName>
+                                        </p:attrNameLst>
+                                      </p:cBhvr>
+                                      <p:tavLst>
+                                        <p:tav tm="0">
+                                          <p:val>
+                                            <p:strVal val="#ppt_h"/>
+                                          </p:val>
+                                        </p:tav>
+                                        <p:tav tm="100000">
+                                          <p:val>
+                                            <p:strVal val="#ppt_h"/>
+                                          </p:val>
+                                        </p:tav>
+                                      </p:tavLst>
+                                    </p:anim>
                                   </p:childTnLst>
                                 </p:cTn>
                               </p:par>
@@ -6785,16 +6285,13 @@
       </p:par>
     </p:tnLst>
     <p:bldLst>
-      <p:bldP spid="3" grpId="0" build="p"/>
-      <p:bldGraphic spid="7" grpId="0">
-        <p:bldAsOne/>
-      </p:bldGraphic>
+      <p:bldP spid="8" grpId="0"/>
     </p:bldLst>
   </p:timing>
 </p:sld>
 </file>
 
-<file path=ppt/slides/slide8.xml><?xml version="1.0" encoding="utf-8"?>
+<file path=ppt/slides/slide6.xml><?xml version="1.0" encoding="utf-8"?>
 <p:sld xmlns:a="http://schemas.openxmlformats.org/drawingml/2006/main" xmlns:r="http://schemas.openxmlformats.org/officeDocument/2006/relationships" xmlns:p="http://schemas.openxmlformats.org/presentationml/2006/main">
   <p:cSld>
     <p:spTree>
@@ -6877,7 +6374,7 @@
             </a:r>
             <a:r>
               <a:rPr lang="en-US" altLang="zh-CN" dirty="0" smtClean="0"/>
-              <a:t>18</a:t>
+              <a:t>17</a:t>
             </a:r>
             <a:r>
               <a:rPr lang="zh-CN" altLang="zh-CN" dirty="0" smtClean="0"/>
@@ -7398,7 +6895,7 @@
 </p:sld>
 </file>
 
-<file path=ppt/slides/slide9.xml><?xml version="1.0" encoding="utf-8"?>
+<file path=ppt/slides/slide7.xml><?xml version="1.0" encoding="utf-8"?>
 <p:sld xmlns:a="http://schemas.openxmlformats.org/drawingml/2006/main" xmlns:r="http://schemas.openxmlformats.org/officeDocument/2006/relationships" xmlns:p="http://schemas.openxmlformats.org/presentationml/2006/main">
   <p:cSld>
     <p:spTree>
@@ -7447,7 +6944,7 @@
           <p:nvPr>
             <p:extLst>
               <p:ext uri="{D42A27DB-BD31-4B8C-83A1-F6EECF244321}">
-                <p14:modId xmlns:p14="http://schemas.microsoft.com/office/powerpoint/2010/main" val="327198342"/>
+                <p14:modId xmlns:p14="http://schemas.microsoft.com/office/powerpoint/2010/main" val="801691305"/>
               </p:ext>
             </p:extLst>
           </p:nvPr>
@@ -7466,14 +6963,14 @@
                 <a:gridCol w="1612465">
                   <a:extLst>
                     <a:ext uri="{9D8B030D-6E8A-4147-A177-3AD203B41FA5}">
-                      <a16:colId xmlns:a16="http://schemas.microsoft.com/office/drawing/2014/main" val="20000"/>
+                      <a16:colId xmlns="" xmlns:a16="http://schemas.microsoft.com/office/drawing/2014/main" val="20000"/>
                     </a:ext>
                   </a:extLst>
                 </a:gridCol>
                 <a:gridCol w="1951931">
                   <a:extLst>
                     <a:ext uri="{9D8B030D-6E8A-4147-A177-3AD203B41FA5}">
-                      <a16:colId xmlns:a16="http://schemas.microsoft.com/office/drawing/2014/main" val="20001"/>
+                      <a16:colId xmlns="" xmlns:a16="http://schemas.microsoft.com/office/drawing/2014/main" val="20001"/>
                     </a:ext>
                   </a:extLst>
                 </a:gridCol>
@@ -7511,7 +7008,7 @@
                 </a:tc>
                 <a:extLst>
                   <a:ext uri="{0D108BD9-81ED-4DB2-BD59-A6C34878D82A}">
-                    <a16:rowId xmlns:a16="http://schemas.microsoft.com/office/drawing/2014/main" val="10000"/>
+                    <a16:rowId xmlns="" xmlns:a16="http://schemas.microsoft.com/office/drawing/2014/main" val="10000"/>
                   </a:ext>
                 </a:extLst>
               </a:tr>
@@ -7574,7 +7071,7 @@
                         </a:spcAft>
                       </a:pPr>
                       <a:r>
-                        <a:rPr lang="en-US" sz="1600" b="1" kern="100" dirty="0">
+                        <a:rPr lang="en-US" sz="1600" b="1" kern="100" dirty="0" smtClean="0">
                           <a:solidFill>
                             <a:schemeClr val="tx1"/>
                           </a:solidFill>
@@ -7583,10 +7080,10 @@
                           <a:ea typeface="宋体"/>
                           <a:cs typeface="Times New Roman"/>
                         </a:rPr>
-                        <a:t>4</a:t>
+                        <a:t>2</a:t>
                       </a:r>
                       <a:r>
-                        <a:rPr lang="zh-CN" sz="1600" b="1" kern="100" dirty="0">
+                        <a:rPr lang="zh-CN" sz="1600" b="1" kern="100" dirty="0" smtClean="0">
                           <a:solidFill>
                             <a:schemeClr val="tx1"/>
                           </a:solidFill>
@@ -7597,13 +7094,22 @@
                         </a:rPr>
                         <a:t>课时</a:t>
                       </a:r>
+                      <a:endParaRPr lang="zh-CN" sz="1600" b="1" kern="100" dirty="0">
+                        <a:solidFill>
+                          <a:schemeClr val="tx1"/>
+                        </a:solidFill>
+                        <a:effectLst/>
+                        <a:latin typeface="Calibri"/>
+                        <a:ea typeface="宋体"/>
+                        <a:cs typeface="Times New Roman"/>
+                      </a:endParaRPr>
                     </a:p>
                   </a:txBody>
                   <a:tcPr marL="68580" marR="68580" marT="0" marB="0"/>
                 </a:tc>
                 <a:extLst>
                   <a:ext uri="{0D108BD9-81ED-4DB2-BD59-A6C34878D82A}">
-                    <a16:rowId xmlns:a16="http://schemas.microsoft.com/office/drawing/2014/main" val="10001"/>
+                    <a16:rowId xmlns="" xmlns:a16="http://schemas.microsoft.com/office/drawing/2014/main" val="10001"/>
                   </a:ext>
                 </a:extLst>
               </a:tr>
@@ -7666,7 +7172,7 @@
                         </a:spcAft>
                       </a:pPr>
                       <a:r>
-                        <a:rPr lang="en-US" sz="1600" b="1" kern="100">
+                        <a:rPr lang="en-US" sz="1600" b="1" kern="100" dirty="0" smtClean="0">
                           <a:solidFill>
                             <a:schemeClr val="tx1"/>
                           </a:solidFill>
@@ -7675,10 +7181,10 @@
                           <a:ea typeface="宋体"/>
                           <a:cs typeface="Times New Roman"/>
                         </a:rPr>
-                        <a:t>2</a:t>
+                        <a:t>4</a:t>
                       </a:r>
                       <a:r>
-                        <a:rPr lang="zh-CN" sz="1600" b="1" kern="100">
+                        <a:rPr lang="zh-CN" sz="1600" b="1" kern="100" dirty="0" smtClean="0">
                           <a:solidFill>
                             <a:schemeClr val="tx1"/>
                           </a:solidFill>
@@ -7689,13 +7195,22 @@
                         </a:rPr>
                         <a:t>课时</a:t>
                       </a:r>
+                      <a:endParaRPr lang="zh-CN" sz="1600" b="1" kern="100" dirty="0">
+                        <a:solidFill>
+                          <a:schemeClr val="tx1"/>
+                        </a:solidFill>
+                        <a:effectLst/>
+                        <a:latin typeface="Calibri"/>
+                        <a:ea typeface="宋体"/>
+                        <a:cs typeface="Times New Roman"/>
+                      </a:endParaRPr>
                     </a:p>
                   </a:txBody>
                   <a:tcPr marL="68580" marR="68580" marT="0" marB="0"/>
                 </a:tc>
                 <a:extLst>
                   <a:ext uri="{0D108BD9-81ED-4DB2-BD59-A6C34878D82A}">
-                    <a16:rowId xmlns:a16="http://schemas.microsoft.com/office/drawing/2014/main" val="10002"/>
+                    <a16:rowId xmlns="" xmlns:a16="http://schemas.microsoft.com/office/drawing/2014/main" val="10002"/>
                   </a:ext>
                 </a:extLst>
               </a:tr>
@@ -7746,7 +7261,7 @@
                         </a:spcAft>
                       </a:pPr>
                       <a:r>
-                        <a:rPr lang="en-US" sz="1600" b="1" kern="100">
+                        <a:rPr lang="en-US" sz="1600" b="1" kern="100" dirty="0">
                           <a:solidFill>
                             <a:schemeClr val="tx1"/>
                           </a:solidFill>
@@ -7758,7 +7273,7 @@
                         <a:t>2</a:t>
                       </a:r>
                       <a:r>
-                        <a:rPr lang="zh-CN" sz="1600" b="1" kern="100">
+                        <a:rPr lang="zh-CN" sz="1600" b="1" kern="100" dirty="0">
                           <a:solidFill>
                             <a:schemeClr val="tx1"/>
                           </a:solidFill>
@@ -7775,7 +7290,7 @@
                 </a:tc>
                 <a:extLst>
                   <a:ext uri="{0D108BD9-81ED-4DB2-BD59-A6C34878D82A}">
-                    <a16:rowId xmlns:a16="http://schemas.microsoft.com/office/drawing/2014/main" val="10003"/>
+                    <a16:rowId xmlns="" xmlns:a16="http://schemas.microsoft.com/office/drawing/2014/main" val="10003"/>
                   </a:ext>
                 </a:extLst>
               </a:tr>
@@ -7826,7 +7341,7 @@
                         </a:spcAft>
                       </a:pPr>
                       <a:r>
-                        <a:rPr lang="en-US" sz="1600" b="1" kern="100">
+                        <a:rPr lang="en-US" sz="1600" b="1" kern="100" dirty="0">
                           <a:solidFill>
                             <a:schemeClr val="tx1"/>
                           </a:solidFill>
@@ -7838,7 +7353,7 @@
                         <a:t>2</a:t>
                       </a:r>
                       <a:r>
-                        <a:rPr lang="zh-CN" sz="1600" b="1" kern="100">
+                        <a:rPr lang="zh-CN" sz="1600" b="1" kern="100" dirty="0">
                           <a:solidFill>
                             <a:schemeClr val="tx1"/>
                           </a:solidFill>
@@ -7855,7 +7370,7 @@
                 </a:tc>
                 <a:extLst>
                   <a:ext uri="{0D108BD9-81ED-4DB2-BD59-A6C34878D82A}">
-                    <a16:rowId xmlns:a16="http://schemas.microsoft.com/office/drawing/2014/main" val="10004"/>
+                    <a16:rowId xmlns="" xmlns:a16="http://schemas.microsoft.com/office/drawing/2014/main" val="10004"/>
                   </a:ext>
                 </a:extLst>
               </a:tr>
@@ -7906,7 +7421,7 @@
                         </a:spcAft>
                       </a:pPr>
                       <a:r>
-                        <a:rPr lang="en-US" sz="1600" b="1" kern="100">
+                        <a:rPr lang="en-US" sz="1600" b="1" kern="100" dirty="0">
                           <a:solidFill>
                             <a:schemeClr val="tx1"/>
                           </a:solidFill>
@@ -7918,7 +7433,7 @@
                         <a:t>2</a:t>
                       </a:r>
                       <a:r>
-                        <a:rPr lang="zh-CN" sz="1600" b="1" kern="100">
+                        <a:rPr lang="zh-CN" sz="1600" b="1" kern="100" dirty="0">
                           <a:solidFill>
                             <a:schemeClr val="tx1"/>
                           </a:solidFill>
@@ -7935,7 +7450,7 @@
                 </a:tc>
                 <a:extLst>
                   <a:ext uri="{0D108BD9-81ED-4DB2-BD59-A6C34878D82A}">
-                    <a16:rowId xmlns:a16="http://schemas.microsoft.com/office/drawing/2014/main" val="10005"/>
+                    <a16:rowId xmlns="" xmlns:a16="http://schemas.microsoft.com/office/drawing/2014/main" val="10005"/>
                   </a:ext>
                 </a:extLst>
               </a:tr>
@@ -7986,7 +7501,7 @@
                         </a:spcAft>
                       </a:pPr>
                       <a:r>
-                        <a:rPr lang="en-US" sz="1600" b="1" kern="100">
+                        <a:rPr lang="en-US" altLang="zh-CN" sz="1600" b="1" kern="100" dirty="0" smtClean="0">
                           <a:solidFill>
                             <a:schemeClr val="tx1"/>
                           </a:solidFill>
@@ -7995,10 +7510,10 @@
                           <a:ea typeface="宋体"/>
                           <a:cs typeface="Times New Roman"/>
                         </a:rPr>
-                        <a:t>2</a:t>
+                        <a:t>4</a:t>
                       </a:r>
                       <a:r>
-                        <a:rPr lang="zh-CN" sz="1600" b="1" kern="100">
+                        <a:rPr lang="zh-CN" sz="1600" b="1" kern="100" dirty="0" smtClean="0">
                           <a:solidFill>
                             <a:schemeClr val="tx1"/>
                           </a:solidFill>
@@ -8009,13 +7524,22 @@
                         </a:rPr>
                         <a:t>课时</a:t>
                       </a:r>
+                      <a:endParaRPr lang="zh-CN" sz="1600" b="1" kern="100" dirty="0">
+                        <a:solidFill>
+                          <a:schemeClr val="tx1"/>
+                        </a:solidFill>
+                        <a:effectLst/>
+                        <a:latin typeface="Calibri"/>
+                        <a:ea typeface="宋体"/>
+                        <a:cs typeface="Times New Roman"/>
+                      </a:endParaRPr>
                     </a:p>
                   </a:txBody>
                   <a:tcPr marL="68580" marR="68580" marT="0" marB="0"/>
                 </a:tc>
                 <a:extLst>
                   <a:ext uri="{0D108BD9-81ED-4DB2-BD59-A6C34878D82A}">
-                    <a16:rowId xmlns:a16="http://schemas.microsoft.com/office/drawing/2014/main" val="10006"/>
+                    <a16:rowId xmlns="" xmlns:a16="http://schemas.microsoft.com/office/drawing/2014/main" val="10006"/>
                   </a:ext>
                 </a:extLst>
               </a:tr>
@@ -8086,7 +7610,7 @@
                 </a:tc>
                 <a:extLst>
                   <a:ext uri="{0D108BD9-81ED-4DB2-BD59-A6C34878D82A}">
-                    <a16:rowId xmlns:a16="http://schemas.microsoft.com/office/drawing/2014/main" val="10007"/>
+                    <a16:rowId xmlns="" xmlns:a16="http://schemas.microsoft.com/office/drawing/2014/main" val="10007"/>
                   </a:ext>
                 </a:extLst>
               </a:tr>
@@ -8157,7 +7681,7 @@
                 </a:tc>
                 <a:extLst>
                   <a:ext uri="{0D108BD9-81ED-4DB2-BD59-A6C34878D82A}">
-                    <a16:rowId xmlns:a16="http://schemas.microsoft.com/office/drawing/2014/main" val="10008"/>
+                    <a16:rowId xmlns="" xmlns:a16="http://schemas.microsoft.com/office/drawing/2014/main" val="10008"/>
                   </a:ext>
                 </a:extLst>
               </a:tr>
@@ -8199,7 +7723,7 @@
                         </a:spcAft>
                       </a:pPr>
                       <a:r>
-                        <a:rPr lang="en-US" sz="1600" b="1" kern="100">
+                        <a:rPr lang="en-US" altLang="zh-CN" sz="1600" b="1" kern="100" dirty="0" smtClean="0">
                           <a:solidFill>
                             <a:schemeClr val="tx1"/>
                           </a:solidFill>
@@ -8208,10 +7732,10 @@
                           <a:ea typeface="宋体"/>
                           <a:cs typeface="Times New Roman"/>
                         </a:rPr>
-                        <a:t>4</a:t>
+                        <a:t>2</a:t>
                       </a:r>
                       <a:r>
-                        <a:rPr lang="zh-CN" sz="1600" b="1" kern="100">
+                        <a:rPr lang="zh-CN" sz="1600" b="1" kern="100" dirty="0" smtClean="0">
                           <a:solidFill>
                             <a:schemeClr val="tx1"/>
                           </a:solidFill>
@@ -8222,13 +7746,22 @@
                         </a:rPr>
                         <a:t>课时</a:t>
                       </a:r>
+                      <a:endParaRPr lang="zh-CN" sz="1600" b="1" kern="100" dirty="0">
+                        <a:solidFill>
+                          <a:schemeClr val="tx1"/>
+                        </a:solidFill>
+                        <a:effectLst/>
+                        <a:latin typeface="Calibri"/>
+                        <a:ea typeface="宋体"/>
+                        <a:cs typeface="Times New Roman"/>
+                      </a:endParaRPr>
                     </a:p>
                   </a:txBody>
                   <a:tcPr marL="68580" marR="68580" marT="0" marB="0"/>
                 </a:tc>
                 <a:extLst>
                   <a:ext uri="{0D108BD9-81ED-4DB2-BD59-A6C34878D82A}">
-                    <a16:rowId xmlns:a16="http://schemas.microsoft.com/office/drawing/2014/main" val="10009"/>
+                    <a16:rowId xmlns="" xmlns:a16="http://schemas.microsoft.com/office/drawing/2014/main" val="10009"/>
                   </a:ext>
                 </a:extLst>
               </a:tr>
@@ -8299,7 +7832,7 @@
                 </a:tc>
                 <a:extLst>
                   <a:ext uri="{0D108BD9-81ED-4DB2-BD59-A6C34878D82A}">
-                    <a16:rowId xmlns:a16="http://schemas.microsoft.com/office/drawing/2014/main" val="10010"/>
+                    <a16:rowId xmlns="" xmlns:a16="http://schemas.microsoft.com/office/drawing/2014/main" val="10010"/>
                   </a:ext>
                 </a:extLst>
               </a:tr>
@@ -8316,7 +7849,7 @@
           <p:nvPr>
             <p:extLst>
               <p:ext uri="{D42A27DB-BD31-4B8C-83A1-F6EECF244321}">
-                <p14:modId xmlns:p14="http://schemas.microsoft.com/office/powerpoint/2010/main" val="30760984"/>
+                <p14:modId xmlns:p14="http://schemas.microsoft.com/office/powerpoint/2010/main" val="1182258659"/>
               </p:ext>
             </p:extLst>
           </p:nvPr>
@@ -8335,14 +7868,14 @@
                 <a:gridCol w="2412268">
                   <a:extLst>
                     <a:ext uri="{9D8B030D-6E8A-4147-A177-3AD203B41FA5}">
-                      <a16:colId xmlns:a16="http://schemas.microsoft.com/office/drawing/2014/main" val="20000"/>
+                      <a16:colId xmlns="" xmlns:a16="http://schemas.microsoft.com/office/drawing/2014/main" val="20000"/>
                     </a:ext>
                   </a:extLst>
                 </a:gridCol>
                 <a:gridCol w="1476164">
                   <a:extLst>
                     <a:ext uri="{9D8B030D-6E8A-4147-A177-3AD203B41FA5}">
-                      <a16:colId xmlns:a16="http://schemas.microsoft.com/office/drawing/2014/main" val="20001"/>
+                      <a16:colId xmlns="" xmlns:a16="http://schemas.microsoft.com/office/drawing/2014/main" val="20001"/>
                     </a:ext>
                   </a:extLst>
                 </a:gridCol>
@@ -8380,7 +7913,7 @@
                 </a:tc>
                 <a:extLst>
                   <a:ext uri="{0D108BD9-81ED-4DB2-BD59-A6C34878D82A}">
-                    <a16:rowId xmlns:a16="http://schemas.microsoft.com/office/drawing/2014/main" val="10000"/>
+                    <a16:rowId xmlns="" xmlns:a16="http://schemas.microsoft.com/office/drawing/2014/main" val="10000"/>
                   </a:ext>
                 </a:extLst>
               </a:tr>
@@ -8422,7 +7955,7 @@
                         </a:spcAft>
                       </a:pPr>
                       <a:r>
-                        <a:rPr lang="en-US" sz="1600" b="1" kern="100">
+                        <a:rPr lang="en-US" sz="1600" b="1" kern="100" dirty="0" smtClean="0">
                           <a:solidFill>
                             <a:schemeClr val="tx1"/>
                           </a:solidFill>
@@ -8431,10 +7964,10 @@
                           <a:ea typeface="宋体"/>
                           <a:cs typeface="Times New Roman"/>
                         </a:rPr>
-                        <a:t>4</a:t>
+                        <a:t>2</a:t>
                       </a:r>
                       <a:r>
-                        <a:rPr lang="zh-CN" sz="1600" b="1" kern="100">
+                        <a:rPr lang="zh-CN" sz="1600" b="1" kern="100" dirty="0" smtClean="0">
                           <a:solidFill>
                             <a:schemeClr val="tx1"/>
                           </a:solidFill>
@@ -8445,13 +7978,22 @@
                         </a:rPr>
                         <a:t>课时</a:t>
                       </a:r>
+                      <a:endParaRPr lang="zh-CN" sz="1600" b="1" kern="100" dirty="0">
+                        <a:solidFill>
+                          <a:schemeClr val="tx1"/>
+                        </a:solidFill>
+                        <a:effectLst/>
+                        <a:latin typeface="Calibri"/>
+                        <a:ea typeface="宋体"/>
+                        <a:cs typeface="Times New Roman"/>
+                      </a:endParaRPr>
                     </a:p>
                   </a:txBody>
                   <a:tcPr marL="68580" marR="68580" marT="0" marB="0"/>
                 </a:tc>
                 <a:extLst>
                   <a:ext uri="{0D108BD9-81ED-4DB2-BD59-A6C34878D82A}">
-                    <a16:rowId xmlns:a16="http://schemas.microsoft.com/office/drawing/2014/main" val="10001"/>
+                    <a16:rowId xmlns="" xmlns:a16="http://schemas.microsoft.com/office/drawing/2014/main" val="10001"/>
                   </a:ext>
                 </a:extLst>
               </a:tr>
@@ -8522,7 +8064,7 @@
                 </a:tc>
                 <a:extLst>
                   <a:ext uri="{0D108BD9-81ED-4DB2-BD59-A6C34878D82A}">
-                    <a16:rowId xmlns:a16="http://schemas.microsoft.com/office/drawing/2014/main" val="10002"/>
+                    <a16:rowId xmlns="" xmlns:a16="http://schemas.microsoft.com/office/drawing/2014/main" val="10002"/>
                   </a:ext>
                 </a:extLst>
               </a:tr>
@@ -8564,7 +8106,7 @@
                         </a:spcAft>
                       </a:pPr>
                       <a:r>
-                        <a:rPr lang="en-US" sz="1600" b="1" kern="100">
+                        <a:rPr lang="en-US" altLang="zh-CN" sz="1600" b="1" kern="100" dirty="0" smtClean="0">
                           <a:solidFill>
                             <a:schemeClr val="tx1"/>
                           </a:solidFill>
@@ -8573,10 +8115,10 @@
                           <a:ea typeface="宋体"/>
                           <a:cs typeface="Times New Roman"/>
                         </a:rPr>
-                        <a:t>4</a:t>
+                        <a:t>6</a:t>
                       </a:r>
                       <a:r>
-                        <a:rPr lang="zh-CN" sz="1600" b="1" kern="100">
+                        <a:rPr lang="zh-CN" sz="1600" b="1" kern="100" dirty="0" smtClean="0">
                           <a:solidFill>
                             <a:schemeClr val="tx1"/>
                           </a:solidFill>
@@ -8587,13 +8129,22 @@
                         </a:rPr>
                         <a:t>课时</a:t>
                       </a:r>
+                      <a:endParaRPr lang="zh-CN" sz="1600" b="1" kern="100" dirty="0">
+                        <a:solidFill>
+                          <a:schemeClr val="tx1"/>
+                        </a:solidFill>
+                        <a:effectLst/>
+                        <a:latin typeface="Calibri"/>
+                        <a:ea typeface="宋体"/>
+                        <a:cs typeface="Times New Roman"/>
+                      </a:endParaRPr>
                     </a:p>
                   </a:txBody>
                   <a:tcPr marL="68580" marR="68580" marT="0" marB="0"/>
                 </a:tc>
                 <a:extLst>
                   <a:ext uri="{0D108BD9-81ED-4DB2-BD59-A6C34878D82A}">
-                    <a16:rowId xmlns:a16="http://schemas.microsoft.com/office/drawing/2014/main" val="10003"/>
+                    <a16:rowId xmlns="" xmlns:a16="http://schemas.microsoft.com/office/drawing/2014/main" val="10003"/>
                   </a:ext>
                 </a:extLst>
               </a:tr>
@@ -8609,7 +8160,7 @@
                         </a:spcAft>
                       </a:pPr>
                       <a:r>
-                        <a:rPr lang="zh-CN" sz="1600" b="1" kern="100">
+                        <a:rPr lang="zh-CN" sz="1600" b="1" kern="100" dirty="0">
                           <a:solidFill>
                             <a:schemeClr val="tx1"/>
                           </a:solidFill>
@@ -8635,7 +8186,7 @@
                         </a:spcAft>
                       </a:pPr>
                       <a:r>
-                        <a:rPr lang="en-US" sz="1600" b="1" kern="100">
+                        <a:rPr lang="en-US" altLang="zh-CN" sz="1600" b="1" kern="100" dirty="0" smtClean="0">
                           <a:solidFill>
                             <a:schemeClr val="tx1"/>
                           </a:solidFill>
@@ -8644,10 +8195,10 @@
                           <a:ea typeface="宋体"/>
                           <a:cs typeface="Times New Roman"/>
                         </a:rPr>
-                        <a:t>4</a:t>
+                        <a:t>2</a:t>
                       </a:r>
                       <a:r>
-                        <a:rPr lang="zh-CN" sz="1600" b="1" kern="100">
+                        <a:rPr lang="zh-CN" sz="1600" b="1" kern="100" dirty="0" smtClean="0">
                           <a:solidFill>
                             <a:schemeClr val="tx1"/>
                           </a:solidFill>
@@ -8658,13 +8209,22 @@
                         </a:rPr>
                         <a:t>课时</a:t>
                       </a:r>
+                      <a:endParaRPr lang="zh-CN" sz="1600" b="1" kern="100" dirty="0">
+                        <a:solidFill>
+                          <a:schemeClr val="tx1"/>
+                        </a:solidFill>
+                        <a:effectLst/>
+                        <a:latin typeface="Calibri"/>
+                        <a:ea typeface="宋体"/>
+                        <a:cs typeface="Times New Roman"/>
+                      </a:endParaRPr>
                     </a:p>
                   </a:txBody>
                   <a:tcPr marL="68580" marR="68580" marT="0" marB="0"/>
                 </a:tc>
                 <a:extLst>
                   <a:ext uri="{0D108BD9-81ED-4DB2-BD59-A6C34878D82A}">
-                    <a16:rowId xmlns:a16="http://schemas.microsoft.com/office/drawing/2014/main" val="10004"/>
+                    <a16:rowId xmlns="" xmlns:a16="http://schemas.microsoft.com/office/drawing/2014/main" val="10004"/>
                   </a:ext>
                 </a:extLst>
               </a:tr>
@@ -8706,7 +8266,7 @@
                         </a:spcAft>
                       </a:pPr>
                       <a:r>
-                        <a:rPr lang="en-US" sz="1600" b="1" kern="100">
+                        <a:rPr lang="en-US" sz="1600" b="1" kern="100" dirty="0">
                           <a:solidFill>
                             <a:schemeClr val="tx1"/>
                           </a:solidFill>
@@ -8718,7 +8278,7 @@
                         <a:t>4</a:t>
                       </a:r>
                       <a:r>
-                        <a:rPr lang="zh-CN" sz="1600" b="1" kern="100">
+                        <a:rPr lang="zh-CN" sz="1600" b="1" kern="100" dirty="0">
                           <a:solidFill>
                             <a:schemeClr val="tx1"/>
                           </a:solidFill>
@@ -8735,7 +8295,7 @@
                 </a:tc>
                 <a:extLst>
                   <a:ext uri="{0D108BD9-81ED-4DB2-BD59-A6C34878D82A}">
-                    <a16:rowId xmlns:a16="http://schemas.microsoft.com/office/drawing/2014/main" val="10005"/>
+                    <a16:rowId xmlns="" xmlns:a16="http://schemas.microsoft.com/office/drawing/2014/main" val="10005"/>
                   </a:ext>
                 </a:extLst>
               </a:tr>
@@ -8777,7 +8337,7 @@
                         </a:spcAft>
                       </a:pPr>
                       <a:r>
-                        <a:rPr lang="en-US" sz="1600" b="1" kern="100">
+                        <a:rPr lang="en-US" altLang="zh-CN" sz="1600" b="1" kern="100" dirty="0" smtClean="0">
                           <a:solidFill>
                             <a:schemeClr val="tx1"/>
                           </a:solidFill>
@@ -8786,10 +8346,10 @@
                           <a:ea typeface="宋体"/>
                           <a:cs typeface="Times New Roman"/>
                         </a:rPr>
-                        <a:t>4</a:t>
+                        <a:t>8</a:t>
                       </a:r>
                       <a:r>
-                        <a:rPr lang="zh-CN" sz="1600" b="1" kern="100">
+                        <a:rPr lang="zh-CN" sz="1600" b="1" kern="100" dirty="0" smtClean="0">
                           <a:solidFill>
                             <a:schemeClr val="tx1"/>
                           </a:solidFill>
@@ -8800,13 +8360,22 @@
                         </a:rPr>
                         <a:t>课时</a:t>
                       </a:r>
+                      <a:endParaRPr lang="zh-CN" sz="1600" b="1" kern="100" dirty="0">
+                        <a:solidFill>
+                          <a:schemeClr val="tx1"/>
+                        </a:solidFill>
+                        <a:effectLst/>
+                        <a:latin typeface="Calibri"/>
+                        <a:ea typeface="宋体"/>
+                        <a:cs typeface="Times New Roman"/>
+                      </a:endParaRPr>
                     </a:p>
                   </a:txBody>
                   <a:tcPr marL="68580" marR="68580" marT="0" marB="0"/>
                 </a:tc>
                 <a:extLst>
                   <a:ext uri="{0D108BD9-81ED-4DB2-BD59-A6C34878D82A}">
-                    <a16:rowId xmlns:a16="http://schemas.microsoft.com/office/drawing/2014/main" val="10006"/>
+                    <a16:rowId xmlns="" xmlns:a16="http://schemas.microsoft.com/office/drawing/2014/main" val="10006"/>
                   </a:ext>
                 </a:extLst>
               </a:tr>
@@ -8822,7 +8391,7 @@
                         </a:spcAft>
                       </a:pPr>
                       <a:r>
-                        <a:rPr lang="en-US" sz="1600" b="1" kern="100" dirty="0">
+                        <a:rPr lang="zh-CN" altLang="en-US" sz="1600" b="1" kern="100" dirty="0" smtClean="0">
                           <a:solidFill>
                             <a:schemeClr val="tx1"/>
                           </a:solidFill>
@@ -8831,44 +8400,17 @@
                           <a:ea typeface="宋体"/>
                           <a:cs typeface="Times New Roman"/>
                         </a:rPr>
-                        <a:t>java</a:t>
+                        <a:t>反射</a:t>
                       </a:r>
-                      <a:r>
-                        <a:rPr lang="zh-CN" sz="1600" b="1" kern="100" dirty="0">
-                          <a:solidFill>
-                            <a:schemeClr val="tx1"/>
-                          </a:solidFill>
-                          <a:effectLst/>
-                          <a:latin typeface="Calibri"/>
-                          <a:ea typeface="宋体"/>
-                          <a:cs typeface="Times New Roman"/>
-                        </a:rPr>
-                        <a:t>、</a:t>
-                      </a:r>
-                      <a:r>
-                        <a:rPr lang="en-US" sz="1600" b="1" kern="100" dirty="0" err="1">
-                          <a:solidFill>
-                            <a:schemeClr val="tx1"/>
-                          </a:solidFill>
-                          <a:effectLst/>
-                          <a:latin typeface="Calibri"/>
-                          <a:ea typeface="宋体"/>
-                          <a:cs typeface="Times New Roman"/>
-                        </a:rPr>
-                        <a:t>javac</a:t>
-                      </a:r>
-                      <a:r>
-                        <a:rPr lang="zh-CN" sz="1600" b="1" kern="100" dirty="0">
-                          <a:solidFill>
-                            <a:schemeClr val="tx1"/>
-                          </a:solidFill>
-                          <a:effectLst/>
-                          <a:latin typeface="Calibri"/>
-                          <a:ea typeface="宋体"/>
-                          <a:cs typeface="Times New Roman"/>
-                        </a:rPr>
-                        <a:t>命令</a:t>
-                      </a:r>
+                      <a:endParaRPr lang="zh-CN" sz="1600" b="1" kern="100" dirty="0">
+                        <a:solidFill>
+                          <a:schemeClr val="tx1"/>
+                        </a:solidFill>
+                        <a:effectLst/>
+                        <a:latin typeface="Calibri"/>
+                        <a:ea typeface="宋体"/>
+                        <a:cs typeface="Times New Roman"/>
+                      </a:endParaRPr>
                     </a:p>
                   </a:txBody>
                   <a:tcPr marL="68580" marR="68580" marT="0" marB="0"/>
@@ -8913,7 +8455,7 @@
                 </a:tc>
                 <a:extLst>
                   <a:ext uri="{0D108BD9-81ED-4DB2-BD59-A6C34878D82A}">
-                    <a16:rowId xmlns:a16="http://schemas.microsoft.com/office/drawing/2014/main" val="10009"/>
+                    <a16:rowId xmlns="" xmlns:a16="http://schemas.microsoft.com/office/drawing/2014/main" val="10009"/>
                   </a:ext>
                 </a:extLst>
               </a:tr>
@@ -8938,19 +8480,7 @@
                           <a:ea typeface="宋体"/>
                           <a:cs typeface="Times New Roman"/>
                         </a:rPr>
-                        <a:t>JDK8</a:t>
-                      </a:r>
-                      <a:r>
-                        <a:rPr lang="zh-CN" altLang="en-US" sz="1600" b="1" kern="100" dirty="0" smtClean="0">
-                          <a:solidFill>
-                            <a:schemeClr val="tx1"/>
-                          </a:solidFill>
-                          <a:effectLst/>
-                          <a:latin typeface="Calibri"/>
-                          <a:ea typeface="宋体"/>
-                          <a:cs typeface="Times New Roman"/>
-                        </a:rPr>
-                        <a:t>新特性</a:t>
+                        <a:t>JDBC</a:t>
                       </a:r>
                       <a:endParaRPr lang="zh-CN" sz="1600" b="1" kern="100" dirty="0">
                         <a:solidFill>
@@ -8976,7 +8506,7 @@
                         </a:spcAft>
                       </a:pPr>
                       <a:r>
-                        <a:rPr lang="en-US" sz="1600" b="1" kern="100">
+                        <a:rPr lang="en-US" sz="1600" b="1" kern="100" dirty="0">
                           <a:solidFill>
                             <a:schemeClr val="tx1"/>
                           </a:solidFill>
@@ -8986,77 +8516,6 @@
                           <a:cs typeface="Times New Roman"/>
                         </a:rPr>
                         <a:t>8</a:t>
-                      </a:r>
-                      <a:r>
-                        <a:rPr lang="zh-CN" sz="1600" b="1" kern="100">
-                          <a:solidFill>
-                            <a:schemeClr val="tx1"/>
-                          </a:solidFill>
-                          <a:effectLst/>
-                          <a:latin typeface="Calibri"/>
-                          <a:ea typeface="宋体"/>
-                          <a:cs typeface="Times New Roman"/>
-                        </a:rPr>
-                        <a:t>课时</a:t>
-                      </a:r>
-                    </a:p>
-                  </a:txBody>
-                  <a:tcPr marL="68580" marR="68580" marT="0" marB="0"/>
-                </a:tc>
-                <a:extLst>
-                  <a:ext uri="{0D108BD9-81ED-4DB2-BD59-A6C34878D82A}">
-                    <a16:rowId xmlns:a16="http://schemas.microsoft.com/office/drawing/2014/main" val="10010"/>
-                  </a:ext>
-                </a:extLst>
-              </a:tr>
-              <a:tr h="372467">
-                <a:tc>
-                  <a:txBody>
-                    <a:bodyPr/>
-                    <a:lstStyle/>
-                    <a:p>
-                      <a:pPr marL="0" algn="just" defTabSz="914400" rtl="0" eaLnBrk="1" latinLnBrk="0" hangingPunct="1">
-                        <a:spcAft>
-                          <a:spcPts val="0"/>
-                        </a:spcAft>
-                      </a:pPr>
-                      <a:r>
-                        <a:rPr lang="zh-CN" sz="1600" b="1" kern="100" dirty="0">
-                          <a:solidFill>
-                            <a:schemeClr val="tx1"/>
-                          </a:solidFill>
-                          <a:effectLst/>
-                          <a:latin typeface="Calibri"/>
-                          <a:ea typeface="宋体"/>
-                          <a:cs typeface="Times New Roman"/>
-                        </a:rPr>
-                        <a:t>总结</a:t>
-                      </a:r>
-                    </a:p>
-                  </a:txBody>
-                  <a:tcPr marL="68580" marR="68580" marT="0" marB="0"/>
-                </a:tc>
-                <a:tc>
-                  <a:txBody>
-                    <a:bodyPr/>
-                    <a:lstStyle/>
-                    <a:p>
-                      <a:pPr marL="0" algn="ctr" defTabSz="914400" rtl="0" eaLnBrk="1" latinLnBrk="0" hangingPunct="1">
-                        <a:spcAft>
-                          <a:spcPts val="0"/>
-                        </a:spcAft>
-                      </a:pPr>
-                      <a:r>
-                        <a:rPr lang="en-US" sz="1600" b="1" kern="100" dirty="0">
-                          <a:solidFill>
-                            <a:schemeClr val="tx1"/>
-                          </a:solidFill>
-                          <a:effectLst/>
-                          <a:latin typeface="Calibri"/>
-                          <a:ea typeface="宋体"/>
-                          <a:cs typeface="Times New Roman"/>
-                        </a:rPr>
-                        <a:t>2</a:t>
                       </a:r>
                       <a:r>
                         <a:rPr lang="zh-CN" sz="1600" b="1" kern="100" dirty="0">
@@ -9076,11 +8535,11 @@
                 </a:tc>
                 <a:extLst>
                   <a:ext uri="{0D108BD9-81ED-4DB2-BD59-A6C34878D82A}">
-                    <a16:rowId xmlns:a16="http://schemas.microsoft.com/office/drawing/2014/main" val="10011"/>
+                    <a16:rowId xmlns="" xmlns:a16="http://schemas.microsoft.com/office/drawing/2014/main" val="10010"/>
                   </a:ext>
                 </a:extLst>
               </a:tr>
-              <a:tr h="312881">
+              <a:tr h="372467">
                 <a:tc>
                   <a:txBody>
                     <a:bodyPr/>
@@ -9136,7 +8595,7 @@
                           <a:ea typeface="宋体"/>
                           <a:cs typeface="Times New Roman"/>
                         </a:rPr>
-                        <a:t>8</a:t>
+                        <a:t>6</a:t>
                       </a:r>
                       <a:r>
                         <a:rPr lang="zh-CN" sz="1600" b="1" kern="100" dirty="0" smtClean="0">
@@ -9165,7 +8624,34 @@
                 </a:tc>
                 <a:extLst>
                   <a:ext uri="{0D108BD9-81ED-4DB2-BD59-A6C34878D82A}">
-                    <a16:rowId xmlns:a16="http://schemas.microsoft.com/office/drawing/2014/main" val="3190866158"/>
+                    <a16:rowId xmlns="" xmlns:a16="http://schemas.microsoft.com/office/drawing/2014/main" val="10011"/>
+                  </a:ext>
+                </a:extLst>
+              </a:tr>
+              <a:tr h="312881">
+                <a:tc>
+                  <a:txBody>
+                    <a:bodyPr/>
+                    <a:lstStyle/>
+                    <a:p>
+                      <a:endParaRPr lang="zh-CN" altLang="en-US" dirty="0"/>
+                    </a:p>
+                  </a:txBody>
+                  <a:tcPr marL="68580" marR="68580" marT="0" marB="0"/>
+                </a:tc>
+                <a:tc>
+                  <a:txBody>
+                    <a:bodyPr/>
+                    <a:lstStyle/>
+                    <a:p>
+                      <a:endParaRPr lang="zh-CN" altLang="en-US" dirty="0"/>
+                    </a:p>
+                  </a:txBody>
+                  <a:tcPr marL="68580" marR="68580" marT="0" marB="0"/>
+                </a:tc>
+                <a:extLst>
+                  <a:ext uri="{0D108BD9-81ED-4DB2-BD59-A6C34878D82A}">
+                    <a16:rowId xmlns="" xmlns:a16="http://schemas.microsoft.com/office/drawing/2014/main" val="3190866158"/>
                   </a:ext>
                 </a:extLst>
               </a:tr>
@@ -9316,6 +8802,373 @@
             </p:seq>
           </p:childTnLst>
         </p:cTn>
+      </p:par>
+    </p:tnLst>
+  </p:timing>
+</p:sld>
+</file>
+
+<file path=ppt/slides/slide8.xml><?xml version="1.0" encoding="utf-8"?>
+<p:sld xmlns:a="http://schemas.openxmlformats.org/drawingml/2006/main" xmlns:r="http://schemas.openxmlformats.org/officeDocument/2006/relationships" xmlns:p="http://schemas.openxmlformats.org/presentationml/2006/main">
+  <p:cSld>
+    <p:spTree>
+      <p:nvGrpSpPr>
+        <p:cNvPr id="1" name=""/>
+        <p:cNvGrpSpPr/>
+        <p:nvPr/>
+      </p:nvGrpSpPr>
+      <p:grpSpPr>
+        <a:xfrm>
+          <a:off x="0" y="0"/>
+          <a:ext cx="0" cy="0"/>
+          <a:chOff x="0" y="0"/>
+          <a:chExt cx="0" cy="0"/>
+        </a:xfrm>
+      </p:grpSpPr>
+      <p:sp>
+        <p:nvSpPr>
+          <p:cNvPr id="2" name="标题 1"/>
+          <p:cNvSpPr>
+            <a:spLocks noGrp="1"/>
+          </p:cNvSpPr>
+          <p:nvPr>
+            <p:ph type="title"/>
+          </p:nvPr>
+        </p:nvSpPr>
+        <p:spPr/>
+        <p:txBody>
+          <a:bodyPr/>
+          <a:lstStyle/>
+          <a:p>
+            <a:r>
+              <a:rPr lang="zh-CN" altLang="en-US" dirty="0" smtClean="0"/>
+              <a:t>参考资料</a:t>
+            </a:r>
+            <a:endParaRPr lang="zh-CN" altLang="en-US" dirty="0"/>
+          </a:p>
+        </p:txBody>
+      </p:sp>
+      <p:sp>
+        <p:nvSpPr>
+          <p:cNvPr id="4" name="TextBox 3"/>
+          <p:cNvSpPr txBox="1"/>
+          <p:nvPr/>
+        </p:nvSpPr>
+        <p:spPr>
+          <a:xfrm>
+            <a:off x="2495600" y="4964725"/>
+            <a:ext cx="7200800" cy="830997"/>
+          </a:xfrm>
+          <a:prstGeom prst="rect">
+            <a:avLst/>
+          </a:prstGeom>
+          <a:noFill/>
+        </p:spPr>
+        <p:txBody>
+          <a:bodyPr wrap="square" rtlCol="0">
+            <a:spAutoFit/>
+          </a:bodyPr>
+          <a:lstStyle/>
+          <a:p>
+            <a:r>
+              <a:rPr lang="en-US" altLang="zh-CN" sz="2400" dirty="0">
+                <a:hlinkClick r:id="rId2"/>
+              </a:rPr>
+              <a:t>http://tool.oschina.net/apidocs/apidoc?api=jdk-zh</a:t>
+            </a:r>
+            <a:endParaRPr lang="en-US" altLang="zh-CN" sz="2400" dirty="0"/>
+          </a:p>
+          <a:p>
+            <a:r>
+              <a:rPr lang="en-US" altLang="zh-CN" sz="2400" dirty="0">
+                <a:hlinkClick r:id="rId3"/>
+              </a:rPr>
+              <a:t>http://tool.oschina.net/apidocs/apidoc?api=jdk_7u4</a:t>
+            </a:r>
+            <a:endParaRPr lang="en-US" altLang="zh-CN" sz="2400" dirty="0"/>
+          </a:p>
+        </p:txBody>
+      </p:sp>
+      <p:pic>
+        <p:nvPicPr>
+          <p:cNvPr id="3" name="Picture 2"/>
+          <p:cNvPicPr>
+            <a:picLocks noChangeAspect="1" noChangeArrowheads="1"/>
+          </p:cNvPicPr>
+          <p:nvPr/>
+        </p:nvPicPr>
+        <p:blipFill>
+          <a:blip r:embed="rId4">
+            <a:extLst>
+              <a:ext uri="{28A0092B-C50C-407E-A947-70E740481C1C}">
+                <a14:useLocalDpi xmlns:a14="http://schemas.microsoft.com/office/drawing/2010/main" val="0"/>
+              </a:ext>
+            </a:extLst>
+          </a:blip>
+          <a:srcRect/>
+          <a:stretch>
+            <a:fillRect/>
+          </a:stretch>
+        </p:blipFill>
+        <p:spPr bwMode="auto">
+          <a:xfrm>
+            <a:off x="1652407" y="1618068"/>
+            <a:ext cx="2079837" cy="2855049"/>
+          </a:xfrm>
+          <a:prstGeom prst="rect">
+            <a:avLst/>
+          </a:prstGeom>
+          <a:noFill/>
+          <a:ln>
+            <a:noFill/>
+          </a:ln>
+          <a:effectLst/>
+          <a:extLst>
+            <a:ext uri="{909E8E84-426E-40DD-AFC4-6F175D3DCCD1}">
+              <a14:hiddenFill xmlns:a14="http://schemas.microsoft.com/office/drawing/2010/main">
+                <a:solidFill>
+                  <a:schemeClr val="accent1"/>
+                </a:solidFill>
+              </a14:hiddenFill>
+            </a:ext>
+            <a:ext uri="{91240B29-F687-4F45-9708-019B960494DF}">
+              <a14:hiddenLine xmlns:a14="http://schemas.microsoft.com/office/drawing/2010/main" w="9525">
+                <a:solidFill>
+                  <a:schemeClr val="tx1"/>
+                </a:solidFill>
+                <a:miter lim="800000"/>
+                <a:headEnd/>
+                <a:tailEnd/>
+              </a14:hiddenLine>
+            </a:ext>
+            <a:ext uri="{AF507438-7753-43E0-B8FC-AC1667EBCBE1}">
+              <a14:hiddenEffects xmlns:a14="http://schemas.microsoft.com/office/drawing/2010/main">
+                <a:effectLst>
+                  <a:outerShdw dist="35921" dir="2700000" algn="ctr" rotWithShape="0">
+                    <a:schemeClr val="bg2"/>
+                  </a:outerShdw>
+                </a:effectLst>
+              </a14:hiddenEffects>
+            </a:ext>
+          </a:extLst>
+        </p:spPr>
+      </p:pic>
+      <p:pic>
+        <p:nvPicPr>
+          <p:cNvPr id="5" name="Picture 3"/>
+          <p:cNvPicPr>
+            <a:picLocks noChangeAspect="1" noChangeArrowheads="1"/>
+          </p:cNvPicPr>
+          <p:nvPr/>
+        </p:nvPicPr>
+        <p:blipFill>
+          <a:blip r:embed="rId5">
+            <a:extLst>
+              <a:ext uri="{28A0092B-C50C-407E-A947-70E740481C1C}">
+                <a14:useLocalDpi xmlns:a14="http://schemas.microsoft.com/office/drawing/2010/main" val="0"/>
+              </a:ext>
+            </a:extLst>
+          </a:blip>
+          <a:srcRect/>
+          <a:stretch>
+            <a:fillRect/>
+          </a:stretch>
+        </p:blipFill>
+        <p:spPr bwMode="auto">
+          <a:xfrm>
+            <a:off x="3892790" y="1618068"/>
+            <a:ext cx="2067855" cy="2855049"/>
+          </a:xfrm>
+          <a:prstGeom prst="rect">
+            <a:avLst/>
+          </a:prstGeom>
+          <a:noFill/>
+          <a:ln>
+            <a:noFill/>
+          </a:ln>
+          <a:effectLst/>
+          <a:extLst>
+            <a:ext uri="{909E8E84-426E-40DD-AFC4-6F175D3DCCD1}">
+              <a14:hiddenFill xmlns:a14="http://schemas.microsoft.com/office/drawing/2010/main">
+                <a:solidFill>
+                  <a:schemeClr val="accent1"/>
+                </a:solidFill>
+              </a14:hiddenFill>
+            </a:ext>
+            <a:ext uri="{91240B29-F687-4F45-9708-019B960494DF}">
+              <a14:hiddenLine xmlns:a14="http://schemas.microsoft.com/office/drawing/2010/main" w="9525">
+                <a:solidFill>
+                  <a:schemeClr val="tx1"/>
+                </a:solidFill>
+                <a:miter lim="800000"/>
+                <a:headEnd/>
+                <a:tailEnd/>
+              </a14:hiddenLine>
+            </a:ext>
+            <a:ext uri="{AF507438-7753-43E0-B8FC-AC1667EBCBE1}">
+              <a14:hiddenEffects xmlns:a14="http://schemas.microsoft.com/office/drawing/2010/main">
+                <a:effectLst>
+                  <a:outerShdw dist="35921" dir="2700000" algn="ctr" rotWithShape="0">
+                    <a:schemeClr val="bg2"/>
+                  </a:outerShdw>
+                </a:effectLst>
+              </a14:hiddenEffects>
+            </a:ext>
+          </a:extLst>
+        </p:spPr>
+      </p:pic>
+      <p:pic>
+        <p:nvPicPr>
+          <p:cNvPr id="6" name="图片 5"/>
+          <p:cNvPicPr>
+            <a:picLocks noChangeAspect="1"/>
+          </p:cNvPicPr>
+          <p:nvPr/>
+        </p:nvPicPr>
+        <p:blipFill>
+          <a:blip r:embed="rId6"/>
+          <a:stretch>
+            <a:fillRect/>
+          </a:stretch>
+        </p:blipFill>
+        <p:spPr>
+          <a:xfrm>
+            <a:off x="6063166" y="1518846"/>
+            <a:ext cx="2067990" cy="2954271"/>
+          </a:xfrm>
+          <a:prstGeom prst="rect">
+            <a:avLst/>
+          </a:prstGeom>
+        </p:spPr>
+      </p:pic>
+      <p:pic>
+        <p:nvPicPr>
+          <p:cNvPr id="7" name="图片 6"/>
+          <p:cNvPicPr>
+            <a:picLocks noChangeAspect="1"/>
+          </p:cNvPicPr>
+          <p:nvPr/>
+        </p:nvPicPr>
+        <p:blipFill>
+          <a:blip r:embed="rId7"/>
+          <a:stretch>
+            <a:fillRect/>
+          </a:stretch>
+        </p:blipFill>
+        <p:spPr>
+          <a:xfrm>
+            <a:off x="8217332" y="1447776"/>
+            <a:ext cx="2307160" cy="3025341"/>
+          </a:xfrm>
+          <a:prstGeom prst="rect">
+            <a:avLst/>
+          </a:prstGeom>
+        </p:spPr>
+      </p:pic>
+    </p:spTree>
+    <p:extLst>
+      <p:ext uri="{BB962C8B-B14F-4D97-AF65-F5344CB8AC3E}">
+        <p14:creationId xmlns:p14="http://schemas.microsoft.com/office/powerpoint/2010/main" val="3358936486"/>
+      </p:ext>
+    </p:extLst>
+  </p:cSld>
+  <p:clrMapOvr>
+    <a:masterClrMapping/>
+  </p:clrMapOvr>
+  <p:timing>
+    <p:tnLst>
+      <p:par>
+        <p:cTn id="1" dur="indefinite" restart="never" nodeType="tmRoot"/>
+      </p:par>
+    </p:tnLst>
+  </p:timing>
+</p:sld>
+</file>
+
+<file path=ppt/slides/slide9.xml><?xml version="1.0" encoding="utf-8"?>
+<p:sld xmlns:a="http://schemas.openxmlformats.org/drawingml/2006/main" xmlns:r="http://schemas.openxmlformats.org/officeDocument/2006/relationships" xmlns:p="http://schemas.openxmlformats.org/presentationml/2006/main">
+  <p:cSld>
+    <p:spTree>
+      <p:nvGrpSpPr>
+        <p:cNvPr id="1" name=""/>
+        <p:cNvGrpSpPr/>
+        <p:nvPr/>
+      </p:nvGrpSpPr>
+      <p:grpSpPr>
+        <a:xfrm>
+          <a:off x="0" y="0"/>
+          <a:ext cx="0" cy="0"/>
+          <a:chOff x="0" y="0"/>
+          <a:chExt cx="0" cy="0"/>
+        </a:xfrm>
+      </p:grpSpPr>
+      <p:sp>
+        <p:nvSpPr>
+          <p:cNvPr id="2" name="标题 1"/>
+          <p:cNvSpPr>
+            <a:spLocks noGrp="1"/>
+          </p:cNvSpPr>
+          <p:nvPr>
+            <p:ph type="title"/>
+          </p:nvPr>
+        </p:nvSpPr>
+        <p:spPr/>
+        <p:txBody>
+          <a:bodyPr/>
+          <a:lstStyle/>
+          <a:p>
+            <a:r>
+              <a:rPr lang="zh-CN" altLang="en-US" smtClean="0"/>
+              <a:t>学习路线</a:t>
+            </a:r>
+            <a:endParaRPr lang="zh-CN" altLang="en-US" dirty="0"/>
+          </a:p>
+        </p:txBody>
+      </p:sp>
+      <p:pic>
+        <p:nvPicPr>
+          <p:cNvPr id="6" name="图片 5"/>
+          <p:cNvPicPr>
+            <a:picLocks noChangeAspect="1"/>
+          </p:cNvPicPr>
+          <p:nvPr/>
+        </p:nvPicPr>
+        <p:blipFill>
+          <a:blip r:embed="rId2">
+            <a:extLst>
+              <a:ext uri="{28A0092B-C50C-407E-A947-70E740481C1C}">
+                <a14:useLocalDpi xmlns:a14="http://schemas.microsoft.com/office/drawing/2010/main" val="0"/>
+              </a:ext>
+            </a:extLst>
+          </a:blip>
+          <a:stretch>
+            <a:fillRect/>
+          </a:stretch>
+        </p:blipFill>
+        <p:spPr>
+          <a:xfrm>
+            <a:off x="2063552" y="1232756"/>
+            <a:ext cx="7796340" cy="5508611"/>
+          </a:xfrm>
+          <a:prstGeom prst="rect">
+            <a:avLst/>
+          </a:prstGeom>
+        </p:spPr>
+      </p:pic>
+    </p:spTree>
+    <p:extLst>
+      <p:ext uri="{BB962C8B-B14F-4D97-AF65-F5344CB8AC3E}">
+        <p14:creationId xmlns:p14="http://schemas.microsoft.com/office/powerpoint/2010/main" val="2178217497"/>
+      </p:ext>
+    </p:extLst>
+  </p:cSld>
+  <p:clrMapOvr>
+    <a:masterClrMapping/>
+  </p:clrMapOvr>
+  <p:timing>
+    <p:tnLst>
+      <p:par>
+        <p:cTn id="1" dur="indefinite" restart="never" nodeType="tmRoot"/>
       </p:par>
     </p:tnLst>
   </p:timing>
